--- a/收费-MD/文档/M语言基础知识.pptx
+++ b/收费-MD/文档/M语言基础知识.pptx
@@ -5,26 +5,33 @@
     <p:sldMasterId id="2147483648" r:id="rId1"/>
   </p:sldMasterIdLst>
   <p:notesMasterIdLst>
-    <p:notesMasterId r:id="rId16"/>
+    <p:notesMasterId r:id="rId23"/>
   </p:notesMasterIdLst>
   <p:handoutMasterIdLst>
-    <p:handoutMasterId r:id="rId17"/>
+    <p:handoutMasterId r:id="rId24"/>
   </p:handoutMasterIdLst>
   <p:sldIdLst>
     <p:sldId id="256" r:id="rId2"/>
     <p:sldId id="461" r:id="rId3"/>
     <p:sldId id="468" r:id="rId4"/>
-    <p:sldId id="462" r:id="rId5"/>
-    <p:sldId id="463" r:id="rId6"/>
-    <p:sldId id="464" r:id="rId7"/>
-    <p:sldId id="465" r:id="rId8"/>
-    <p:sldId id="467" r:id="rId9"/>
-    <p:sldId id="469" r:id="rId10"/>
-    <p:sldId id="470" r:id="rId11"/>
-    <p:sldId id="471" r:id="rId12"/>
-    <p:sldId id="472" r:id="rId13"/>
-    <p:sldId id="473" r:id="rId14"/>
+    <p:sldId id="463" r:id="rId5"/>
+    <p:sldId id="464" r:id="rId6"/>
+    <p:sldId id="465" r:id="rId7"/>
+    <p:sldId id="467" r:id="rId8"/>
+    <p:sldId id="469" r:id="rId9"/>
+    <p:sldId id="470" r:id="rId10"/>
+    <p:sldId id="471" r:id="rId11"/>
+    <p:sldId id="472" r:id="rId12"/>
+    <p:sldId id="473" r:id="rId13"/>
+    <p:sldId id="462" r:id="rId14"/>
     <p:sldId id="474" r:id="rId15"/>
+    <p:sldId id="478" r:id="rId16"/>
+    <p:sldId id="475" r:id="rId17"/>
+    <p:sldId id="476" r:id="rId18"/>
+    <p:sldId id="477" r:id="rId19"/>
+    <p:sldId id="479" r:id="rId20"/>
+    <p:sldId id="480" r:id="rId21"/>
+    <p:sldId id="481" r:id="rId22"/>
   </p:sldIdLst>
   <p:sldSz cx="12192000" cy="6858000"/>
   <p:notesSz cx="6797675" cy="9926638"/>
@@ -225,7 +232,7 @@
             <a:fld id="{5A949FC2-0CC3-4CD2-A564-F9B51F5A119A}" type="datetimeFigureOut">
               <a:rPr lang="zh-CN" altLang="en-US" smtClean="0"/>
               <a:pPr/>
-              <a:t>2019/7/4</a:t>
+              <a:t>2019/7/11</a:t>
             </a:fld>
             <a:endParaRPr lang="zh-CN" altLang="en-US"/>
           </a:p>
@@ -393,7 +400,7 @@
             <a:fld id="{FD1D2BF6-8155-4AEE-B162-1A0749AE04F6}" type="datetimeFigureOut">
               <a:rPr lang="en-US" smtClean="0"/>
               <a:pPr/>
-              <a:t>7/4/2019</a:t>
+              <a:t>7/11/2019</a:t>
             </a:fld>
             <a:endParaRPr lang="en-US"/>
           </a:p>
@@ -2411,10 +2418,10 @@
       </p:sp>
       <p:sp>
         <p:nvSpPr>
-          <p:cNvPr id="3" name="矩形 2">
+          <p:cNvPr id="4" name="矩形 3">
             <a:extLst>
               <a:ext uri="{FF2B5EF4-FFF2-40B4-BE49-F238E27FC236}">
-                <a16:creationId xmlns:a16="http://schemas.microsoft.com/office/drawing/2014/main" id="{4EB00698-0462-4D06-BD24-7E6F27EC4B3F}"/>
+                <a16:creationId xmlns:a16="http://schemas.microsoft.com/office/drawing/2014/main" id="{60B0D5D9-94A7-49E3-B0ED-33A096ED7AB9}"/>
               </a:ext>
             </a:extLst>
           </p:cNvPr>
@@ -2423,8 +2430,128 @@
         </p:nvSpPr>
         <p:spPr>
           <a:xfrm>
-            <a:off x="291547" y="1104472"/>
-            <a:ext cx="10641496" cy="5355312"/>
+            <a:off x="682579" y="1145810"/>
+            <a:ext cx="6096000" cy="1200329"/>
+          </a:xfrm>
+          <a:prstGeom prst="rect">
+            <a:avLst/>
+          </a:prstGeom>
+        </p:spPr>
+        <p:txBody>
+          <a:bodyPr>
+            <a:spAutoFit/>
+          </a:bodyPr>
+          <a:lstStyle/>
+          <a:p>
+            <a:r>
+              <a:rPr lang="en-US" altLang="zh-CN" dirty="0"/>
+              <a:t>4</a:t>
+            </a:r>
+            <a:r>
+              <a:rPr lang="zh-CN" altLang="en-US" dirty="0"/>
+              <a:t>、</a:t>
+            </a:r>
+            <a:r>
+              <a:rPr lang="en-US" altLang="zh-CN" dirty="0"/>
+              <a:t>$extract($e)</a:t>
+            </a:r>
+            <a:r>
+              <a:rPr lang="zh-CN" altLang="en-US" dirty="0"/>
+              <a:t>返回字符串的指定部分</a:t>
+            </a:r>
+            <a:br>
+              <a:rPr lang="zh-CN" altLang="en-US" dirty="0"/>
+            </a:br>
+            <a:br>
+              <a:rPr lang="zh-CN" altLang="en-US" dirty="0"/>
+            </a:br>
+            <a:r>
+              <a:rPr lang="zh-CN" altLang="en-US" dirty="0">
+                <a:solidFill>
+                  <a:srgbClr val="008000"/>
+                </a:solidFill>
+              </a:rPr>
+              <a:t>    </a:t>
+            </a:r>
+            <a:r>
+              <a:rPr lang="en-US" altLang="zh-CN" dirty="0">
+                <a:solidFill>
+                  <a:srgbClr val="008000"/>
+                </a:solidFill>
+              </a:rPr>
+              <a:t>DHC-APP&gt;w $e("abcd",2,3) //</a:t>
+            </a:r>
+            <a:r>
+              <a:rPr lang="zh-CN" altLang="en-US" dirty="0">
+                <a:solidFill>
+                  <a:srgbClr val="008000"/>
+                </a:solidFill>
+              </a:rPr>
+              <a:t>从第二个位置开始取</a:t>
+            </a:r>
+            <a:r>
+              <a:rPr lang="en-US" altLang="zh-CN" dirty="0">
+                <a:solidFill>
+                  <a:srgbClr val="008000"/>
+                </a:solidFill>
+              </a:rPr>
+              <a:t>3</a:t>
+            </a:r>
+            <a:r>
+              <a:rPr lang="zh-CN" altLang="en-US" dirty="0">
+                <a:solidFill>
+                  <a:srgbClr val="008000"/>
+                </a:solidFill>
+              </a:rPr>
+              <a:t>个</a:t>
+            </a:r>
+            <a:br>
+              <a:rPr lang="zh-CN" altLang="en-US" dirty="0"/>
+            </a:br>
+            <a:r>
+              <a:rPr lang="zh-CN" altLang="en-US" dirty="0">
+                <a:solidFill>
+                  <a:srgbClr val="008000"/>
+                </a:solidFill>
+              </a:rPr>
+              <a:t>    </a:t>
+            </a:r>
+            <a:r>
+              <a:rPr lang="en-US" altLang="zh-CN" dirty="0" err="1">
+                <a:solidFill>
+                  <a:srgbClr val="008000"/>
+                </a:solidFill>
+              </a:rPr>
+              <a:t>bcd</a:t>
+            </a:r>
+            <a:r>
+              <a:rPr lang="en-US" altLang="zh-CN" dirty="0">
+                <a:solidFill>
+                  <a:srgbClr val="008000"/>
+                </a:solidFill>
+              </a:rPr>
+              <a:t>   </a:t>
+            </a:r>
+            <a:endParaRPr lang="zh-CN" altLang="en-US" dirty="0"/>
+          </a:p>
+        </p:txBody>
+      </p:sp>
+      <p:sp>
+        <p:nvSpPr>
+          <p:cNvPr id="6" name="矩形 5">
+            <a:extLst>
+              <a:ext uri="{FF2B5EF4-FFF2-40B4-BE49-F238E27FC236}">
+                <a16:creationId xmlns:a16="http://schemas.microsoft.com/office/drawing/2014/main" id="{40CB909A-55EE-41C9-85A6-973459FC51DA}"/>
+              </a:ext>
+            </a:extLst>
+          </p:cNvPr>
+          <p:cNvSpPr/>
+          <p:nvPr/>
+        </p:nvSpPr>
+        <p:spPr>
+          <a:xfrm>
+            <a:off x="682579" y="2665202"/>
+            <a:ext cx="12688864" cy="3416320"/>
           </a:xfrm>
           <a:prstGeom prst="rect">
             <a:avLst/>
@@ -2438,7 +2565,7 @@
           <a:p>
             <a:r>
               <a:rPr lang="en-US" altLang="zh-CN" dirty="0"/>
-              <a:t>3</a:t>
+              <a:t>5</a:t>
             </a:r>
             <a:r>
               <a:rPr lang="zh-CN" altLang="en-US" dirty="0"/>
@@ -2446,12 +2573,15 @@
             </a:r>
             <a:r>
               <a:rPr lang="en-US" altLang="zh-CN" dirty="0"/>
-              <a:t>$data($d)</a:t>
-            </a:r>
-            <a:r>
-              <a:rPr lang="zh-CN" altLang="en-US" dirty="0"/>
-              <a:t>是一个节点的判断，判断变量是否存在。</a:t>
-            </a:r>
+              <a:t>$justify($j)</a:t>
+            </a:r>
+            <a:r>
+              <a:rPr lang="zh-CN" altLang="en-US" dirty="0"/>
+              <a:t>返回一个右对齐的值，并可以改变它的格式。</a:t>
+            </a:r>
+            <a:br>
+              <a:rPr lang="zh-CN" altLang="en-US" dirty="0"/>
+            </a:br>
             <a:br>
               <a:rPr lang="zh-CN" altLang="en-US" dirty="0"/>
             </a:br>
@@ -2469,69 +2599,13 @@
                   <a:srgbClr val="008000"/>
                 </a:solidFill>
               </a:rPr>
-              <a:t>DHC-APP&gt;s n(1)=1</a:t>
-            </a:r>
-            <a:br>
-              <a:rPr lang="en-US" altLang="zh-CN" dirty="0"/>
-            </a:br>
-            <a:r>
-              <a:rPr lang="en-US" altLang="zh-CN" dirty="0"/>
-              <a:t> </a:t>
-            </a:r>
-            <a:br>
-              <a:rPr lang="en-US" altLang="zh-CN" dirty="0"/>
-            </a:br>
-            <a:r>
-              <a:rPr lang="en-US" altLang="zh-CN" dirty="0">
-                <a:solidFill>
-                  <a:srgbClr val="008000"/>
-                </a:solidFill>
-              </a:rPr>
-              <a:t>    DHC-APP&gt;s n(1,1)=1</a:t>
-            </a:r>
-            <a:br>
-              <a:rPr lang="en-US" altLang="zh-CN" dirty="0"/>
-            </a:br>
-            <a:r>
-              <a:rPr lang="en-US" altLang="zh-CN" dirty="0">
-                <a:solidFill>
-                  <a:srgbClr val="008000"/>
-                </a:solidFill>
-              </a:rPr>
-              <a:t>     </a:t>
-            </a:r>
-            <a:br>
-              <a:rPr lang="en-US" altLang="zh-CN" dirty="0"/>
-            </a:br>
-            <a:r>
-              <a:rPr lang="en-US" altLang="zh-CN" dirty="0">
-                <a:solidFill>
-                  <a:srgbClr val="008000"/>
-                </a:solidFill>
-              </a:rPr>
-              <a:t>    DHC-APP&gt;w $d(n(2))  //n(2)</a:t>
-            </a:r>
-            <a:r>
-              <a:rPr lang="zh-CN" altLang="en-US" dirty="0">
-                <a:solidFill>
-                  <a:srgbClr val="008000"/>
-                </a:solidFill>
-              </a:rPr>
-              <a:t>节点不存在返回</a:t>
-            </a:r>
-            <a:r>
-              <a:rPr lang="en-US" altLang="zh-CN" dirty="0">
-                <a:solidFill>
-                  <a:srgbClr val="008000"/>
-                </a:solidFill>
-              </a:rPr>
-              <a:t>0</a:t>
-            </a:r>
-            <a:br>
-              <a:rPr lang="zh-CN" altLang="en-US" dirty="0"/>
-            </a:br>
-            <a:r>
-              <a:rPr lang="zh-CN" altLang="en-US" dirty="0">
+              <a:t>DHC-APP&gt;w $j("abcde",5)</a:t>
+            </a:r>
+            <a:br>
+              <a:rPr lang="en-US" altLang="zh-CN" dirty="0"/>
+            </a:br>
+            <a:r>
+              <a:rPr lang="en-US" altLang="zh-CN" dirty="0">
                 <a:solidFill>
                   <a:srgbClr val="008000"/>
                 </a:solidFill>
@@ -2539,12 +2613,174 @@
               <a:t>    </a:t>
             </a:r>
             <a:r>
-              <a:rPr lang="en-US" altLang="zh-CN" dirty="0">
-                <a:solidFill>
-                  <a:srgbClr val="008000"/>
-                </a:solidFill>
-              </a:rPr>
-              <a:t>0</a:t>
+              <a:rPr lang="en-US" altLang="zh-CN" dirty="0" err="1">
+                <a:solidFill>
+                  <a:srgbClr val="008000"/>
+                </a:solidFill>
+              </a:rPr>
+              <a:t>abcde</a:t>
+            </a:r>
+            <a:br>
+              <a:rPr lang="en-US" altLang="zh-CN" dirty="0"/>
+            </a:br>
+            <a:r>
+              <a:rPr lang="en-US" altLang="zh-CN" dirty="0">
+                <a:solidFill>
+                  <a:srgbClr val="008000"/>
+                </a:solidFill>
+              </a:rPr>
+              <a:t>    DHC-APP&gt;w $j("abcde",7)</a:t>
+            </a:r>
+            <a:br>
+              <a:rPr lang="en-US" altLang="zh-CN" dirty="0"/>
+            </a:br>
+            <a:r>
+              <a:rPr lang="en-US" altLang="zh-CN" dirty="0">
+                <a:solidFill>
+                  <a:srgbClr val="008000"/>
+                </a:solidFill>
+              </a:rPr>
+              <a:t>      </a:t>
+            </a:r>
+            <a:r>
+              <a:rPr lang="en-US" altLang="zh-CN" dirty="0" err="1">
+                <a:solidFill>
+                  <a:srgbClr val="008000"/>
+                </a:solidFill>
+              </a:rPr>
+              <a:t>abcde</a:t>
+            </a:r>
+            <a:br>
+              <a:rPr lang="en-US" altLang="zh-CN" dirty="0"/>
+            </a:br>
+            <a:r>
+              <a:rPr lang="en-US" altLang="zh-CN" dirty="0">
+                <a:solidFill>
+                  <a:srgbClr val="008000"/>
+                </a:solidFill>
+              </a:rPr>
+              <a:t>    DHC-APP&gt;w $j("abcde",9)</a:t>
+            </a:r>
+            <a:br>
+              <a:rPr lang="en-US" altLang="zh-CN" dirty="0"/>
+            </a:br>
+            <a:r>
+              <a:rPr lang="en-US" altLang="zh-CN" dirty="0">
+                <a:solidFill>
+                  <a:srgbClr val="008000"/>
+                </a:solidFill>
+              </a:rPr>
+              <a:t>        </a:t>
+            </a:r>
+            <a:r>
+              <a:rPr lang="en-US" altLang="zh-CN" dirty="0" err="1">
+                <a:solidFill>
+                  <a:srgbClr val="008000"/>
+                </a:solidFill>
+              </a:rPr>
+              <a:t>abcde</a:t>
+            </a:r>
+            <a:br>
+              <a:rPr lang="en-US" altLang="zh-CN" dirty="0"/>
+            </a:br>
+            <a:br>
+              <a:rPr lang="en-US" altLang="zh-CN" dirty="0"/>
+            </a:br>
+            <a:r>
+              <a:rPr lang="en-US" altLang="zh-CN" dirty="0">
+                <a:solidFill>
+                  <a:srgbClr val="008000"/>
+                </a:solidFill>
+              </a:rPr>
+              <a:t>    $JOB($j)</a:t>
+            </a:r>
+            <a:r>
+              <a:rPr lang="zh-CN" altLang="en-US" dirty="0">
+                <a:solidFill>
+                  <a:srgbClr val="008000"/>
+                </a:solidFill>
+              </a:rPr>
+              <a:t>包含当前进程的</a:t>
+            </a:r>
+            <a:r>
+              <a:rPr lang="en-US" altLang="zh-CN" dirty="0">
+                <a:solidFill>
+                  <a:srgbClr val="008000"/>
+                </a:solidFill>
+              </a:rPr>
+              <a:t>ID</a:t>
+            </a:r>
+            <a:r>
+              <a:rPr lang="zh-CN" altLang="en-US" dirty="0">
+                <a:solidFill>
+                  <a:srgbClr val="008000"/>
+                </a:solidFill>
+              </a:rPr>
+              <a:t>号。此</a:t>
+            </a:r>
+            <a:r>
+              <a:rPr lang="en-US" altLang="zh-CN" dirty="0">
+                <a:solidFill>
+                  <a:srgbClr val="008000"/>
+                </a:solidFill>
+              </a:rPr>
+              <a:t>ID</a:t>
+            </a:r>
+            <a:r>
+              <a:rPr lang="zh-CN" altLang="en-US" dirty="0">
+                <a:solidFill>
+                  <a:srgbClr val="008000"/>
+                </a:solidFill>
+              </a:rPr>
+              <a:t>号是主机操作系统的实际进程</a:t>
+            </a:r>
+            <a:r>
+              <a:rPr lang="en-US" altLang="zh-CN" dirty="0">
+                <a:solidFill>
+                  <a:srgbClr val="008000"/>
+                </a:solidFill>
+              </a:rPr>
+              <a:t>ID</a:t>
+            </a:r>
+            <a:r>
+              <a:rPr lang="zh-CN" altLang="en-US" dirty="0">
+                <a:solidFill>
+                  <a:srgbClr val="008000"/>
+                </a:solidFill>
+              </a:rPr>
+              <a:t>（</a:t>
+            </a:r>
+            <a:r>
+              <a:rPr lang="en-US" altLang="zh-CN" dirty="0" err="1">
+                <a:solidFill>
+                  <a:srgbClr val="008000"/>
+                </a:solidFill>
+              </a:rPr>
+              <a:t>pid</a:t>
+            </a:r>
+            <a:r>
+              <a:rPr lang="zh-CN" altLang="en-US" dirty="0">
+                <a:solidFill>
+                  <a:srgbClr val="008000"/>
+                </a:solidFill>
+              </a:rPr>
+              <a:t>）。此</a:t>
+            </a:r>
+            <a:r>
+              <a:rPr lang="en-US" altLang="zh-CN" dirty="0">
+                <a:solidFill>
+                  <a:srgbClr val="008000"/>
+                </a:solidFill>
+              </a:rPr>
+              <a:t>ID</a:t>
+            </a:r>
+            <a:r>
+              <a:rPr lang="zh-CN" altLang="en-US" dirty="0">
+                <a:solidFill>
+                  <a:srgbClr val="008000"/>
+                </a:solidFill>
+              </a:rPr>
+              <a:t>号对于每个进程都是唯一的。</a:t>
             </a:r>
             <a:br>
               <a:rPr lang="zh-CN" altLang="en-US" dirty="0"/>
@@ -2563,204 +2799,18 @@
                   <a:srgbClr val="008000"/>
                 </a:solidFill>
               </a:rPr>
-              <a:t>DHC-APP&gt;w $d(n(1))  //n(1)</a:t>
-            </a:r>
-            <a:r>
-              <a:rPr lang="zh-CN" altLang="en-US" dirty="0">
-                <a:solidFill>
-                  <a:srgbClr val="008000"/>
-                </a:solidFill>
-              </a:rPr>
-              <a:t>存在有值，并且子节点存在有值返回</a:t>
-            </a:r>
-            <a:r>
-              <a:rPr lang="en-US" altLang="zh-CN" dirty="0">
-                <a:solidFill>
-                  <a:srgbClr val="008000"/>
-                </a:solidFill>
-              </a:rPr>
-              <a:t>11</a:t>
-            </a:r>
-            <a:br>
-              <a:rPr lang="zh-CN" altLang="en-US" dirty="0"/>
-            </a:br>
-            <a:r>
-              <a:rPr lang="zh-CN" altLang="en-US" dirty="0">
-                <a:solidFill>
-                  <a:srgbClr val="008000"/>
-                </a:solidFill>
-              </a:rPr>
-              <a:t>    </a:t>
-            </a:r>
-            <a:r>
-              <a:rPr lang="en-US" altLang="zh-CN" dirty="0">
-                <a:solidFill>
-                  <a:srgbClr val="008000"/>
-                </a:solidFill>
-              </a:rPr>
-              <a:t>11</a:t>
-            </a:r>
-            <a:br>
-              <a:rPr lang="zh-CN" altLang="en-US" dirty="0"/>
-            </a:br>
-            <a:r>
-              <a:rPr lang="zh-CN" altLang="en-US" dirty="0">
-                <a:solidFill>
-                  <a:srgbClr val="008000"/>
-                </a:solidFill>
-              </a:rPr>
-              <a:t>    </a:t>
-            </a:r>
-            <a:r>
-              <a:rPr lang="en-US" altLang="zh-CN" dirty="0">
-                <a:solidFill>
-                  <a:srgbClr val="008000"/>
-                </a:solidFill>
-              </a:rPr>
-              <a:t>DHC-APP&gt;w $d(n(1,1)) //n(1,1)</a:t>
-            </a:r>
-            <a:r>
-              <a:rPr lang="zh-CN" altLang="en-US" dirty="0">
-                <a:solidFill>
-                  <a:srgbClr val="008000"/>
-                </a:solidFill>
-              </a:rPr>
-              <a:t>存在有值返回</a:t>
-            </a:r>
-            <a:r>
-              <a:rPr lang="en-US" altLang="zh-CN" dirty="0">
-                <a:solidFill>
-                  <a:srgbClr val="008000"/>
-                </a:solidFill>
-              </a:rPr>
-              <a:t>1</a:t>
-            </a:r>
-            <a:br>
-              <a:rPr lang="zh-CN" altLang="en-US" dirty="0"/>
-            </a:br>
-            <a:r>
-              <a:rPr lang="zh-CN" altLang="en-US" dirty="0">
-                <a:solidFill>
-                  <a:srgbClr val="008000"/>
-                </a:solidFill>
-              </a:rPr>
-              <a:t>    </a:t>
-            </a:r>
-            <a:r>
-              <a:rPr lang="en-US" altLang="zh-CN" dirty="0">
-                <a:solidFill>
-                  <a:srgbClr val="008000"/>
-                </a:solidFill>
-              </a:rPr>
-              <a:t>1</a:t>
-            </a:r>
-            <a:br>
-              <a:rPr lang="zh-CN" altLang="en-US" dirty="0"/>
-            </a:br>
-            <a:r>
-              <a:rPr lang="zh-CN" altLang="en-US" dirty="0">
-                <a:solidFill>
-                  <a:srgbClr val="008000"/>
-                </a:solidFill>
-              </a:rPr>
-              <a:t>    </a:t>
-            </a:r>
-            <a:r>
-              <a:rPr lang="en-US" altLang="zh-CN" dirty="0">
-                <a:solidFill>
-                  <a:srgbClr val="008000"/>
-                </a:solidFill>
-              </a:rPr>
-              <a:t>DHC-APP&gt;k n(1)</a:t>
-            </a:r>
-            <a:br>
-              <a:rPr lang="en-US" altLang="zh-CN" dirty="0"/>
-            </a:br>
-            <a:r>
-              <a:rPr lang="en-US" altLang="zh-CN" dirty="0"/>
-              <a:t> </a:t>
-            </a:r>
-            <a:br>
-              <a:rPr lang="en-US" altLang="zh-CN" dirty="0"/>
-            </a:br>
-            <a:r>
-              <a:rPr lang="en-US" altLang="zh-CN" dirty="0">
-                <a:solidFill>
-                  <a:srgbClr val="008000"/>
-                </a:solidFill>
-              </a:rPr>
-              <a:t>    DHC-APP&gt;zw n</a:t>
-            </a:r>
-            <a:br>
-              <a:rPr lang="en-US" altLang="zh-CN" dirty="0"/>
-            </a:br>
-            <a:r>
-              <a:rPr lang="en-US" altLang="zh-CN" dirty="0">
-                <a:solidFill>
-                  <a:srgbClr val="008000"/>
-                </a:solidFill>
-              </a:rPr>
-              <a:t>     </a:t>
-            </a:r>
-            <a:br>
-              <a:rPr lang="en-US" altLang="zh-CN" dirty="0"/>
-            </a:br>
-            <a:r>
-              <a:rPr lang="en-US" altLang="zh-CN" dirty="0">
-                <a:solidFill>
-                  <a:srgbClr val="008000"/>
-                </a:solidFill>
-              </a:rPr>
-              <a:t>    DHC-APP&gt;s n(1,2)=12</a:t>
-            </a:r>
-            <a:br>
-              <a:rPr lang="en-US" altLang="zh-CN" dirty="0"/>
-            </a:br>
-            <a:r>
-              <a:rPr lang="en-US" altLang="zh-CN" dirty="0">
-                <a:solidFill>
-                  <a:srgbClr val="008000"/>
-                </a:solidFill>
-              </a:rPr>
-              <a:t>     </a:t>
-            </a:r>
-            <a:br>
-              <a:rPr lang="en-US" altLang="zh-CN" dirty="0"/>
-            </a:br>
-            <a:r>
-              <a:rPr lang="en-US" altLang="zh-CN" dirty="0">
-                <a:solidFill>
-                  <a:srgbClr val="008000"/>
-                </a:solidFill>
-              </a:rPr>
-              <a:t>    DHC-APP&gt;w $d(n(1))  //n(1)</a:t>
-            </a:r>
-            <a:r>
-              <a:rPr lang="zh-CN" altLang="en-US" dirty="0">
-                <a:solidFill>
-                  <a:srgbClr val="008000"/>
-                </a:solidFill>
-              </a:rPr>
-              <a:t>没有值，但是存在子节点且有值</a:t>
-            </a:r>
-            <a:br>
-              <a:rPr lang="zh-CN" altLang="en-US" dirty="0"/>
-            </a:br>
-            <a:r>
-              <a:rPr lang="zh-CN" altLang="en-US" dirty="0">
-                <a:solidFill>
-                  <a:srgbClr val="008000"/>
-                </a:solidFill>
-              </a:rPr>
-              <a:t>    </a:t>
-            </a:r>
-            <a:r>
-              <a:rPr lang="en-US" altLang="zh-CN" dirty="0">
-                <a:solidFill>
-                  <a:srgbClr val="008000"/>
-                </a:solidFill>
-              </a:rPr>
-              <a:t>10</a:t>
+              <a:t>DHC-APP&gt;zw $j</a:t>
+            </a:r>
+            <a:br>
+              <a:rPr lang="en-US" altLang="zh-CN" dirty="0"/>
+            </a:br>
+            <a:r>
+              <a:rPr lang="en-US" altLang="zh-CN" dirty="0">
+                <a:solidFill>
+                  <a:srgbClr val="008000"/>
+                </a:solidFill>
+              </a:rPr>
+              <a:t>    207556</a:t>
             </a:r>
             <a:endParaRPr lang="zh-CN" altLang="en-US" dirty="0"/>
           </a:p>
@@ -2769,7 +2819,7 @@
     </p:spTree>
     <p:extLst>
       <p:ext uri="{BB962C8B-B14F-4D97-AF65-F5344CB8AC3E}">
-        <p14:creationId xmlns:p14="http://schemas.microsoft.com/office/powerpoint/2010/main" val="2805697169"/>
+        <p14:creationId xmlns:p14="http://schemas.microsoft.com/office/powerpoint/2010/main" val="3389366337"/>
       </p:ext>
     </p:extLst>
   </p:cSld>
@@ -2867,10 +2917,10 @@
       </p:sp>
       <p:sp>
         <p:nvSpPr>
-          <p:cNvPr id="4" name="矩形 3">
+          <p:cNvPr id="3" name="矩形 2">
             <a:extLst>
               <a:ext uri="{FF2B5EF4-FFF2-40B4-BE49-F238E27FC236}">
-                <a16:creationId xmlns:a16="http://schemas.microsoft.com/office/drawing/2014/main" id="{60B0D5D9-94A7-49E3-B0ED-33A096ED7AB9}"/>
+                <a16:creationId xmlns:a16="http://schemas.microsoft.com/office/drawing/2014/main" id="{884731ED-793F-464A-903C-883059B2BD05}"/>
               </a:ext>
             </a:extLst>
           </p:cNvPr>
@@ -2879,8 +2929,8 @@
         </p:nvSpPr>
         <p:spPr>
           <a:xfrm>
-            <a:off x="682579" y="1145810"/>
-            <a:ext cx="6096000" cy="1200329"/>
+            <a:off x="682579" y="1180886"/>
+            <a:ext cx="6096000" cy="2031325"/>
           </a:xfrm>
           <a:prstGeom prst="rect">
             <a:avLst/>
@@ -2894,7 +2944,7 @@
           <a:p>
             <a:r>
               <a:rPr lang="en-US" altLang="zh-CN" dirty="0"/>
-              <a:t>4</a:t>
+              <a:t>6</a:t>
             </a:r>
             <a:r>
               <a:rPr lang="zh-CN" altLang="en-US" dirty="0"/>
@@ -2902,11 +2952,11 @@
             </a:r>
             <a:r>
               <a:rPr lang="en-US" altLang="zh-CN" dirty="0"/>
-              <a:t>$extract($e)</a:t>
-            </a:r>
-            <a:r>
-              <a:rPr lang="zh-CN" altLang="en-US" dirty="0"/>
-              <a:t>返回字符串的指定部分</a:t>
+              <a:t>$Length($L)</a:t>
+            </a:r>
+            <a:r>
+              <a:rPr lang="zh-CN" altLang="en-US" dirty="0"/>
+              <a:t>返回字符串的长度，或者是被分隔符的子串个数。</a:t>
             </a:r>
             <a:br>
               <a:rPr lang="zh-CN" altLang="en-US" dirty="0"/>
@@ -2928,58 +2978,40 @@
                   <a:srgbClr val="008000"/>
                 </a:solidFill>
               </a:rPr>
-              <a:t>DHC-APP&gt;w $e("abcd",2,3) //</a:t>
-            </a:r>
-            <a:r>
-              <a:rPr lang="zh-CN" altLang="en-US" dirty="0">
-                <a:solidFill>
-                  <a:srgbClr val="008000"/>
-                </a:solidFill>
-              </a:rPr>
-              <a:t>从第二个位置开始取</a:t>
-            </a:r>
-            <a:r>
-              <a:rPr lang="en-US" altLang="zh-CN" dirty="0">
-                <a:solidFill>
-                  <a:srgbClr val="008000"/>
-                </a:solidFill>
-              </a:rPr>
-              <a:t>3</a:t>
-            </a:r>
-            <a:r>
-              <a:rPr lang="zh-CN" altLang="en-US" dirty="0">
-                <a:solidFill>
-                  <a:srgbClr val="008000"/>
-                </a:solidFill>
-              </a:rPr>
-              <a:t>个</a:t>
-            </a:r>
-            <a:br>
-              <a:rPr lang="zh-CN" altLang="en-US" dirty="0"/>
-            </a:br>
-            <a:r>
-              <a:rPr lang="zh-CN" altLang="en-US" dirty="0">
-                <a:solidFill>
-                  <a:srgbClr val="008000"/>
-                </a:solidFill>
-              </a:rPr>
-              <a:t>    </a:t>
-            </a:r>
-            <a:r>
-              <a:rPr lang="en-US" altLang="zh-CN" dirty="0" err="1">
-                <a:solidFill>
-                  <a:srgbClr val="008000"/>
-                </a:solidFill>
-              </a:rPr>
-              <a:t>bcd</a:t>
-            </a:r>
-            <a:r>
-              <a:rPr lang="en-US" altLang="zh-CN" dirty="0">
-                <a:solidFill>
-                  <a:srgbClr val="008000"/>
-                </a:solidFill>
-              </a:rPr>
-              <a:t>   </a:t>
+              <a:t>DHC-APP&gt;w $l("abcd")</a:t>
+            </a:r>
+            <a:br>
+              <a:rPr lang="en-US" altLang="zh-CN" dirty="0"/>
+            </a:br>
+            <a:r>
+              <a:rPr lang="en-US" altLang="zh-CN" dirty="0">
+                <a:solidFill>
+                  <a:srgbClr val="008000"/>
+                </a:solidFill>
+              </a:rPr>
+              <a:t>    4</a:t>
+            </a:r>
+            <a:br>
+              <a:rPr lang="en-US" altLang="zh-CN" dirty="0"/>
+            </a:br>
+            <a:r>
+              <a:rPr lang="en-US" altLang="zh-CN" dirty="0">
+                <a:solidFill>
+                  <a:srgbClr val="008000"/>
+                </a:solidFill>
+              </a:rPr>
+              <a:t>    DHC-APP&gt;w $l("a/b/c/d/e/f","/")</a:t>
+            </a:r>
+            <a:br>
+              <a:rPr lang="en-US" altLang="zh-CN" dirty="0"/>
+            </a:br>
+            <a:r>
+              <a:rPr lang="en-US" altLang="zh-CN" dirty="0">
+                <a:solidFill>
+                  <a:srgbClr val="008000"/>
+                </a:solidFill>
+              </a:rPr>
+              <a:t>    6</a:t>
             </a:r>
             <a:endParaRPr lang="zh-CN" altLang="en-US" dirty="0"/>
           </a:p>
@@ -2987,10 +3019,10 @@
       </p:sp>
       <p:sp>
         <p:nvSpPr>
-          <p:cNvPr id="6" name="矩形 5">
+          <p:cNvPr id="7" name="矩形 6">
             <a:extLst>
               <a:ext uri="{FF2B5EF4-FFF2-40B4-BE49-F238E27FC236}">
-                <a16:creationId xmlns:a16="http://schemas.microsoft.com/office/drawing/2014/main" id="{40CB909A-55EE-41C9-85A6-973459FC51DA}"/>
+                <a16:creationId xmlns:a16="http://schemas.microsoft.com/office/drawing/2014/main" id="{8BA9B9C3-ABC9-4C1E-8074-057DDD345899}"/>
               </a:ext>
             </a:extLst>
           </p:cNvPr>
@@ -2999,8 +3031,8 @@
         </p:nvSpPr>
         <p:spPr>
           <a:xfrm>
-            <a:off x="682579" y="2665202"/>
-            <a:ext cx="12688864" cy="3416320"/>
+            <a:off x="682578" y="3677453"/>
+            <a:ext cx="9561351" cy="2308324"/>
           </a:xfrm>
           <a:prstGeom prst="rect">
             <a:avLst/>
@@ -3014,7 +3046,7 @@
           <a:p>
             <a:r>
               <a:rPr lang="en-US" altLang="zh-CN" dirty="0"/>
-              <a:t>5</a:t>
+              <a:t>7</a:t>
             </a:r>
             <a:r>
               <a:rPr lang="zh-CN" altLang="en-US" dirty="0"/>
@@ -3022,11 +3054,19 @@
             </a:r>
             <a:r>
               <a:rPr lang="en-US" altLang="zh-CN" dirty="0"/>
-              <a:t>$justify($j)</a:t>
-            </a:r>
-            <a:r>
-              <a:rPr lang="zh-CN" altLang="en-US" dirty="0"/>
-              <a:t>返回一个右对齐的值，并可以改变它的格式。</a:t>
+              <a:t>$Translate($tr)</a:t>
+            </a:r>
+            <a:r>
+              <a:rPr lang="zh-CN" altLang="en-US" dirty="0"/>
+              <a:t>字符串替换和</a:t>
+            </a:r>
+            <a:r>
+              <a:rPr lang="en-US" altLang="zh-CN" dirty="0"/>
+              <a:t>$zcvt(str,"U")</a:t>
+            </a:r>
+            <a:r>
+              <a:rPr lang="zh-CN" altLang="en-US" dirty="0"/>
+              <a:t>字符串换成大写</a:t>
             </a:r>
             <a:br>
               <a:rPr lang="zh-CN" altLang="en-US" dirty="0"/>
@@ -3048,218 +3088,62 @@
                   <a:srgbClr val="008000"/>
                 </a:solidFill>
               </a:rPr>
-              <a:t>DHC-APP&gt;w $j("abcde",5)</a:t>
-            </a:r>
-            <a:br>
-              <a:rPr lang="en-US" altLang="zh-CN" dirty="0"/>
-            </a:br>
-            <a:r>
-              <a:rPr lang="en-US" altLang="zh-CN" dirty="0">
-                <a:solidFill>
-                  <a:srgbClr val="008000"/>
-                </a:solidFill>
-              </a:rPr>
-              <a:t>    </a:t>
-            </a:r>
-            <a:r>
-              <a:rPr lang="en-US" altLang="zh-CN" dirty="0" err="1">
-                <a:solidFill>
-                  <a:srgbClr val="008000"/>
-                </a:solidFill>
-              </a:rPr>
-              <a:t>abcde</a:t>
-            </a:r>
-            <a:br>
-              <a:rPr lang="en-US" altLang="zh-CN" dirty="0"/>
-            </a:br>
-            <a:r>
-              <a:rPr lang="en-US" altLang="zh-CN" dirty="0">
-                <a:solidFill>
-                  <a:srgbClr val="008000"/>
-                </a:solidFill>
-              </a:rPr>
-              <a:t>    DHC-APP&gt;w $j("abcde",7)</a:t>
-            </a:r>
-            <a:br>
-              <a:rPr lang="en-US" altLang="zh-CN" dirty="0"/>
-            </a:br>
-            <a:r>
-              <a:rPr lang="en-US" altLang="zh-CN" dirty="0">
-                <a:solidFill>
-                  <a:srgbClr val="008000"/>
-                </a:solidFill>
-              </a:rPr>
-              <a:t>      </a:t>
-            </a:r>
-            <a:r>
-              <a:rPr lang="en-US" altLang="zh-CN" dirty="0" err="1">
-                <a:solidFill>
-                  <a:srgbClr val="008000"/>
-                </a:solidFill>
-              </a:rPr>
-              <a:t>abcde</a:t>
-            </a:r>
-            <a:br>
-              <a:rPr lang="en-US" altLang="zh-CN" dirty="0"/>
-            </a:br>
-            <a:r>
-              <a:rPr lang="en-US" altLang="zh-CN" dirty="0">
-                <a:solidFill>
-                  <a:srgbClr val="008000"/>
-                </a:solidFill>
-              </a:rPr>
-              <a:t>    DHC-APP&gt;w $j("abcde",9)</a:t>
-            </a:r>
-            <a:br>
-              <a:rPr lang="en-US" altLang="zh-CN" dirty="0"/>
-            </a:br>
-            <a:r>
-              <a:rPr lang="en-US" altLang="zh-CN" dirty="0">
-                <a:solidFill>
-                  <a:srgbClr val="008000"/>
-                </a:solidFill>
-              </a:rPr>
-              <a:t>        </a:t>
-            </a:r>
-            <a:r>
-              <a:rPr lang="en-US" altLang="zh-CN" dirty="0" err="1">
-                <a:solidFill>
-                  <a:srgbClr val="008000"/>
-                </a:solidFill>
-              </a:rPr>
-              <a:t>abcde</a:t>
-            </a:r>
-            <a:br>
-              <a:rPr lang="en-US" altLang="zh-CN" dirty="0"/>
-            </a:br>
-            <a:br>
-              <a:rPr lang="en-US" altLang="zh-CN" dirty="0"/>
-            </a:br>
-            <a:r>
-              <a:rPr lang="en-US" altLang="zh-CN" dirty="0">
-                <a:solidFill>
-                  <a:srgbClr val="008000"/>
-                </a:solidFill>
-              </a:rPr>
-              <a:t>    $JOB($j)</a:t>
-            </a:r>
-            <a:r>
-              <a:rPr lang="zh-CN" altLang="en-US" dirty="0">
-                <a:solidFill>
-                  <a:srgbClr val="008000"/>
-                </a:solidFill>
-              </a:rPr>
-              <a:t>包含当前进程的</a:t>
-            </a:r>
-            <a:r>
-              <a:rPr lang="en-US" altLang="zh-CN" dirty="0">
-                <a:solidFill>
-                  <a:srgbClr val="008000"/>
-                </a:solidFill>
-              </a:rPr>
-              <a:t>ID</a:t>
-            </a:r>
-            <a:r>
-              <a:rPr lang="zh-CN" altLang="en-US" dirty="0">
-                <a:solidFill>
-                  <a:srgbClr val="008000"/>
-                </a:solidFill>
-              </a:rPr>
-              <a:t>号。此</a:t>
-            </a:r>
-            <a:r>
-              <a:rPr lang="en-US" altLang="zh-CN" dirty="0">
-                <a:solidFill>
-                  <a:srgbClr val="008000"/>
-                </a:solidFill>
-              </a:rPr>
-              <a:t>ID</a:t>
-            </a:r>
-            <a:r>
-              <a:rPr lang="zh-CN" altLang="en-US" dirty="0">
-                <a:solidFill>
-                  <a:srgbClr val="008000"/>
-                </a:solidFill>
-              </a:rPr>
-              <a:t>号是主机操作系统的实际进程</a:t>
-            </a:r>
-            <a:r>
-              <a:rPr lang="en-US" altLang="zh-CN" dirty="0">
-                <a:solidFill>
-                  <a:srgbClr val="008000"/>
-                </a:solidFill>
-              </a:rPr>
-              <a:t>ID</a:t>
-            </a:r>
-            <a:r>
-              <a:rPr lang="zh-CN" altLang="en-US" dirty="0">
-                <a:solidFill>
-                  <a:srgbClr val="008000"/>
-                </a:solidFill>
-              </a:rPr>
-              <a:t>（</a:t>
-            </a:r>
-            <a:r>
-              <a:rPr lang="en-US" altLang="zh-CN" dirty="0" err="1">
-                <a:solidFill>
-                  <a:srgbClr val="008000"/>
-                </a:solidFill>
-              </a:rPr>
-              <a:t>pid</a:t>
-            </a:r>
-            <a:r>
-              <a:rPr lang="zh-CN" altLang="en-US" dirty="0">
-                <a:solidFill>
-                  <a:srgbClr val="008000"/>
-                </a:solidFill>
-              </a:rPr>
-              <a:t>）。此</a:t>
-            </a:r>
-            <a:r>
-              <a:rPr lang="en-US" altLang="zh-CN" dirty="0">
-                <a:solidFill>
-                  <a:srgbClr val="008000"/>
-                </a:solidFill>
-              </a:rPr>
-              <a:t>ID</a:t>
-            </a:r>
-            <a:r>
-              <a:rPr lang="zh-CN" altLang="en-US" dirty="0">
-                <a:solidFill>
-                  <a:srgbClr val="008000"/>
-                </a:solidFill>
-              </a:rPr>
-              <a:t>号对于每个进程都是唯一的。</a:t>
-            </a:r>
-            <a:br>
-              <a:rPr lang="zh-CN" altLang="en-US" dirty="0"/>
-            </a:br>
-            <a:r>
-              <a:rPr lang="zh-CN" altLang="en-US" dirty="0">
-                <a:solidFill>
-                  <a:srgbClr val="008000"/>
-                </a:solidFill>
-              </a:rPr>
-              <a:t>    </a:t>
-            </a:r>
-            <a:r>
-              <a:rPr lang="en-US" altLang="zh-CN" dirty="0">
-                <a:solidFill>
-                  <a:srgbClr val="008000"/>
-                </a:solidFill>
-              </a:rPr>
-              <a:t>DHC-APP&gt;zw $j</a:t>
-            </a:r>
-            <a:br>
-              <a:rPr lang="en-US" altLang="zh-CN" dirty="0"/>
-            </a:br>
-            <a:r>
-              <a:rPr lang="en-US" altLang="zh-CN" dirty="0">
-                <a:solidFill>
-                  <a:srgbClr val="008000"/>
-                </a:solidFill>
-              </a:rPr>
-              <a:t>    207556</a:t>
+              <a:t>DHC-APP&gt;w $tr("ABCDEFGAB","A","a")</a:t>
+            </a:r>
+            <a:br>
+              <a:rPr lang="en-US" altLang="zh-CN" dirty="0"/>
+            </a:br>
+            <a:r>
+              <a:rPr lang="en-US" altLang="zh-CN" dirty="0">
+                <a:solidFill>
+                  <a:srgbClr val="008000"/>
+                </a:solidFill>
+              </a:rPr>
+              <a:t>    aBCDEFGaB</a:t>
+            </a:r>
+            <a:br>
+              <a:rPr lang="en-US" altLang="zh-CN" dirty="0"/>
+            </a:br>
+            <a:r>
+              <a:rPr lang="en-US" altLang="zh-CN" dirty="0">
+                <a:solidFill>
+                  <a:srgbClr val="008000"/>
+                </a:solidFill>
+              </a:rPr>
+              <a:t>    DHC-APP&gt;w $tr("ABCDEFGAB","A","b")</a:t>
+            </a:r>
+            <a:br>
+              <a:rPr lang="en-US" altLang="zh-CN" dirty="0"/>
+            </a:br>
+            <a:r>
+              <a:rPr lang="en-US" altLang="zh-CN" dirty="0">
+                <a:solidFill>
+                  <a:srgbClr val="008000"/>
+                </a:solidFill>
+              </a:rPr>
+              <a:t>    bBCDEFGbB</a:t>
+            </a:r>
+            <a:br>
+              <a:rPr lang="en-US" altLang="zh-CN" dirty="0"/>
+            </a:br>
+            <a:r>
+              <a:rPr lang="en-US" altLang="zh-CN" dirty="0">
+                <a:solidFill>
+                  <a:srgbClr val="008000"/>
+                </a:solidFill>
+              </a:rPr>
+              <a:t>    DHC-APP&gt;w $zcvt("abcd","U")</a:t>
+            </a:r>
+            <a:br>
+              <a:rPr lang="en-US" altLang="zh-CN" dirty="0"/>
+            </a:br>
+            <a:r>
+              <a:rPr lang="en-US" altLang="zh-CN" dirty="0">
+                <a:solidFill>
+                  <a:srgbClr val="008000"/>
+                </a:solidFill>
+              </a:rPr>
+              <a:t>    ABCD</a:t>
             </a:r>
             <a:endParaRPr lang="zh-CN" altLang="en-US" dirty="0"/>
           </a:p>
@@ -3268,7 +3152,7 @@
     </p:spTree>
     <p:extLst>
       <p:ext uri="{BB962C8B-B14F-4D97-AF65-F5344CB8AC3E}">
-        <p14:creationId xmlns:p14="http://schemas.microsoft.com/office/powerpoint/2010/main" val="3389366337"/>
+        <p14:creationId xmlns:p14="http://schemas.microsoft.com/office/powerpoint/2010/main" val="1930454361"/>
       </p:ext>
     </p:extLst>
   </p:cSld>
@@ -3366,10 +3250,10 @@
       </p:sp>
       <p:sp>
         <p:nvSpPr>
-          <p:cNvPr id="3" name="矩形 2">
+          <p:cNvPr id="6" name="矩形 5">
             <a:extLst>
               <a:ext uri="{FF2B5EF4-FFF2-40B4-BE49-F238E27FC236}">
-                <a16:creationId xmlns:a16="http://schemas.microsoft.com/office/drawing/2014/main" id="{884731ED-793F-464A-903C-883059B2BD05}"/>
+                <a16:creationId xmlns:a16="http://schemas.microsoft.com/office/drawing/2014/main" id="{53EF53D4-AD10-4FDA-9CBB-F86A7DF18500}"/>
               </a:ext>
             </a:extLst>
           </p:cNvPr>
@@ -3378,110 +3262,8 @@
         </p:nvSpPr>
         <p:spPr>
           <a:xfrm>
-            <a:off x="682579" y="1180886"/>
-            <a:ext cx="6096000" cy="2031325"/>
-          </a:xfrm>
-          <a:prstGeom prst="rect">
-            <a:avLst/>
-          </a:prstGeom>
-        </p:spPr>
-        <p:txBody>
-          <a:bodyPr>
-            <a:spAutoFit/>
-          </a:bodyPr>
-          <a:lstStyle/>
-          <a:p>
-            <a:r>
-              <a:rPr lang="en-US" altLang="zh-CN" dirty="0"/>
-              <a:t>6</a:t>
-            </a:r>
-            <a:r>
-              <a:rPr lang="zh-CN" altLang="en-US" dirty="0"/>
-              <a:t>、</a:t>
-            </a:r>
-            <a:r>
-              <a:rPr lang="en-US" altLang="zh-CN" dirty="0"/>
-              <a:t>$Length($L)</a:t>
-            </a:r>
-            <a:r>
-              <a:rPr lang="zh-CN" altLang="en-US" dirty="0"/>
-              <a:t>返回字符串的长度，或者是被分隔符的子串个数。</a:t>
-            </a:r>
-            <a:br>
-              <a:rPr lang="zh-CN" altLang="en-US" dirty="0"/>
-            </a:br>
-            <a:br>
-              <a:rPr lang="zh-CN" altLang="en-US" dirty="0"/>
-            </a:br>
-            <a:r>
-              <a:rPr lang="zh-CN" altLang="en-US" dirty="0">
-                <a:solidFill>
-                  <a:srgbClr val="008000"/>
-                </a:solidFill>
-              </a:rPr>
-              <a:t>    </a:t>
-            </a:r>
-            <a:r>
-              <a:rPr lang="en-US" altLang="zh-CN" dirty="0">
-                <a:solidFill>
-                  <a:srgbClr val="008000"/>
-                </a:solidFill>
-              </a:rPr>
-              <a:t>DHC-APP&gt;w $l("abcd")</a:t>
-            </a:r>
-            <a:br>
-              <a:rPr lang="en-US" altLang="zh-CN" dirty="0"/>
-            </a:br>
-            <a:r>
-              <a:rPr lang="en-US" altLang="zh-CN" dirty="0">
-                <a:solidFill>
-                  <a:srgbClr val="008000"/>
-                </a:solidFill>
-              </a:rPr>
-              <a:t>    4</a:t>
-            </a:r>
-            <a:br>
-              <a:rPr lang="en-US" altLang="zh-CN" dirty="0"/>
-            </a:br>
-            <a:r>
-              <a:rPr lang="en-US" altLang="zh-CN" dirty="0">
-                <a:solidFill>
-                  <a:srgbClr val="008000"/>
-                </a:solidFill>
-              </a:rPr>
-              <a:t>    DHC-APP&gt;w $l("a/b/c/d/e/f","/")</a:t>
-            </a:r>
-            <a:br>
-              <a:rPr lang="en-US" altLang="zh-CN" dirty="0"/>
-            </a:br>
-            <a:r>
-              <a:rPr lang="en-US" altLang="zh-CN" dirty="0">
-                <a:solidFill>
-                  <a:srgbClr val="008000"/>
-                </a:solidFill>
-              </a:rPr>
-              <a:t>    6</a:t>
-            </a:r>
-            <a:endParaRPr lang="zh-CN" altLang="en-US" dirty="0"/>
-          </a:p>
-        </p:txBody>
-      </p:sp>
-      <p:sp>
-        <p:nvSpPr>
-          <p:cNvPr id="7" name="矩形 6">
-            <a:extLst>
-              <a:ext uri="{FF2B5EF4-FFF2-40B4-BE49-F238E27FC236}">
-                <a16:creationId xmlns:a16="http://schemas.microsoft.com/office/drawing/2014/main" id="{8BA9B9C3-ABC9-4C1E-8074-057DDD345899}"/>
-              </a:ext>
-            </a:extLst>
-          </p:cNvPr>
-          <p:cNvSpPr/>
-          <p:nvPr/>
-        </p:nvSpPr>
-        <p:spPr>
-          <a:xfrm>
-            <a:off x="682578" y="3677453"/>
-            <a:ext cx="9561351" cy="2308324"/>
+            <a:off x="682578" y="1028343"/>
+            <a:ext cx="11323891" cy="4524315"/>
           </a:xfrm>
           <a:prstGeom prst="rect">
             <a:avLst/>
@@ -3495,7 +3277,7 @@
           <a:p>
             <a:r>
               <a:rPr lang="en-US" altLang="zh-CN" dirty="0"/>
-              <a:t>7</a:t>
+              <a:t>8</a:t>
             </a:r>
             <a:r>
               <a:rPr lang="zh-CN" altLang="en-US" dirty="0"/>
@@ -3503,19 +3285,11 @@
             </a:r>
             <a:r>
               <a:rPr lang="en-US" altLang="zh-CN" dirty="0"/>
-              <a:t>$Translate($tr)</a:t>
-            </a:r>
-            <a:r>
-              <a:rPr lang="zh-CN" altLang="en-US" dirty="0"/>
-              <a:t>字符串替换和</a:t>
-            </a:r>
-            <a:r>
-              <a:rPr lang="en-US" altLang="zh-CN" dirty="0"/>
-              <a:t>$zcvt(str,"U")</a:t>
-            </a:r>
-            <a:r>
-              <a:rPr lang="zh-CN" altLang="en-US" dirty="0"/>
-              <a:t>字符串换成大写</a:t>
+              <a:t>$Order($O)</a:t>
+            </a:r>
+            <a:r>
+              <a:rPr lang="zh-CN" altLang="en-US" dirty="0"/>
+              <a:t>按照指定的方向返回一个变量的上一个或下一个索引。</a:t>
             </a:r>
             <a:br>
               <a:rPr lang="zh-CN" altLang="en-US" dirty="0"/>
@@ -3537,62 +3311,198 @@
                   <a:srgbClr val="008000"/>
                 </a:solidFill>
               </a:rPr>
-              <a:t>DHC-APP&gt;w $tr("ABCDEFGAB","A","a")</a:t>
-            </a:r>
-            <a:br>
-              <a:rPr lang="en-US" altLang="zh-CN" dirty="0"/>
-            </a:br>
-            <a:r>
-              <a:rPr lang="en-US" altLang="zh-CN" dirty="0">
-                <a:solidFill>
-                  <a:srgbClr val="008000"/>
-                </a:solidFill>
-              </a:rPr>
-              <a:t>    aBCDEFGaB</a:t>
-            </a:r>
-            <a:br>
-              <a:rPr lang="en-US" altLang="zh-CN" dirty="0"/>
-            </a:br>
-            <a:r>
-              <a:rPr lang="en-US" altLang="zh-CN" dirty="0">
-                <a:solidFill>
-                  <a:srgbClr val="008000"/>
-                </a:solidFill>
-              </a:rPr>
-              <a:t>    DHC-APP&gt;w $tr("ABCDEFGAB","A","b")</a:t>
-            </a:r>
-            <a:br>
-              <a:rPr lang="en-US" altLang="zh-CN" dirty="0"/>
-            </a:br>
-            <a:r>
-              <a:rPr lang="en-US" altLang="zh-CN" dirty="0">
-                <a:solidFill>
-                  <a:srgbClr val="008000"/>
-                </a:solidFill>
-              </a:rPr>
-              <a:t>    bBCDEFGbB</a:t>
-            </a:r>
-            <a:br>
-              <a:rPr lang="en-US" altLang="zh-CN" dirty="0"/>
-            </a:br>
-            <a:r>
-              <a:rPr lang="en-US" altLang="zh-CN" dirty="0">
-                <a:solidFill>
-                  <a:srgbClr val="008000"/>
-                </a:solidFill>
-              </a:rPr>
-              <a:t>    DHC-APP&gt;w $zcvt("abcd","U")</a:t>
-            </a:r>
-            <a:br>
-              <a:rPr lang="en-US" altLang="zh-CN" dirty="0"/>
-            </a:br>
-            <a:r>
-              <a:rPr lang="en-US" altLang="zh-CN" dirty="0">
-                <a:solidFill>
-                  <a:srgbClr val="008000"/>
-                </a:solidFill>
-              </a:rPr>
-              <a:t>    ABCD</a:t>
+              <a:t>DHC-APP&gt;S n("code","A",3)=""</a:t>
+            </a:r>
+            <a:br>
+              <a:rPr lang="en-US" altLang="zh-CN" dirty="0"/>
+            </a:br>
+            <a:r>
+              <a:rPr lang="en-US" altLang="zh-CN" dirty="0">
+                <a:solidFill>
+                  <a:srgbClr val="008000"/>
+                </a:solidFill>
+              </a:rPr>
+              <a:t>     </a:t>
+            </a:r>
+            <a:br>
+              <a:rPr lang="en-US" altLang="zh-CN" dirty="0"/>
+            </a:br>
+            <a:r>
+              <a:rPr lang="en-US" altLang="zh-CN" dirty="0">
+                <a:solidFill>
+                  <a:srgbClr val="008000"/>
+                </a:solidFill>
+              </a:rPr>
+              <a:t>    DHC-APP&gt;s n("code","C",4)=""</a:t>
+            </a:r>
+            <a:br>
+              <a:rPr lang="en-US" altLang="zh-CN" dirty="0"/>
+            </a:br>
+            <a:r>
+              <a:rPr lang="en-US" altLang="zh-CN" dirty="0">
+                <a:solidFill>
+                  <a:srgbClr val="008000"/>
+                </a:solidFill>
+              </a:rPr>
+              <a:t>     </a:t>
+            </a:r>
+            <a:br>
+              <a:rPr lang="en-US" altLang="zh-CN" dirty="0"/>
+            </a:br>
+            <a:r>
+              <a:rPr lang="en-US" altLang="zh-CN" dirty="0">
+                <a:solidFill>
+                  <a:srgbClr val="008000"/>
+                </a:solidFill>
+              </a:rPr>
+              <a:t>    DHC-APP&gt;s n("code","M",5)=""</a:t>
+            </a:r>
+            <a:br>
+              <a:rPr lang="en-US" altLang="zh-CN" dirty="0"/>
+            </a:br>
+            <a:r>
+              <a:rPr lang="en-US" altLang="zh-CN" dirty="0">
+                <a:solidFill>
+                  <a:srgbClr val="008000"/>
+                </a:solidFill>
+              </a:rPr>
+              <a:t>     </a:t>
+            </a:r>
+            <a:br>
+              <a:rPr lang="en-US" altLang="zh-CN" dirty="0"/>
+            </a:br>
+            <a:r>
+              <a:rPr lang="en-US" altLang="zh-CN" dirty="0">
+                <a:solidFill>
+                  <a:srgbClr val="008000"/>
+                </a:solidFill>
+              </a:rPr>
+              <a:t>    DHC-APP&gt;w $o(n("code","A"))  //A</a:t>
+            </a:r>
+            <a:r>
+              <a:rPr lang="zh-CN" altLang="en-US" dirty="0">
+                <a:solidFill>
+                  <a:srgbClr val="008000"/>
+                </a:solidFill>
+              </a:rPr>
+              <a:t>的下一个索引</a:t>
+            </a:r>
+            <a:br>
+              <a:rPr lang="zh-CN" altLang="en-US" dirty="0"/>
+            </a:br>
+            <a:r>
+              <a:rPr lang="zh-CN" altLang="en-US" dirty="0">
+                <a:solidFill>
+                  <a:srgbClr val="008000"/>
+                </a:solidFill>
+              </a:rPr>
+              <a:t>    </a:t>
+            </a:r>
+            <a:r>
+              <a:rPr lang="en-US" altLang="zh-CN" dirty="0">
+                <a:solidFill>
+                  <a:srgbClr val="008000"/>
+                </a:solidFill>
+              </a:rPr>
+              <a:t>C</a:t>
+            </a:r>
+            <a:br>
+              <a:rPr lang="en-US" altLang="zh-CN" dirty="0"/>
+            </a:br>
+            <a:r>
+              <a:rPr lang="en-US" altLang="zh-CN" dirty="0">
+                <a:solidFill>
+                  <a:srgbClr val="008000"/>
+                </a:solidFill>
+              </a:rPr>
+              <a:t>    DHC-APP&gt;w $o(n("code","C"))</a:t>
+            </a:r>
+            <a:br>
+              <a:rPr lang="en-US" altLang="zh-CN" dirty="0"/>
+            </a:br>
+            <a:r>
+              <a:rPr lang="en-US" altLang="zh-CN" dirty="0">
+                <a:solidFill>
+                  <a:srgbClr val="008000"/>
+                </a:solidFill>
+              </a:rPr>
+              <a:t>    M</a:t>
+            </a:r>
+            <a:br>
+              <a:rPr lang="en-US" altLang="zh-CN" dirty="0"/>
+            </a:br>
+            <a:r>
+              <a:rPr lang="en-US" altLang="zh-CN" dirty="0">
+                <a:solidFill>
+                  <a:srgbClr val="008000"/>
+                </a:solidFill>
+              </a:rPr>
+              <a:t>    DHC-APP&gt;w $o(n("code","C"),-1)  //C</a:t>
+            </a:r>
+            <a:r>
+              <a:rPr lang="zh-CN" altLang="en-US" dirty="0">
+                <a:solidFill>
+                  <a:srgbClr val="008000"/>
+                </a:solidFill>
+              </a:rPr>
+              <a:t>的上一个索引</a:t>
+            </a:r>
+            <a:br>
+              <a:rPr lang="zh-CN" altLang="en-US" dirty="0"/>
+            </a:br>
+            <a:r>
+              <a:rPr lang="zh-CN" altLang="en-US" dirty="0">
+                <a:solidFill>
+                  <a:srgbClr val="008000"/>
+                </a:solidFill>
+              </a:rPr>
+              <a:t>    </a:t>
+            </a:r>
+            <a:r>
+              <a:rPr lang="en-US" altLang="zh-CN" dirty="0">
+                <a:solidFill>
+                  <a:srgbClr val="008000"/>
+                </a:solidFill>
+              </a:rPr>
+              <a:t>A</a:t>
+            </a:r>
+            <a:br>
+              <a:rPr lang="en-US" altLang="zh-CN" dirty="0"/>
+            </a:br>
+            <a:r>
+              <a:rPr lang="en-US" altLang="zh-CN" dirty="0">
+                <a:solidFill>
+                  <a:srgbClr val="008000"/>
+                </a:solidFill>
+              </a:rPr>
+              <a:t>    DHC-APP&gt;w $o(n("code","A",""))  //A</a:t>
+            </a:r>
+            <a:r>
+              <a:rPr lang="zh-CN" altLang="en-US" dirty="0">
+                <a:solidFill>
+                  <a:srgbClr val="008000"/>
+                </a:solidFill>
+              </a:rPr>
+              <a:t>的下一个节点</a:t>
+            </a:r>
+            <a:br>
+              <a:rPr lang="zh-CN" altLang="en-US" dirty="0"/>
+            </a:br>
+            <a:r>
+              <a:rPr lang="zh-CN" altLang="en-US" dirty="0">
+                <a:solidFill>
+                  <a:srgbClr val="008000"/>
+                </a:solidFill>
+              </a:rPr>
+              <a:t>    </a:t>
+            </a:r>
+            <a:r>
+              <a:rPr lang="en-US" altLang="zh-CN" dirty="0">
+                <a:solidFill>
+                  <a:srgbClr val="008000"/>
+                </a:solidFill>
+              </a:rPr>
+              <a:t>3  </a:t>
             </a:r>
             <a:endParaRPr lang="zh-CN" altLang="en-US" dirty="0"/>
           </a:p>
@@ -3601,7 +3511,7 @@
     </p:spTree>
     <p:extLst>
       <p:ext uri="{BB962C8B-B14F-4D97-AF65-F5344CB8AC3E}">
-        <p14:creationId xmlns:p14="http://schemas.microsoft.com/office/powerpoint/2010/main" val="1930454361"/>
+        <p14:creationId xmlns:p14="http://schemas.microsoft.com/office/powerpoint/2010/main" val="4059467834"/>
       </p:ext>
     </p:extLst>
   </p:cSld>
@@ -3699,10 +3609,10 @@
       </p:sp>
       <p:sp>
         <p:nvSpPr>
-          <p:cNvPr id="6" name="矩形 5">
+          <p:cNvPr id="4" name="矩形 3">
             <a:extLst>
               <a:ext uri="{FF2B5EF4-FFF2-40B4-BE49-F238E27FC236}">
-                <a16:creationId xmlns:a16="http://schemas.microsoft.com/office/drawing/2014/main" id="{53EF53D4-AD10-4FDA-9CBB-F86A7DF18500}"/>
+                <a16:creationId xmlns:a16="http://schemas.microsoft.com/office/drawing/2014/main" id="{4637B925-4436-4946-BD84-D8D70D30B8D7}"/>
               </a:ext>
             </a:extLst>
           </p:cNvPr>
@@ -3711,8 +3621,8 @@
         </p:nvSpPr>
         <p:spPr>
           <a:xfrm>
-            <a:off x="682578" y="1028343"/>
-            <a:ext cx="11323891" cy="4524315"/>
+            <a:off x="755374" y="1054279"/>
+            <a:ext cx="5340626" cy="5632311"/>
           </a:xfrm>
           <a:prstGeom prst="rect">
             <a:avLst/>
@@ -3726,7 +3636,7 @@
           <a:p>
             <a:r>
               <a:rPr lang="en-US" altLang="zh-CN" dirty="0"/>
-              <a:t>8</a:t>
+              <a:t>1</a:t>
             </a:r>
             <a:r>
               <a:rPr lang="zh-CN" altLang="en-US" dirty="0"/>
@@ -3734,11 +3644,11 @@
             </a:r>
             <a:r>
               <a:rPr lang="en-US" altLang="zh-CN" dirty="0"/>
-              <a:t>$Order($O)</a:t>
-            </a:r>
-            <a:r>
-              <a:rPr lang="zh-CN" altLang="en-US" dirty="0"/>
-              <a:t>按照指定的方向返回一个变量的上一个或下一个索引。</a:t>
+              <a:t>$h</a:t>
+            </a:r>
+            <a:r>
+              <a:rPr lang="zh-CN" altLang="en-US" dirty="0"/>
+              <a:t>包含了日期和时间。</a:t>
             </a:r>
             <a:br>
               <a:rPr lang="zh-CN" altLang="en-US" dirty="0"/>
@@ -3760,82 +3670,47 @@
                   <a:srgbClr val="008000"/>
                 </a:solidFill>
               </a:rPr>
-              <a:t>DHC-APP&gt;S n("code","A",3)=""</a:t>
-            </a:r>
-            <a:br>
-              <a:rPr lang="en-US" altLang="zh-CN" dirty="0"/>
-            </a:br>
-            <a:r>
-              <a:rPr lang="en-US" altLang="zh-CN" dirty="0">
-                <a:solidFill>
-                  <a:srgbClr val="008000"/>
-                </a:solidFill>
-              </a:rPr>
-              <a:t>     </a:t>
-            </a:r>
-            <a:br>
-              <a:rPr lang="en-US" altLang="zh-CN" dirty="0"/>
-            </a:br>
-            <a:r>
-              <a:rPr lang="en-US" altLang="zh-CN" dirty="0">
-                <a:solidFill>
-                  <a:srgbClr val="008000"/>
-                </a:solidFill>
-              </a:rPr>
-              <a:t>    DHC-APP&gt;s n("code","C",4)=""</a:t>
-            </a:r>
-            <a:br>
-              <a:rPr lang="en-US" altLang="zh-CN" dirty="0"/>
-            </a:br>
-            <a:r>
-              <a:rPr lang="en-US" altLang="zh-CN" dirty="0">
-                <a:solidFill>
-                  <a:srgbClr val="008000"/>
-                </a:solidFill>
-              </a:rPr>
-              <a:t>     </a:t>
-            </a:r>
-            <a:br>
-              <a:rPr lang="en-US" altLang="zh-CN" dirty="0"/>
-            </a:br>
-            <a:r>
-              <a:rPr lang="en-US" altLang="zh-CN" dirty="0">
-                <a:solidFill>
-                  <a:srgbClr val="008000"/>
-                </a:solidFill>
-              </a:rPr>
-              <a:t>    DHC-APP&gt;s n("code","M",5)=""</a:t>
-            </a:r>
-            <a:br>
-              <a:rPr lang="en-US" altLang="zh-CN" dirty="0"/>
-            </a:br>
-            <a:r>
-              <a:rPr lang="en-US" altLang="zh-CN" dirty="0">
-                <a:solidFill>
-                  <a:srgbClr val="008000"/>
-                </a:solidFill>
-              </a:rPr>
-              <a:t>     </a:t>
-            </a:r>
-            <a:br>
-              <a:rPr lang="en-US" altLang="zh-CN" dirty="0"/>
-            </a:br>
-            <a:r>
-              <a:rPr lang="en-US" altLang="zh-CN" dirty="0">
-                <a:solidFill>
-                  <a:srgbClr val="008000"/>
-                </a:solidFill>
-              </a:rPr>
-              <a:t>    DHC-APP&gt;w $o(n("code","A"))  //A</a:t>
-            </a:r>
-            <a:r>
-              <a:rPr lang="zh-CN" altLang="en-US" dirty="0">
-                <a:solidFill>
-                  <a:srgbClr val="008000"/>
-                </a:solidFill>
-              </a:rPr>
-              <a:t>的下一个索引</a:t>
-            </a:r>
+              <a:t>DHC-APP&gt;w $h</a:t>
+            </a:r>
+            <a:br>
+              <a:rPr lang="en-US" altLang="zh-CN" dirty="0"/>
+            </a:br>
+            <a:r>
+              <a:rPr lang="en-US" altLang="zh-CN" dirty="0">
+                <a:solidFill>
+                  <a:srgbClr val="008000"/>
+                </a:solidFill>
+              </a:rPr>
+              <a:t>    64746,33566</a:t>
+            </a:r>
+          </a:p>
+          <a:p>
+            <a:br>
+              <a:rPr lang="en-US" altLang="zh-CN" dirty="0"/>
+            </a:br>
+            <a:r>
+              <a:rPr lang="en-US" altLang="zh-CN" dirty="0"/>
+              <a:t>2</a:t>
+            </a:r>
+            <a:r>
+              <a:rPr lang="zh-CN" altLang="en-US" dirty="0"/>
+              <a:t>、</a:t>
+            </a:r>
+            <a:r>
+              <a:rPr lang="en-US" altLang="zh-CN" dirty="0"/>
+              <a:t>$</a:t>
+            </a:r>
+            <a:r>
+              <a:rPr lang="en-US" altLang="zh-CN" dirty="0" err="1"/>
+              <a:t>zd</a:t>
+            </a:r>
+            <a:r>
+              <a:rPr lang="zh-CN" altLang="en-US" dirty="0"/>
+              <a:t>转换成日期格式</a:t>
+            </a:r>
+            <a:br>
+              <a:rPr lang="zh-CN" altLang="en-US" dirty="0"/>
+            </a:br>
             <a:br>
               <a:rPr lang="zh-CN" altLang="en-US" dirty="0"/>
             </a:br>
@@ -3853,49 +3728,147 @@
                   <a:srgbClr val="008000"/>
                 </a:solidFill>
               </a:rPr>
-              <a:t>C</a:t>
-            </a:r>
-            <a:br>
-              <a:rPr lang="en-US" altLang="zh-CN" dirty="0"/>
-            </a:br>
-            <a:r>
-              <a:rPr lang="en-US" altLang="zh-CN" dirty="0">
-                <a:solidFill>
-                  <a:srgbClr val="008000"/>
-                </a:solidFill>
-              </a:rPr>
-              <a:t>    DHC-APP&gt;w $o(n("code","C"))</a:t>
-            </a:r>
-            <a:br>
-              <a:rPr lang="en-US" altLang="zh-CN" dirty="0"/>
-            </a:br>
-            <a:r>
-              <a:rPr lang="en-US" altLang="zh-CN" dirty="0">
-                <a:solidFill>
-                  <a:srgbClr val="008000"/>
-                </a:solidFill>
-              </a:rPr>
-              <a:t>    M</a:t>
-            </a:r>
-            <a:br>
-              <a:rPr lang="en-US" altLang="zh-CN" dirty="0"/>
-            </a:br>
-            <a:r>
-              <a:rPr lang="en-US" altLang="zh-CN" dirty="0">
-                <a:solidFill>
-                  <a:srgbClr val="008000"/>
-                </a:solidFill>
-              </a:rPr>
-              <a:t>    DHC-APP&gt;w $o(n("code","C"),-1)  //C</a:t>
-            </a:r>
-            <a:r>
-              <a:rPr lang="zh-CN" altLang="en-US" dirty="0">
-                <a:solidFill>
-                  <a:srgbClr val="008000"/>
-                </a:solidFill>
-              </a:rPr>
-              <a:t>的上一个索引</a:t>
-            </a:r>
+              <a:t>DHC-APP&gt;w $</a:t>
+            </a:r>
+            <a:r>
+              <a:rPr lang="en-US" altLang="zh-CN" dirty="0" err="1">
+                <a:solidFill>
+                  <a:srgbClr val="008000"/>
+                </a:solidFill>
+              </a:rPr>
+              <a:t>zd</a:t>
+            </a:r>
+            <a:r>
+              <a:rPr lang="en-US" altLang="zh-CN" dirty="0">
+                <a:solidFill>
+                  <a:srgbClr val="008000"/>
+                </a:solidFill>
+              </a:rPr>
+              <a:t>($h,1)</a:t>
+            </a:r>
+            <a:br>
+              <a:rPr lang="en-US" altLang="zh-CN" dirty="0"/>
+            </a:br>
+            <a:r>
+              <a:rPr lang="en-US" altLang="zh-CN" dirty="0">
+                <a:solidFill>
+                  <a:srgbClr val="008000"/>
+                </a:solidFill>
+              </a:rPr>
+              <a:t>    04/08/2018</a:t>
+            </a:r>
+            <a:br>
+              <a:rPr lang="en-US" altLang="zh-CN" dirty="0"/>
+            </a:br>
+            <a:r>
+              <a:rPr lang="en-US" altLang="zh-CN" dirty="0">
+                <a:solidFill>
+                  <a:srgbClr val="008000"/>
+                </a:solidFill>
+              </a:rPr>
+              <a:t>    DHC-APP&gt;w $</a:t>
+            </a:r>
+            <a:r>
+              <a:rPr lang="en-US" altLang="zh-CN" dirty="0" err="1">
+                <a:solidFill>
+                  <a:srgbClr val="008000"/>
+                </a:solidFill>
+              </a:rPr>
+              <a:t>zd</a:t>
+            </a:r>
+            <a:r>
+              <a:rPr lang="en-US" altLang="zh-CN" dirty="0">
+                <a:solidFill>
+                  <a:srgbClr val="008000"/>
+                </a:solidFill>
+              </a:rPr>
+              <a:t>($h,2)</a:t>
+            </a:r>
+            <a:br>
+              <a:rPr lang="en-US" altLang="zh-CN" dirty="0"/>
+            </a:br>
+            <a:r>
+              <a:rPr lang="en-US" altLang="zh-CN" dirty="0">
+                <a:solidFill>
+                  <a:srgbClr val="008000"/>
+                </a:solidFill>
+              </a:rPr>
+              <a:t>    08 Apr 2018</a:t>
+            </a:r>
+            <a:br>
+              <a:rPr lang="en-US" altLang="zh-CN" dirty="0"/>
+            </a:br>
+            <a:r>
+              <a:rPr lang="en-US" altLang="zh-CN" dirty="0">
+                <a:solidFill>
+                  <a:srgbClr val="008000"/>
+                </a:solidFill>
+              </a:rPr>
+              <a:t>    DHC-APP&gt;w $</a:t>
+            </a:r>
+            <a:r>
+              <a:rPr lang="en-US" altLang="zh-CN" dirty="0" err="1">
+                <a:solidFill>
+                  <a:srgbClr val="008000"/>
+                </a:solidFill>
+              </a:rPr>
+              <a:t>zd</a:t>
+            </a:r>
+            <a:r>
+              <a:rPr lang="en-US" altLang="zh-CN" dirty="0">
+                <a:solidFill>
+                  <a:srgbClr val="008000"/>
+                </a:solidFill>
+              </a:rPr>
+              <a:t>($h,3)</a:t>
+            </a:r>
+            <a:br>
+              <a:rPr lang="en-US" altLang="zh-CN" dirty="0"/>
+            </a:br>
+            <a:r>
+              <a:rPr lang="en-US" altLang="zh-CN" dirty="0">
+                <a:solidFill>
+                  <a:srgbClr val="008000"/>
+                </a:solidFill>
+              </a:rPr>
+              <a:t>    2018-04-08</a:t>
+            </a:r>
+          </a:p>
+          <a:p>
+            <a:br>
+              <a:rPr lang="en-US" altLang="zh-CN" dirty="0"/>
+            </a:br>
+            <a:r>
+              <a:rPr lang="en-US" altLang="zh-CN" dirty="0">
+                <a:solidFill>
+                  <a:srgbClr val="008000"/>
+                </a:solidFill>
+              </a:rPr>
+              <a:t>  </a:t>
+            </a:r>
+            <a:r>
+              <a:rPr lang="en-US" altLang="zh-CN" dirty="0"/>
+              <a:t>3</a:t>
+            </a:r>
+            <a:r>
+              <a:rPr lang="zh-CN" altLang="en-US" dirty="0"/>
+              <a:t>、</a:t>
+            </a:r>
+            <a:r>
+              <a:rPr lang="en-US" altLang="zh-CN" dirty="0"/>
+              <a:t>$</a:t>
+            </a:r>
+            <a:r>
+              <a:rPr lang="en-US" altLang="zh-CN" dirty="0" err="1"/>
+              <a:t>zdh</a:t>
+            </a:r>
+            <a:r>
+              <a:rPr lang="zh-CN" altLang="en-US" dirty="0"/>
+              <a:t>反转换日期格式</a:t>
+            </a:r>
+            <a:br>
+              <a:rPr lang="zh-CN" altLang="en-US" dirty="0"/>
+            </a:br>
             <a:br>
               <a:rPr lang="zh-CN" altLang="en-US" dirty="0"/>
             </a:br>
@@ -3913,27 +3886,106 @@
                   <a:srgbClr val="008000"/>
                 </a:solidFill>
               </a:rPr>
-              <a:t>A</a:t>
-            </a:r>
-            <a:br>
-              <a:rPr lang="en-US" altLang="zh-CN" dirty="0"/>
-            </a:br>
-            <a:r>
-              <a:rPr lang="en-US" altLang="zh-CN" dirty="0">
-                <a:solidFill>
-                  <a:srgbClr val="008000"/>
-                </a:solidFill>
-              </a:rPr>
-              <a:t>    DHC-APP&gt;w $o(n("code","A",""))  //A</a:t>
-            </a:r>
-            <a:r>
-              <a:rPr lang="zh-CN" altLang="en-US" dirty="0">
-                <a:solidFill>
-                  <a:srgbClr val="008000"/>
-                </a:solidFill>
-              </a:rPr>
-              <a:t>的下一个节点</a:t>
-            </a:r>
+              <a:t>DHC-APP&gt;w $</a:t>
+            </a:r>
+            <a:r>
+              <a:rPr lang="en-US" altLang="zh-CN" dirty="0" err="1">
+                <a:solidFill>
+                  <a:srgbClr val="008000"/>
+                </a:solidFill>
+              </a:rPr>
+              <a:t>zdh</a:t>
+            </a:r>
+            <a:r>
+              <a:rPr lang="en-US" altLang="zh-CN" dirty="0">
+                <a:solidFill>
+                  <a:srgbClr val="008000"/>
+                </a:solidFill>
+              </a:rPr>
+              <a:t>("2018-04-12",3)</a:t>
+            </a:r>
+            <a:br>
+              <a:rPr lang="en-US" altLang="zh-CN" dirty="0"/>
+            </a:br>
+            <a:r>
+              <a:rPr lang="en-US" altLang="zh-CN" dirty="0">
+                <a:solidFill>
+                  <a:srgbClr val="008000"/>
+                </a:solidFill>
+              </a:rPr>
+              <a:t>    64750</a:t>
+            </a:r>
+            <a:br>
+              <a:rPr lang="en-US" altLang="zh-CN" dirty="0"/>
+            </a:br>
+            <a:br>
+              <a:rPr lang="en-US" altLang="zh-CN" dirty="0"/>
+            </a:br>
+            <a:r>
+              <a:rPr lang="en-US" altLang="zh-CN" dirty="0">
+                <a:solidFill>
+                  <a:srgbClr val="008000"/>
+                </a:solidFill>
+              </a:rPr>
+              <a:t>  </a:t>
+            </a:r>
+            <a:endParaRPr lang="zh-CN" altLang="en-US" dirty="0"/>
+          </a:p>
+        </p:txBody>
+      </p:sp>
+      <p:sp>
+        <p:nvSpPr>
+          <p:cNvPr id="7" name="矩形 6">
+            <a:extLst>
+              <a:ext uri="{FF2B5EF4-FFF2-40B4-BE49-F238E27FC236}">
+                <a16:creationId xmlns:a16="http://schemas.microsoft.com/office/drawing/2014/main" id="{4F3A4812-0161-4A91-BB2C-C03E3DB1A04E}"/>
+              </a:ext>
+            </a:extLst>
+          </p:cNvPr>
+          <p:cNvSpPr/>
+          <p:nvPr/>
+        </p:nvSpPr>
+        <p:spPr>
+          <a:xfrm>
+            <a:off x="5174974" y="870108"/>
+            <a:ext cx="6096000" cy="5355312"/>
+          </a:xfrm>
+          <a:prstGeom prst="rect">
+            <a:avLst/>
+          </a:prstGeom>
+        </p:spPr>
+        <p:txBody>
+          <a:bodyPr>
+            <a:spAutoFit/>
+          </a:bodyPr>
+          <a:lstStyle/>
+          <a:p>
+            <a:br>
+              <a:rPr lang="en-US" altLang="zh-CN" dirty="0"/>
+            </a:br>
+            <a:r>
+              <a:rPr lang="en-US" altLang="zh-CN" dirty="0"/>
+              <a:t>4</a:t>
+            </a:r>
+            <a:r>
+              <a:rPr lang="zh-CN" altLang="en-US" dirty="0"/>
+              <a:t>、</a:t>
+            </a:r>
+            <a:r>
+              <a:rPr lang="en-US" altLang="zh-CN" dirty="0"/>
+              <a:t>$</a:t>
+            </a:r>
+            <a:r>
+              <a:rPr lang="en-US" altLang="zh-CN" dirty="0" err="1"/>
+              <a:t>zt</a:t>
+            </a:r>
+            <a:r>
+              <a:rPr lang="zh-CN" altLang="en-US" dirty="0"/>
+              <a:t>转换时分秒</a:t>
+            </a:r>
+            <a:br>
+              <a:rPr lang="zh-CN" altLang="en-US" dirty="0"/>
+            </a:br>
             <a:br>
               <a:rPr lang="zh-CN" altLang="en-US" dirty="0"/>
             </a:br>
@@ -3951,16 +4003,219 @@
                   <a:srgbClr val="008000"/>
                 </a:solidFill>
               </a:rPr>
-              <a:t>3  </a:t>
-            </a:r>
-            <a:endParaRPr lang="zh-CN" altLang="en-US" dirty="0"/>
+              <a:t>DHC-APP&gt;w $</a:t>
+            </a:r>
+            <a:r>
+              <a:rPr lang="en-US" altLang="zh-CN" dirty="0" err="1">
+                <a:solidFill>
+                  <a:srgbClr val="008000"/>
+                </a:solidFill>
+              </a:rPr>
+              <a:t>zt</a:t>
+            </a:r>
+            <a:r>
+              <a:rPr lang="en-US" altLang="zh-CN" dirty="0">
+                <a:solidFill>
+                  <a:srgbClr val="008000"/>
+                </a:solidFill>
+              </a:rPr>
+              <a:t>(33566)</a:t>
+            </a:r>
+            <a:br>
+              <a:rPr lang="en-US" altLang="zh-CN" dirty="0"/>
+            </a:br>
+            <a:r>
+              <a:rPr lang="en-US" altLang="zh-CN" dirty="0">
+                <a:solidFill>
+                  <a:srgbClr val="008000"/>
+                </a:solidFill>
+              </a:rPr>
+              <a:t>    09:19:26</a:t>
+            </a:r>
+            <a:br>
+              <a:rPr lang="en-US" altLang="zh-CN" dirty="0"/>
+            </a:br>
+            <a:br>
+              <a:rPr lang="en-US" altLang="zh-CN" dirty="0"/>
+            </a:br>
+            <a:r>
+              <a:rPr lang="en-US" altLang="zh-CN" dirty="0"/>
+              <a:t>5</a:t>
+            </a:r>
+            <a:r>
+              <a:rPr lang="zh-CN" altLang="en-US" dirty="0"/>
+              <a:t>、</a:t>
+            </a:r>
+            <a:r>
+              <a:rPr lang="en-US" altLang="zh-CN" dirty="0"/>
+              <a:t>$</a:t>
+            </a:r>
+            <a:r>
+              <a:rPr lang="en-US" altLang="zh-CN" dirty="0" err="1"/>
+              <a:t>zth</a:t>
+            </a:r>
+            <a:r>
+              <a:rPr lang="zh-CN" altLang="en-US" dirty="0"/>
+              <a:t>反转换时分秒</a:t>
+            </a:r>
+            <a:br>
+              <a:rPr lang="zh-CN" altLang="en-US" dirty="0"/>
+            </a:br>
+            <a:br>
+              <a:rPr lang="zh-CN" altLang="en-US" dirty="0"/>
+            </a:br>
+            <a:r>
+              <a:rPr lang="zh-CN" altLang="en-US" dirty="0">
+                <a:solidFill>
+                  <a:srgbClr val="008000"/>
+                </a:solidFill>
+              </a:rPr>
+              <a:t>    </a:t>
+            </a:r>
+            <a:r>
+              <a:rPr lang="en-US" altLang="zh-CN" dirty="0">
+                <a:solidFill>
+                  <a:srgbClr val="008000"/>
+                </a:solidFill>
+              </a:rPr>
+              <a:t>DHC-APP&gt;w $</a:t>
+            </a:r>
+            <a:r>
+              <a:rPr lang="en-US" altLang="zh-CN" dirty="0" err="1">
+                <a:solidFill>
+                  <a:srgbClr val="008000"/>
+                </a:solidFill>
+              </a:rPr>
+              <a:t>zth</a:t>
+            </a:r>
+            <a:r>
+              <a:rPr lang="en-US" altLang="zh-CN" dirty="0">
+                <a:solidFill>
+                  <a:srgbClr val="008000"/>
+                </a:solidFill>
+              </a:rPr>
+              <a:t>("23:59:59")</a:t>
+            </a:r>
+            <a:br>
+              <a:rPr lang="en-US" altLang="zh-CN" dirty="0"/>
+            </a:br>
+            <a:r>
+              <a:rPr lang="en-US" altLang="zh-CN" dirty="0">
+                <a:solidFill>
+                  <a:srgbClr val="008000"/>
+                </a:solidFill>
+              </a:rPr>
+              <a:t>    86399</a:t>
+            </a:r>
+            <a:br>
+              <a:rPr lang="en-US" altLang="zh-CN" dirty="0"/>
+            </a:br>
+            <a:br>
+              <a:rPr lang="en-US" altLang="zh-CN" dirty="0"/>
+            </a:br>
+            <a:r>
+              <a:rPr lang="en-US" altLang="zh-CN" dirty="0"/>
+              <a:t>6</a:t>
+            </a:r>
+            <a:r>
+              <a:rPr lang="zh-CN" altLang="en-US" dirty="0"/>
+              <a:t>、</a:t>
+            </a:r>
+            <a:r>
+              <a:rPr lang="en-US" altLang="zh-CN" dirty="0"/>
+              <a:t>$</a:t>
+            </a:r>
+            <a:r>
+              <a:rPr lang="en-US" altLang="zh-CN" dirty="0" err="1"/>
+              <a:t>zts</a:t>
+            </a:r>
+            <a:r>
+              <a:rPr lang="zh-CN" altLang="en-US" dirty="0"/>
+              <a:t>含有时间和时间（精确到秒）</a:t>
+            </a:r>
+            <a:br>
+              <a:rPr lang="zh-CN" altLang="en-US" dirty="0"/>
+            </a:br>
+            <a:br>
+              <a:rPr lang="zh-CN" altLang="en-US" dirty="0"/>
+            </a:br>
+            <a:r>
+              <a:rPr lang="zh-CN" altLang="en-US" dirty="0">
+                <a:solidFill>
+                  <a:srgbClr val="008000"/>
+                </a:solidFill>
+              </a:rPr>
+              <a:t>    </a:t>
+            </a:r>
+            <a:r>
+              <a:rPr lang="en-US" altLang="zh-CN" dirty="0">
+                <a:solidFill>
+                  <a:srgbClr val="008000"/>
+                </a:solidFill>
+              </a:rPr>
+              <a:t>DHC-APP&gt;w $</a:t>
+            </a:r>
+            <a:r>
+              <a:rPr lang="en-US" altLang="zh-CN" dirty="0" err="1">
+                <a:solidFill>
+                  <a:srgbClr val="008000"/>
+                </a:solidFill>
+              </a:rPr>
+              <a:t>zts</a:t>
+            </a:r>
+            <a:br>
+              <a:rPr lang="en-US" altLang="zh-CN" dirty="0"/>
+            </a:br>
+            <a:r>
+              <a:rPr lang="en-US" altLang="zh-CN" dirty="0">
+                <a:solidFill>
+                  <a:srgbClr val="008000"/>
+                </a:solidFill>
+              </a:rPr>
+              <a:t>    64746,5744.172</a:t>
+            </a:r>
+          </a:p>
+          <a:p>
+            <a:endParaRPr lang="en-US" altLang="zh-CN" dirty="0">
+              <a:solidFill>
+                <a:srgbClr val="008000"/>
+              </a:solidFill>
+            </a:endParaRPr>
+          </a:p>
+          <a:p>
+            <a:r>
+              <a:rPr lang="en-US" altLang="zh-CN" dirty="0"/>
+              <a:t>    </a:t>
+            </a:r>
+            <a:r>
+              <a:rPr lang="pl-PL" altLang="zh-CN" dirty="0"/>
+              <a:t>DHC-APP&gt;w $zd(0,3)</a:t>
+            </a:r>
+            <a:br>
+              <a:rPr lang="pl-PL" altLang="zh-CN" dirty="0"/>
+            </a:br>
+            <a:r>
+              <a:rPr lang="pl-PL" altLang="zh-CN" dirty="0"/>
+              <a:t>    1840-12-31</a:t>
+            </a:r>
+            <a:endParaRPr lang="en-US" altLang="zh-CN" dirty="0">
+              <a:solidFill>
+                <a:srgbClr val="008000"/>
+              </a:solidFill>
+            </a:endParaRPr>
+          </a:p>
+          <a:p>
+            <a:r>
+              <a:rPr lang="zh-CN" altLang="en-US" dirty="0"/>
+              <a:t>     </a:t>
+            </a:r>
           </a:p>
         </p:txBody>
       </p:sp>
     </p:spTree>
     <p:extLst>
       <p:ext uri="{BB962C8B-B14F-4D97-AF65-F5344CB8AC3E}">
-        <p14:creationId xmlns:p14="http://schemas.microsoft.com/office/powerpoint/2010/main" val="4059467834"/>
+        <p14:creationId xmlns:p14="http://schemas.microsoft.com/office/powerpoint/2010/main" val="4179965856"/>
       </p:ext>
     </p:extLst>
   </p:cSld>
@@ -4085,6 +4340,17 @@
           <a:p>
             <a:r>
               <a:rPr lang="en-US" altLang="zh-CN" dirty="0"/>
+              <a:t>do(d) </a:t>
+            </a:r>
+            <a:r>
+              <a:rPr lang="zh-CN" altLang="en-US" dirty="0"/>
+              <a:t>执行命令  </a:t>
+            </a:r>
+            <a:endParaRPr lang="en-US" altLang="zh-CN" dirty="0"/>
+          </a:p>
+          <a:p>
+            <a:r>
+              <a:rPr lang="en-US" altLang="zh-CN" dirty="0"/>
               <a:t>if </a:t>
             </a:r>
             <a:r>
@@ -4137,17 +4403,6 @@
             </a:br>
             <a:r>
               <a:rPr lang="en-US" altLang="zh-CN" dirty="0"/>
-              <a:t>do(d) </a:t>
-            </a:r>
-            <a:r>
-              <a:rPr lang="zh-CN" altLang="en-US" dirty="0"/>
-              <a:t>执行命令  </a:t>
-            </a:r>
-            <a:br>
-              <a:rPr lang="zh-CN" altLang="en-US" dirty="0"/>
-            </a:br>
-            <a:r>
-              <a:rPr lang="en-US" altLang="zh-CN" dirty="0"/>
               <a:t>goto(g) </a:t>
             </a:r>
             <a:r>
@@ -4165,38 +4420,50 @@
               <a:rPr lang="zh-CN" altLang="en-US" dirty="0"/>
               <a:t>类似断点 </a:t>
             </a:r>
-            <a:br>
-              <a:rPr lang="zh-CN" altLang="en-US" dirty="0"/>
-            </a:br>
-            <a:r>
-              <a:rPr lang="en-US" altLang="zh-CN" dirty="0"/>
-              <a:t>write(w) </a:t>
-            </a:r>
-            <a:r>
-              <a:rPr lang="zh-CN" altLang="en-US" dirty="0"/>
-              <a:t>输出信息到当前设备  </a:t>
-            </a:r>
-            <a:br>
-              <a:rPr lang="zh-CN" altLang="en-US" dirty="0"/>
-            </a:br>
-            <a:r>
-              <a:rPr lang="en-US" altLang="zh-CN" dirty="0"/>
-              <a:t>read(r) </a:t>
-            </a:r>
-            <a:r>
-              <a:rPr lang="zh-CN" altLang="en-US" dirty="0"/>
-              <a:t>从当前的设备读信息  </a:t>
-            </a:r>
-            <a:br>
-              <a:rPr lang="zh-CN" altLang="en-US" dirty="0"/>
-            </a:br>
-            <a:r>
-              <a:rPr lang="en-US" altLang="zh-CN" dirty="0"/>
-              <a:t>open(o) </a:t>
-            </a:r>
-            <a:r>
-              <a:rPr lang="zh-CN" altLang="en-US" dirty="0"/>
-              <a:t>开启一个设备以备使用   </a:t>
+            <a:endParaRPr lang="en-US" altLang="zh-CN" dirty="0"/>
+          </a:p>
+          <a:p>
+            <a:r>
+              <a:rPr lang="en-US" altLang="zh-CN" dirty="0"/>
+              <a:t>kill(k) </a:t>
+            </a:r>
+            <a:r>
+              <a:rPr lang="zh-CN" altLang="en-US" dirty="0"/>
+              <a:t>删除变量</a:t>
+            </a:r>
+            <a:endParaRPr lang="en-US" altLang="zh-CN" dirty="0"/>
+          </a:p>
+          <a:p>
+            <a:r>
+              <a:rPr lang="en-US" altLang="zh-CN" dirty="0"/>
+              <a:t>New(n) </a:t>
+            </a:r>
+            <a:r>
+              <a:rPr lang="zh-CN" altLang="en-US" dirty="0"/>
+              <a:t>将指定的局部变量保存到栈，将同一名的局部变量置为初始</a:t>
+            </a:r>
+            <a:r>
+              <a:rPr lang="en-US" altLang="zh-CN" dirty="0"/>
+              <a:t>(</a:t>
+            </a:r>
+            <a:r>
+              <a:rPr lang="zh-CN" altLang="en-US" dirty="0"/>
+              <a:t>未定义</a:t>
+            </a:r>
+            <a:r>
+              <a:rPr lang="en-US" altLang="zh-CN" dirty="0"/>
+              <a:t>)</a:t>
+            </a:r>
+            <a:r>
+              <a:rPr lang="zh-CN" altLang="en-US" dirty="0"/>
+              <a:t>状态</a:t>
+            </a:r>
+            <a:br>
+              <a:rPr lang="zh-CN" altLang="en-US" dirty="0"/>
+            </a:br>
+            <a:r>
+              <a:rPr lang="zh-CN" altLang="en-US" dirty="0"/>
+              <a:t> </a:t>
             </a:r>
           </a:p>
         </p:txBody>
@@ -4205,6 +4472,2210 @@
     <p:extLst>
       <p:ext uri="{BB962C8B-B14F-4D97-AF65-F5344CB8AC3E}">
         <p14:creationId xmlns:p14="http://schemas.microsoft.com/office/powerpoint/2010/main" val="1066955575"/>
+      </p:ext>
+    </p:extLst>
+  </p:cSld>
+  <p:clrMapOvr>
+    <a:masterClrMapping/>
+  </p:clrMapOvr>
+</p:sld>
+</file>
+
+<file path=ppt/slides/slide15.xml><?xml version="1.0" encoding="utf-8"?>
+<p:sld xmlns:a="http://schemas.openxmlformats.org/drawingml/2006/main" xmlns:r="http://schemas.openxmlformats.org/officeDocument/2006/relationships" xmlns:p="http://schemas.openxmlformats.org/presentationml/2006/main">
+  <p:cSld>
+    <p:bg>
+      <p:bgPr>
+        <a:solidFill>
+          <a:schemeClr val="bg1">
+            <a:alpha val="93000"/>
+          </a:schemeClr>
+        </a:solidFill>
+        <a:effectLst/>
+      </p:bgPr>
+    </p:bg>
+    <p:spTree>
+      <p:nvGrpSpPr>
+        <p:cNvPr id="1" name=""/>
+        <p:cNvGrpSpPr/>
+        <p:nvPr/>
+      </p:nvGrpSpPr>
+      <p:grpSpPr>
+        <a:xfrm>
+          <a:off x="0" y="0"/>
+          <a:ext cx="0" cy="0"/>
+          <a:chOff x="0" y="0"/>
+          <a:chExt cx="0" cy="0"/>
+        </a:xfrm>
+      </p:grpSpPr>
+      <p:sp>
+        <p:nvSpPr>
+          <p:cNvPr id="2" name="灯片编号占位符 1"/>
+          <p:cNvSpPr>
+            <a:spLocks noGrp="1"/>
+          </p:cNvSpPr>
+          <p:nvPr>
+            <p:ph type="sldNum" sz="quarter" idx="4"/>
+          </p:nvPr>
+        </p:nvSpPr>
+        <p:spPr/>
+        <p:txBody>
+          <a:bodyPr/>
+          <a:lstStyle/>
+          <a:p>
+            <a:fld id="{9DEDB23E-2FB9-47E7-B867-886262ECB867}" type="slidenum">
+              <a:rPr lang="en-US" smtClean="0"/>
+              <a:pPr/>
+              <a:t>15</a:t>
+            </a:fld>
+            <a:endParaRPr lang="en-US" dirty="0"/>
+          </a:p>
+        </p:txBody>
+      </p:sp>
+      <p:sp>
+        <p:nvSpPr>
+          <p:cNvPr id="5" name="文本框 4"/>
+          <p:cNvSpPr txBox="1"/>
+          <p:nvPr/>
+        </p:nvSpPr>
+        <p:spPr>
+          <a:xfrm>
+            <a:off x="682579" y="308320"/>
+            <a:ext cx="3644721" cy="461665"/>
+          </a:xfrm>
+          <a:prstGeom prst="rect">
+            <a:avLst/>
+          </a:prstGeom>
+          <a:noFill/>
+        </p:spPr>
+        <p:txBody>
+          <a:bodyPr wrap="square" rtlCol="0">
+            <a:spAutoFit/>
+          </a:bodyPr>
+          <a:lstStyle/>
+          <a:p>
+            <a:r>
+              <a:rPr lang="zh-CN" altLang="en-US" sz="2400" b="1" dirty="0">
+                <a:solidFill>
+                  <a:srgbClr val="1C4885"/>
+                </a:solidFill>
+                <a:latin typeface="微软雅黑" panose="020B0503020204020204" pitchFamily="34" charset="-122"/>
+                <a:ea typeface="微软雅黑" panose="020B0503020204020204" pitchFamily="34" charset="-122"/>
+              </a:rPr>
+              <a:t>五、程序流控制命令</a:t>
+            </a:r>
+          </a:p>
+        </p:txBody>
+      </p:sp>
+      <p:sp>
+        <p:nvSpPr>
+          <p:cNvPr id="3" name="矩形 2">
+            <a:extLst>
+              <a:ext uri="{FF2B5EF4-FFF2-40B4-BE49-F238E27FC236}">
+                <a16:creationId xmlns:a16="http://schemas.microsoft.com/office/drawing/2014/main" id="{36CF10C1-CE44-4A73-912D-FA3279DD3EEF}"/>
+              </a:ext>
+            </a:extLst>
+          </p:cNvPr>
+          <p:cNvSpPr/>
+          <p:nvPr/>
+        </p:nvSpPr>
+        <p:spPr>
+          <a:xfrm>
+            <a:off x="682579" y="1003926"/>
+            <a:ext cx="9455334" cy="369332"/>
+          </a:xfrm>
+          <a:prstGeom prst="rect">
+            <a:avLst/>
+          </a:prstGeom>
+        </p:spPr>
+        <p:txBody>
+          <a:bodyPr wrap="square">
+            <a:spAutoFit/>
+          </a:bodyPr>
+          <a:lstStyle/>
+          <a:p>
+            <a:r>
+              <a:rPr lang="en-US" altLang="zh-CN" dirty="0"/>
+              <a:t>do(d):</a:t>
+            </a:r>
+            <a:r>
+              <a:rPr lang="zh-CN" altLang="en-US" dirty="0"/>
+              <a:t>调用指定的对象方法，子例程，函数或过程  </a:t>
+            </a:r>
+          </a:p>
+        </p:txBody>
+      </p:sp>
+      <p:sp>
+        <p:nvSpPr>
+          <p:cNvPr id="6" name="矩形 5">
+            <a:extLst>
+              <a:ext uri="{FF2B5EF4-FFF2-40B4-BE49-F238E27FC236}">
+                <a16:creationId xmlns:a16="http://schemas.microsoft.com/office/drawing/2014/main" id="{A572BF3B-062E-4F98-8836-641DF4FFF9E5}"/>
+              </a:ext>
+            </a:extLst>
+          </p:cNvPr>
+          <p:cNvSpPr/>
+          <p:nvPr/>
+        </p:nvSpPr>
+        <p:spPr>
+          <a:xfrm>
+            <a:off x="556592" y="1508372"/>
+            <a:ext cx="6096000" cy="1200329"/>
+          </a:xfrm>
+          <a:prstGeom prst="rect">
+            <a:avLst/>
+          </a:prstGeom>
+        </p:spPr>
+        <p:txBody>
+          <a:bodyPr>
+            <a:spAutoFit/>
+          </a:bodyPr>
+          <a:lstStyle/>
+          <a:p>
+            <a:r>
+              <a:rPr lang="en-US" altLang="zh-CN" dirty="0">
+                <a:solidFill>
+                  <a:srgbClr val="008000"/>
+                </a:solidFill>
+              </a:rPr>
+              <a:t>    SET x=1</a:t>
+            </a:r>
+            <a:br>
+              <a:rPr lang="en-US" altLang="zh-CN" dirty="0"/>
+            </a:br>
+            <a:r>
+              <a:rPr lang="en-US" altLang="zh-CN" dirty="0">
+                <a:solidFill>
+                  <a:srgbClr val="008000"/>
+                </a:solidFill>
+              </a:rPr>
+              <a:t>    IF x=1 DO Sub1(x)     //Sub()</a:t>
+            </a:r>
+            <a:r>
+              <a:rPr lang="zh-CN" altLang="en-US" dirty="0">
+                <a:solidFill>
+                  <a:srgbClr val="008000"/>
+                </a:solidFill>
+              </a:rPr>
+              <a:t>是一个函数</a:t>
+            </a:r>
+            <a:br>
+              <a:rPr lang="zh-CN" altLang="en-US" dirty="0"/>
+            </a:br>
+            <a:r>
+              <a:rPr lang="zh-CN" altLang="en-US" dirty="0">
+                <a:solidFill>
+                  <a:srgbClr val="008000"/>
+                </a:solidFill>
+              </a:rPr>
+              <a:t>    </a:t>
+            </a:r>
+            <a:r>
+              <a:rPr lang="en-US" altLang="zh-CN" dirty="0">
+                <a:solidFill>
+                  <a:srgbClr val="008000"/>
+                </a:solidFill>
+              </a:rPr>
+              <a:t>IF x'=1 DO Sub2(x)</a:t>
+            </a:r>
+            <a:br>
+              <a:rPr lang="en-US" altLang="zh-CN" dirty="0"/>
+            </a:br>
+            <a:r>
+              <a:rPr lang="en-US" altLang="zh-CN" dirty="0"/>
+              <a:t> </a:t>
+            </a:r>
+            <a:endParaRPr lang="zh-CN" altLang="en-US" dirty="0"/>
+          </a:p>
+        </p:txBody>
+      </p:sp>
+    </p:spTree>
+    <p:extLst>
+      <p:ext uri="{BB962C8B-B14F-4D97-AF65-F5344CB8AC3E}">
+        <p14:creationId xmlns:p14="http://schemas.microsoft.com/office/powerpoint/2010/main" val="2544565393"/>
+      </p:ext>
+    </p:extLst>
+  </p:cSld>
+  <p:clrMapOvr>
+    <a:masterClrMapping/>
+  </p:clrMapOvr>
+</p:sld>
+</file>
+
+<file path=ppt/slides/slide16.xml><?xml version="1.0" encoding="utf-8"?>
+<p:sld xmlns:a="http://schemas.openxmlformats.org/drawingml/2006/main" xmlns:r="http://schemas.openxmlformats.org/officeDocument/2006/relationships" xmlns:p="http://schemas.openxmlformats.org/presentationml/2006/main">
+  <p:cSld>
+    <p:bg>
+      <p:bgPr>
+        <a:solidFill>
+          <a:schemeClr val="bg1">
+            <a:alpha val="93000"/>
+          </a:schemeClr>
+        </a:solidFill>
+        <a:effectLst/>
+      </p:bgPr>
+    </p:bg>
+    <p:spTree>
+      <p:nvGrpSpPr>
+        <p:cNvPr id="1" name=""/>
+        <p:cNvGrpSpPr/>
+        <p:nvPr/>
+      </p:nvGrpSpPr>
+      <p:grpSpPr>
+        <a:xfrm>
+          <a:off x="0" y="0"/>
+          <a:ext cx="0" cy="0"/>
+          <a:chOff x="0" y="0"/>
+          <a:chExt cx="0" cy="0"/>
+        </a:xfrm>
+      </p:grpSpPr>
+      <p:sp>
+        <p:nvSpPr>
+          <p:cNvPr id="2" name="灯片编号占位符 1"/>
+          <p:cNvSpPr>
+            <a:spLocks noGrp="1"/>
+          </p:cNvSpPr>
+          <p:nvPr>
+            <p:ph type="sldNum" sz="quarter" idx="4"/>
+          </p:nvPr>
+        </p:nvSpPr>
+        <p:spPr/>
+        <p:txBody>
+          <a:bodyPr/>
+          <a:lstStyle/>
+          <a:p>
+            <a:fld id="{9DEDB23E-2FB9-47E7-B867-886262ECB867}" type="slidenum">
+              <a:rPr lang="en-US" smtClean="0"/>
+              <a:pPr/>
+              <a:t>16</a:t>
+            </a:fld>
+            <a:endParaRPr lang="en-US" dirty="0"/>
+          </a:p>
+        </p:txBody>
+      </p:sp>
+      <p:sp>
+        <p:nvSpPr>
+          <p:cNvPr id="5" name="文本框 4"/>
+          <p:cNvSpPr txBox="1"/>
+          <p:nvPr/>
+        </p:nvSpPr>
+        <p:spPr>
+          <a:xfrm>
+            <a:off x="682579" y="308320"/>
+            <a:ext cx="3644721" cy="461665"/>
+          </a:xfrm>
+          <a:prstGeom prst="rect">
+            <a:avLst/>
+          </a:prstGeom>
+          <a:noFill/>
+        </p:spPr>
+        <p:txBody>
+          <a:bodyPr wrap="square" rtlCol="0">
+            <a:spAutoFit/>
+          </a:bodyPr>
+          <a:lstStyle/>
+          <a:p>
+            <a:r>
+              <a:rPr lang="zh-CN" altLang="en-US" sz="2400" b="1" dirty="0">
+                <a:solidFill>
+                  <a:srgbClr val="1C4885"/>
+                </a:solidFill>
+                <a:latin typeface="微软雅黑" panose="020B0503020204020204" pitchFamily="34" charset="-122"/>
+                <a:ea typeface="微软雅黑" panose="020B0503020204020204" pitchFamily="34" charset="-122"/>
+              </a:rPr>
+              <a:t>五、程序流控制命令</a:t>
+            </a:r>
+          </a:p>
+        </p:txBody>
+      </p:sp>
+      <p:sp>
+        <p:nvSpPr>
+          <p:cNvPr id="3" name="矩形 2">
+            <a:extLst>
+              <a:ext uri="{FF2B5EF4-FFF2-40B4-BE49-F238E27FC236}">
+                <a16:creationId xmlns:a16="http://schemas.microsoft.com/office/drawing/2014/main" id="{36CF10C1-CE44-4A73-912D-FA3279DD3EEF}"/>
+              </a:ext>
+            </a:extLst>
+          </p:cNvPr>
+          <p:cNvSpPr/>
+          <p:nvPr/>
+        </p:nvSpPr>
+        <p:spPr>
+          <a:xfrm>
+            <a:off x="682579" y="1003926"/>
+            <a:ext cx="9455334" cy="369332"/>
+          </a:xfrm>
+          <a:prstGeom prst="rect">
+            <a:avLst/>
+          </a:prstGeom>
+        </p:spPr>
+        <p:txBody>
+          <a:bodyPr wrap="square">
+            <a:spAutoFit/>
+          </a:bodyPr>
+          <a:lstStyle/>
+          <a:p>
+            <a:r>
+              <a:rPr lang="en-US" altLang="zh-CN" dirty="0"/>
+              <a:t>if</a:t>
+            </a:r>
+            <a:r>
+              <a:rPr lang="zh-CN" altLang="en-US" dirty="0"/>
+              <a:t>，</a:t>
+            </a:r>
+            <a:r>
+              <a:rPr lang="en-US" altLang="zh-CN" dirty="0"/>
+              <a:t>elseif</a:t>
+            </a:r>
+            <a:r>
+              <a:rPr lang="zh-CN" altLang="en-US" dirty="0"/>
+              <a:t>和</a:t>
+            </a:r>
+            <a:r>
+              <a:rPr lang="en-US" altLang="zh-CN" dirty="0"/>
+              <a:t>else</a:t>
+            </a:r>
+            <a:r>
+              <a:rPr lang="zh-CN" altLang="en-US" dirty="0"/>
+              <a:t>命令：计算表达式，然后根据表达式的真值选择要执行的代码块。</a:t>
+            </a:r>
+          </a:p>
+        </p:txBody>
+      </p:sp>
+      <p:sp>
+        <p:nvSpPr>
+          <p:cNvPr id="4" name="矩形 3">
+            <a:extLst>
+              <a:ext uri="{FF2B5EF4-FFF2-40B4-BE49-F238E27FC236}">
+                <a16:creationId xmlns:a16="http://schemas.microsoft.com/office/drawing/2014/main" id="{96FD2451-B8AF-4B2C-8597-E52442B3558A}"/>
+              </a:ext>
+            </a:extLst>
+          </p:cNvPr>
+          <p:cNvSpPr/>
+          <p:nvPr/>
+        </p:nvSpPr>
+        <p:spPr>
+          <a:xfrm>
+            <a:off x="682579" y="1584381"/>
+            <a:ext cx="1742569" cy="2585323"/>
+          </a:xfrm>
+          <a:prstGeom prst="rect">
+            <a:avLst/>
+          </a:prstGeom>
+        </p:spPr>
+        <p:txBody>
+          <a:bodyPr wrap="square">
+            <a:spAutoFit/>
+          </a:bodyPr>
+          <a:lstStyle/>
+          <a:p>
+            <a:r>
+              <a:rPr lang="en-US" altLang="zh-CN" dirty="0">
+                <a:solidFill>
+                  <a:srgbClr val="008000"/>
+                </a:solidFill>
+              </a:rPr>
+              <a:t>if (i=1) {</a:t>
+            </a:r>
+            <a:br>
+              <a:rPr lang="en-US" altLang="zh-CN" dirty="0"/>
+            </a:br>
+            <a:r>
+              <a:rPr lang="en-US" altLang="zh-CN" dirty="0">
+                <a:solidFill>
+                  <a:srgbClr val="008000"/>
+                </a:solidFill>
+              </a:rPr>
+              <a:t>      s a=1</a:t>
+            </a:r>
+            <a:br>
+              <a:rPr lang="en-US" altLang="zh-CN" dirty="0"/>
+            </a:br>
+            <a:r>
+              <a:rPr lang="en-US" altLang="zh-CN" dirty="0">
+                <a:solidFill>
+                  <a:srgbClr val="008000"/>
+                </a:solidFill>
+              </a:rPr>
+              <a:t>    }</a:t>
+            </a:r>
+            <a:br>
+              <a:rPr lang="en-US" altLang="zh-CN" dirty="0"/>
+            </a:br>
+            <a:r>
+              <a:rPr lang="en-US" altLang="zh-CN" dirty="0">
+                <a:solidFill>
+                  <a:srgbClr val="008000"/>
+                </a:solidFill>
+              </a:rPr>
+              <a:t>elseif (i=2) {</a:t>
+            </a:r>
+            <a:br>
+              <a:rPr lang="en-US" altLang="zh-CN" dirty="0"/>
+            </a:br>
+            <a:r>
+              <a:rPr lang="en-US" altLang="zh-CN" dirty="0">
+                <a:solidFill>
+                  <a:srgbClr val="008000"/>
+                </a:solidFill>
+              </a:rPr>
+              <a:t>        s a=2</a:t>
+            </a:r>
+            <a:br>
+              <a:rPr lang="en-US" altLang="zh-CN" dirty="0"/>
+            </a:br>
+            <a:r>
+              <a:rPr lang="en-US" altLang="zh-CN" dirty="0">
+                <a:solidFill>
+                  <a:srgbClr val="008000"/>
+                </a:solidFill>
+              </a:rPr>
+              <a:t>    }</a:t>
+            </a:r>
+            <a:br>
+              <a:rPr lang="en-US" altLang="zh-CN" dirty="0"/>
+            </a:br>
+            <a:r>
+              <a:rPr lang="en-US" altLang="zh-CN" dirty="0">
+                <a:solidFill>
+                  <a:srgbClr val="008000"/>
+                </a:solidFill>
+              </a:rPr>
+              <a:t> else {</a:t>
+            </a:r>
+            <a:br>
+              <a:rPr lang="en-US" altLang="zh-CN" dirty="0"/>
+            </a:br>
+            <a:r>
+              <a:rPr lang="en-US" altLang="zh-CN" dirty="0">
+                <a:solidFill>
+                  <a:srgbClr val="008000"/>
+                </a:solidFill>
+              </a:rPr>
+              <a:t>       s a=3</a:t>
+            </a:r>
+            <a:br>
+              <a:rPr lang="en-US" altLang="zh-CN" dirty="0"/>
+            </a:br>
+            <a:r>
+              <a:rPr lang="en-US" altLang="zh-CN" dirty="0">
+                <a:solidFill>
+                  <a:srgbClr val="008000"/>
+                </a:solidFill>
+              </a:rPr>
+              <a:t>    }</a:t>
+            </a:r>
+            <a:endParaRPr lang="zh-CN" altLang="en-US" dirty="0"/>
+          </a:p>
+        </p:txBody>
+      </p:sp>
+      <p:sp>
+        <p:nvSpPr>
+          <p:cNvPr id="7" name="矩形 6">
+            <a:extLst>
+              <a:ext uri="{FF2B5EF4-FFF2-40B4-BE49-F238E27FC236}">
+                <a16:creationId xmlns:a16="http://schemas.microsoft.com/office/drawing/2014/main" id="{B10FE91C-430E-49C6-AF39-4DD298C91BCE}"/>
+              </a:ext>
+            </a:extLst>
+          </p:cNvPr>
+          <p:cNvSpPr/>
+          <p:nvPr/>
+        </p:nvSpPr>
+        <p:spPr>
+          <a:xfrm>
+            <a:off x="3776870" y="1722880"/>
+            <a:ext cx="6877878" cy="2031325"/>
+          </a:xfrm>
+          <a:prstGeom prst="rect">
+            <a:avLst/>
+          </a:prstGeom>
+        </p:spPr>
+        <p:txBody>
+          <a:bodyPr wrap="square">
+            <a:spAutoFit/>
+          </a:bodyPr>
+          <a:lstStyle/>
+          <a:p>
+            <a:r>
+              <a:rPr lang="en-US" altLang="zh-CN" dirty="0">
+                <a:solidFill>
+                  <a:srgbClr val="008000"/>
+                </a:solidFill>
+              </a:rPr>
+              <a:t>    //d </a:t>
+            </a:r>
+            <a:r>
+              <a:rPr lang="zh-CN" altLang="en-US" dirty="0">
+                <a:solidFill>
+                  <a:srgbClr val="008000"/>
+                </a:solidFill>
+              </a:rPr>
+              <a:t>为执行命令</a:t>
+            </a:r>
+            <a:r>
+              <a:rPr lang="en-US" altLang="zh-CN" dirty="0">
+                <a:solidFill>
+                  <a:srgbClr val="008000"/>
+                </a:solidFill>
+              </a:rPr>
+              <a:t>,</a:t>
+            </a:r>
+            <a:r>
+              <a:rPr lang="zh-CN" altLang="en-US" dirty="0">
+                <a:solidFill>
+                  <a:srgbClr val="008000"/>
+                </a:solidFill>
+              </a:rPr>
+              <a:t>想使用这种格式写条件选择时后面必须要有</a:t>
+            </a:r>
+            <a:r>
+              <a:rPr lang="en-US" altLang="zh-CN" dirty="0">
+                <a:solidFill>
+                  <a:srgbClr val="008000"/>
+                </a:solidFill>
+              </a:rPr>
+              <a:t>d</a:t>
+            </a:r>
+          </a:p>
+          <a:p>
+            <a:r>
+              <a:rPr lang="en-US" altLang="zh-CN" dirty="0">
+                <a:solidFill>
+                  <a:srgbClr val="008000"/>
+                </a:solidFill>
+              </a:rPr>
+              <a:t>    if i=1 d      </a:t>
+            </a:r>
+            <a:br>
+              <a:rPr lang="en-US" altLang="zh-CN" dirty="0"/>
+            </a:br>
+            <a:r>
+              <a:rPr lang="en-US" altLang="zh-CN" dirty="0">
+                <a:solidFill>
+                  <a:srgbClr val="008000"/>
+                </a:solidFill>
+              </a:rPr>
+              <a:t>    .s a=1</a:t>
+            </a:r>
+            <a:br>
+              <a:rPr lang="en-US" altLang="zh-CN" dirty="0"/>
+            </a:br>
+            <a:r>
+              <a:rPr lang="en-US" altLang="zh-CN" dirty="0">
+                <a:solidFill>
+                  <a:srgbClr val="008000"/>
+                </a:solidFill>
+              </a:rPr>
+              <a:t>    elseif i=2 d</a:t>
+            </a:r>
+            <a:br>
+              <a:rPr lang="en-US" altLang="zh-CN" dirty="0"/>
+            </a:br>
+            <a:r>
+              <a:rPr lang="en-US" altLang="zh-CN" dirty="0">
+                <a:solidFill>
+                  <a:srgbClr val="008000"/>
+                </a:solidFill>
+              </a:rPr>
+              <a:t>    .s a=2</a:t>
+            </a:r>
+            <a:br>
+              <a:rPr lang="en-US" altLang="zh-CN" dirty="0"/>
+            </a:br>
+            <a:r>
+              <a:rPr lang="en-US" altLang="zh-CN" dirty="0">
+                <a:solidFill>
+                  <a:srgbClr val="008000"/>
+                </a:solidFill>
+              </a:rPr>
+              <a:t>    else i=3 d</a:t>
+            </a:r>
+            <a:br>
+              <a:rPr lang="en-US" altLang="zh-CN" dirty="0"/>
+            </a:br>
+            <a:r>
+              <a:rPr lang="en-US" altLang="zh-CN" dirty="0">
+                <a:solidFill>
+                  <a:srgbClr val="008000"/>
+                </a:solidFill>
+              </a:rPr>
+              <a:t>    .s a=3</a:t>
+            </a:r>
+            <a:endParaRPr lang="zh-CN" altLang="en-US" dirty="0"/>
+          </a:p>
+        </p:txBody>
+      </p:sp>
+    </p:spTree>
+    <p:extLst>
+      <p:ext uri="{BB962C8B-B14F-4D97-AF65-F5344CB8AC3E}">
+        <p14:creationId xmlns:p14="http://schemas.microsoft.com/office/powerpoint/2010/main" val="2589751901"/>
+      </p:ext>
+    </p:extLst>
+  </p:cSld>
+  <p:clrMapOvr>
+    <a:masterClrMapping/>
+  </p:clrMapOvr>
+</p:sld>
+</file>
+
+<file path=ppt/slides/slide17.xml><?xml version="1.0" encoding="utf-8"?>
+<p:sld xmlns:a="http://schemas.openxmlformats.org/drawingml/2006/main" xmlns:r="http://schemas.openxmlformats.org/officeDocument/2006/relationships" xmlns:p="http://schemas.openxmlformats.org/presentationml/2006/main">
+  <p:cSld>
+    <p:bg>
+      <p:bgPr>
+        <a:solidFill>
+          <a:schemeClr val="bg1">
+            <a:alpha val="93000"/>
+          </a:schemeClr>
+        </a:solidFill>
+        <a:effectLst/>
+      </p:bgPr>
+    </p:bg>
+    <p:spTree>
+      <p:nvGrpSpPr>
+        <p:cNvPr id="1" name=""/>
+        <p:cNvGrpSpPr/>
+        <p:nvPr/>
+      </p:nvGrpSpPr>
+      <p:grpSpPr>
+        <a:xfrm>
+          <a:off x="0" y="0"/>
+          <a:ext cx="0" cy="0"/>
+          <a:chOff x="0" y="0"/>
+          <a:chExt cx="0" cy="0"/>
+        </a:xfrm>
+      </p:grpSpPr>
+      <p:sp>
+        <p:nvSpPr>
+          <p:cNvPr id="2" name="灯片编号占位符 1"/>
+          <p:cNvSpPr>
+            <a:spLocks noGrp="1"/>
+          </p:cNvSpPr>
+          <p:nvPr>
+            <p:ph type="sldNum" sz="quarter" idx="4"/>
+          </p:nvPr>
+        </p:nvSpPr>
+        <p:spPr/>
+        <p:txBody>
+          <a:bodyPr/>
+          <a:lstStyle/>
+          <a:p>
+            <a:fld id="{9DEDB23E-2FB9-47E7-B867-886262ECB867}" type="slidenum">
+              <a:rPr lang="en-US" smtClean="0"/>
+              <a:pPr/>
+              <a:t>17</a:t>
+            </a:fld>
+            <a:endParaRPr lang="en-US" dirty="0"/>
+          </a:p>
+        </p:txBody>
+      </p:sp>
+      <p:sp>
+        <p:nvSpPr>
+          <p:cNvPr id="5" name="文本框 4"/>
+          <p:cNvSpPr txBox="1"/>
+          <p:nvPr/>
+        </p:nvSpPr>
+        <p:spPr>
+          <a:xfrm>
+            <a:off x="682579" y="308320"/>
+            <a:ext cx="3644721" cy="461665"/>
+          </a:xfrm>
+          <a:prstGeom prst="rect">
+            <a:avLst/>
+          </a:prstGeom>
+          <a:noFill/>
+        </p:spPr>
+        <p:txBody>
+          <a:bodyPr wrap="square" rtlCol="0">
+            <a:spAutoFit/>
+          </a:bodyPr>
+          <a:lstStyle/>
+          <a:p>
+            <a:r>
+              <a:rPr lang="zh-CN" altLang="en-US" sz="2400" b="1" dirty="0">
+                <a:solidFill>
+                  <a:srgbClr val="1C4885"/>
+                </a:solidFill>
+                <a:latin typeface="微软雅黑" panose="020B0503020204020204" pitchFamily="34" charset="-122"/>
+                <a:ea typeface="微软雅黑" panose="020B0503020204020204" pitchFamily="34" charset="-122"/>
+              </a:rPr>
+              <a:t>五、程序流控制命令</a:t>
+            </a:r>
+          </a:p>
+        </p:txBody>
+      </p:sp>
+      <p:sp>
+        <p:nvSpPr>
+          <p:cNvPr id="3" name="矩形 2">
+            <a:extLst>
+              <a:ext uri="{FF2B5EF4-FFF2-40B4-BE49-F238E27FC236}">
+                <a16:creationId xmlns:a16="http://schemas.microsoft.com/office/drawing/2014/main" id="{36CF10C1-CE44-4A73-912D-FA3279DD3EEF}"/>
+              </a:ext>
+            </a:extLst>
+          </p:cNvPr>
+          <p:cNvSpPr/>
+          <p:nvPr/>
+        </p:nvSpPr>
+        <p:spPr>
+          <a:xfrm>
+            <a:off x="682579" y="1003926"/>
+            <a:ext cx="9455334" cy="369332"/>
+          </a:xfrm>
+          <a:prstGeom prst="rect">
+            <a:avLst/>
+          </a:prstGeom>
+        </p:spPr>
+        <p:txBody>
+          <a:bodyPr wrap="square">
+            <a:spAutoFit/>
+          </a:bodyPr>
+          <a:lstStyle/>
+          <a:p>
+            <a:r>
+              <a:rPr lang="en-US" altLang="zh-CN" dirty="0"/>
+              <a:t>For</a:t>
+            </a:r>
+            <a:r>
+              <a:rPr lang="zh-CN" altLang="en-US" dirty="0"/>
+              <a:t>或</a:t>
+            </a:r>
+            <a:r>
+              <a:rPr lang="en-US" altLang="zh-CN" dirty="0"/>
+              <a:t>while :</a:t>
+            </a:r>
+            <a:r>
+              <a:rPr lang="zh-CN" altLang="en-US" dirty="0"/>
+              <a:t>重复循环执行一段代码</a:t>
+            </a:r>
+          </a:p>
+        </p:txBody>
+      </p:sp>
+      <p:sp>
+        <p:nvSpPr>
+          <p:cNvPr id="6" name="矩形 5">
+            <a:extLst>
+              <a:ext uri="{FF2B5EF4-FFF2-40B4-BE49-F238E27FC236}">
+                <a16:creationId xmlns:a16="http://schemas.microsoft.com/office/drawing/2014/main" id="{44170E81-DB8A-4D6B-B61E-68AB5EA8608E}"/>
+              </a:ext>
+            </a:extLst>
+          </p:cNvPr>
+          <p:cNvSpPr/>
+          <p:nvPr/>
+        </p:nvSpPr>
+        <p:spPr>
+          <a:xfrm>
+            <a:off x="371059" y="1490228"/>
+            <a:ext cx="10296940" cy="1477328"/>
+          </a:xfrm>
+          <a:prstGeom prst="rect">
+            <a:avLst/>
+          </a:prstGeom>
+        </p:spPr>
+        <p:txBody>
+          <a:bodyPr wrap="square">
+            <a:spAutoFit/>
+          </a:bodyPr>
+          <a:lstStyle/>
+          <a:p>
+            <a:r>
+              <a:rPr lang="en-US" altLang="zh-CN" dirty="0">
+                <a:solidFill>
+                  <a:srgbClr val="008000"/>
+                </a:solidFill>
+              </a:rPr>
+              <a:t>        Set Count = 10</a:t>
+            </a:r>
+            <a:br>
+              <a:rPr lang="en-US" altLang="zh-CN" dirty="0"/>
+            </a:br>
+            <a:r>
+              <a:rPr lang="en-US" altLang="zh-CN" dirty="0">
+                <a:solidFill>
+                  <a:srgbClr val="008000"/>
+                </a:solidFill>
+              </a:rPr>
+              <a:t>        For i=1:2:Count d              //i</a:t>
+            </a:r>
+            <a:r>
+              <a:rPr lang="zh-CN" altLang="en-US" dirty="0">
+                <a:solidFill>
+                  <a:srgbClr val="008000"/>
+                </a:solidFill>
+              </a:rPr>
+              <a:t>从</a:t>
+            </a:r>
+            <a:r>
+              <a:rPr lang="en-US" altLang="zh-CN" dirty="0">
+                <a:solidFill>
+                  <a:srgbClr val="008000"/>
+                </a:solidFill>
+              </a:rPr>
+              <a:t>1</a:t>
+            </a:r>
+            <a:r>
+              <a:rPr lang="zh-CN" altLang="en-US" dirty="0">
+                <a:solidFill>
+                  <a:srgbClr val="008000"/>
+                </a:solidFill>
+              </a:rPr>
+              <a:t>开始</a:t>
+            </a:r>
+            <a:r>
+              <a:rPr lang="en-US" altLang="zh-CN" dirty="0">
+                <a:solidFill>
+                  <a:srgbClr val="008000"/>
+                </a:solidFill>
+              </a:rPr>
+              <a:t>,i</a:t>
+            </a:r>
+            <a:r>
+              <a:rPr lang="zh-CN" altLang="en-US" dirty="0">
+                <a:solidFill>
+                  <a:srgbClr val="008000"/>
+                </a:solidFill>
+              </a:rPr>
+              <a:t>每次加</a:t>
+            </a:r>
+            <a:r>
+              <a:rPr lang="en-US" altLang="zh-CN" dirty="0">
+                <a:solidFill>
+                  <a:srgbClr val="008000"/>
+                </a:solidFill>
+              </a:rPr>
+              <a:t>2, </a:t>
+            </a:r>
+            <a:r>
+              <a:rPr lang="zh-CN" altLang="en-US" dirty="0">
+                <a:solidFill>
+                  <a:srgbClr val="008000"/>
+                </a:solidFill>
+              </a:rPr>
+              <a:t>必须有</a:t>
+            </a:r>
+            <a:r>
+              <a:rPr lang="en-US" altLang="zh-CN" dirty="0">
+                <a:solidFill>
+                  <a:srgbClr val="008000"/>
+                </a:solidFill>
+              </a:rPr>
+              <a:t>d, </a:t>
+            </a:r>
+            <a:r>
+              <a:rPr lang="zh-CN" altLang="en-US" dirty="0">
+                <a:solidFill>
+                  <a:srgbClr val="008000"/>
+                </a:solidFill>
+              </a:rPr>
+              <a:t>不然不会执行</a:t>
+            </a:r>
+            <a:br>
+              <a:rPr lang="zh-CN" altLang="en-US" dirty="0"/>
+            </a:br>
+            <a:r>
+              <a:rPr lang="zh-CN" altLang="en-US" dirty="0">
+                <a:solidFill>
+                  <a:srgbClr val="008000"/>
+                </a:solidFill>
+              </a:rPr>
+              <a:t>        </a:t>
+            </a:r>
+            <a:r>
+              <a:rPr lang="en-US" altLang="zh-CN" dirty="0">
+                <a:solidFill>
+                  <a:srgbClr val="008000"/>
+                </a:solidFill>
+              </a:rPr>
+              <a:t>.w i                        //w</a:t>
+            </a:r>
+            <a:r>
+              <a:rPr lang="zh-CN" altLang="en-US" dirty="0">
+                <a:solidFill>
+                  <a:srgbClr val="008000"/>
+                </a:solidFill>
+              </a:rPr>
+              <a:t>之前必须有</a:t>
+            </a:r>
+            <a:r>
+              <a:rPr lang="en-US" altLang="zh-CN" dirty="0">
+                <a:solidFill>
+                  <a:srgbClr val="008000"/>
+                </a:solidFill>
+              </a:rPr>
+              <a:t>. </a:t>
+            </a:r>
+            <a:r>
+              <a:rPr lang="zh-CN" altLang="en-US" dirty="0">
+                <a:solidFill>
+                  <a:srgbClr val="008000"/>
+                </a:solidFill>
+              </a:rPr>
+              <a:t>不然只会输出最后一个数据</a:t>
+            </a:r>
+            <a:br>
+              <a:rPr lang="zh-CN" altLang="en-US" dirty="0"/>
+            </a:br>
+            <a:r>
+              <a:rPr lang="zh-CN" altLang="en-US" dirty="0">
+                <a:solidFill>
+                  <a:srgbClr val="008000"/>
+                </a:solidFill>
+              </a:rPr>
+              <a:t>        </a:t>
+            </a:r>
+            <a:endParaRPr lang="en-US" altLang="zh-CN" dirty="0">
+              <a:solidFill>
+                <a:srgbClr val="008000"/>
+              </a:solidFill>
+            </a:endParaRPr>
+          </a:p>
+          <a:p>
+            <a:r>
+              <a:rPr lang="en-US" altLang="zh-CN" dirty="0">
+                <a:solidFill>
+                  <a:srgbClr val="008000"/>
+                </a:solidFill>
+              </a:rPr>
+              <a:t>        </a:t>
+            </a:r>
+            <a:r>
+              <a:rPr lang="zh-CN" altLang="en-US" dirty="0">
+                <a:solidFill>
+                  <a:srgbClr val="008000"/>
+                </a:solidFill>
+              </a:rPr>
+              <a:t>输出</a:t>
+            </a:r>
+            <a:r>
+              <a:rPr lang="en-US" altLang="zh-CN" dirty="0">
+                <a:solidFill>
+                  <a:srgbClr val="008000"/>
+                </a:solidFill>
+              </a:rPr>
+              <a:t>:13579</a:t>
+            </a:r>
+          </a:p>
+        </p:txBody>
+      </p:sp>
+      <p:sp>
+        <p:nvSpPr>
+          <p:cNvPr id="8" name="矩形 7">
+            <a:extLst>
+              <a:ext uri="{FF2B5EF4-FFF2-40B4-BE49-F238E27FC236}">
+                <a16:creationId xmlns:a16="http://schemas.microsoft.com/office/drawing/2014/main" id="{6FE86871-86B3-46C9-AD2E-BB2CDF450BA7}"/>
+              </a:ext>
+            </a:extLst>
+          </p:cNvPr>
+          <p:cNvSpPr/>
+          <p:nvPr/>
+        </p:nvSpPr>
+        <p:spPr>
+          <a:xfrm>
+            <a:off x="371060" y="2990501"/>
+            <a:ext cx="9766853" cy="2031325"/>
+          </a:xfrm>
+          <a:prstGeom prst="rect">
+            <a:avLst/>
+          </a:prstGeom>
+        </p:spPr>
+        <p:txBody>
+          <a:bodyPr wrap="square">
+            <a:spAutoFit/>
+          </a:bodyPr>
+          <a:lstStyle/>
+          <a:p>
+            <a:r>
+              <a:rPr lang="en-US" altLang="zh-CN" dirty="0">
+                <a:solidFill>
+                  <a:srgbClr val="008000"/>
+                </a:solidFill>
+              </a:rPr>
+              <a:t>        set i = 0</a:t>
+            </a:r>
+            <a:br>
+              <a:rPr lang="en-US" altLang="zh-CN" dirty="0"/>
+            </a:br>
+            <a:r>
+              <a:rPr lang="en-US" altLang="zh-CN" dirty="0">
+                <a:solidFill>
+                  <a:srgbClr val="008000"/>
+                </a:solidFill>
+              </a:rPr>
+              <a:t>        for {</a:t>
+            </a:r>
+            <a:br>
+              <a:rPr lang="en-US" altLang="zh-CN" dirty="0"/>
+            </a:br>
+            <a:r>
+              <a:rPr lang="en-US" altLang="zh-CN" dirty="0">
+                <a:solidFill>
+                  <a:srgbClr val="008000"/>
+                </a:solidFill>
+              </a:rPr>
+              <a:t>            set i = i+1</a:t>
+            </a:r>
+            <a:br>
+              <a:rPr lang="en-US" altLang="zh-CN" dirty="0"/>
+            </a:br>
+            <a:r>
+              <a:rPr lang="en-US" altLang="zh-CN" dirty="0">
+                <a:solidFill>
+                  <a:srgbClr val="008000"/>
+                </a:solidFill>
+              </a:rPr>
+              <a:t>            quit:(i&gt;Count)  //</a:t>
+            </a:r>
+            <a:r>
+              <a:rPr lang="zh-CN" altLang="en-US" dirty="0">
+                <a:solidFill>
+                  <a:srgbClr val="008000"/>
+                </a:solidFill>
+              </a:rPr>
+              <a:t>当</a:t>
+            </a:r>
+            <a:r>
+              <a:rPr lang="en-US" altLang="zh-CN" dirty="0">
+                <a:solidFill>
+                  <a:srgbClr val="008000"/>
+                </a:solidFill>
+              </a:rPr>
+              <a:t>i&gt;Count</a:t>
+            </a:r>
+            <a:r>
+              <a:rPr lang="zh-CN" altLang="en-US" dirty="0">
+                <a:solidFill>
+                  <a:srgbClr val="008000"/>
+                </a:solidFill>
+              </a:rPr>
+              <a:t>时结束执行函数</a:t>
+            </a:r>
+            <a:br>
+              <a:rPr lang="zh-CN" altLang="en-US" dirty="0"/>
+            </a:br>
+            <a:r>
+              <a:rPr lang="zh-CN" altLang="en-US" dirty="0">
+                <a:solidFill>
+                  <a:srgbClr val="008000"/>
+                </a:solidFill>
+              </a:rPr>
+              <a:t>            </a:t>
+            </a:r>
+            <a:r>
+              <a:rPr lang="en-US" altLang="zh-CN" dirty="0">
+                <a:solidFill>
+                  <a:srgbClr val="008000"/>
+                </a:solidFill>
+              </a:rPr>
+              <a:t>w i</a:t>
+            </a:r>
+            <a:br>
+              <a:rPr lang="en-US" altLang="zh-CN" dirty="0"/>
+            </a:br>
+            <a:r>
+              <a:rPr lang="en-US" altLang="zh-CN" dirty="0">
+                <a:solidFill>
+                  <a:srgbClr val="008000"/>
+                </a:solidFill>
+              </a:rPr>
+              <a:t>         }</a:t>
+            </a:r>
+          </a:p>
+          <a:p>
+            <a:r>
+              <a:rPr lang="en-US" altLang="zh-CN" dirty="0">
+                <a:solidFill>
+                  <a:srgbClr val="008000"/>
+                </a:solidFill>
+              </a:rPr>
+              <a:t>         </a:t>
+            </a:r>
+            <a:r>
+              <a:rPr lang="zh-CN" altLang="en-US" dirty="0">
+                <a:solidFill>
+                  <a:srgbClr val="008000"/>
+                </a:solidFill>
+              </a:rPr>
+              <a:t>输出</a:t>
+            </a:r>
+            <a:r>
+              <a:rPr lang="en-US" altLang="zh-CN" dirty="0">
+                <a:solidFill>
+                  <a:srgbClr val="008000"/>
+                </a:solidFill>
+              </a:rPr>
+              <a:t>:12345678910</a:t>
+            </a:r>
+            <a:endParaRPr lang="zh-CN" altLang="en-US" dirty="0"/>
+          </a:p>
+        </p:txBody>
+      </p:sp>
+      <p:sp>
+        <p:nvSpPr>
+          <p:cNvPr id="9" name="矩形 8">
+            <a:extLst>
+              <a:ext uri="{FF2B5EF4-FFF2-40B4-BE49-F238E27FC236}">
+                <a16:creationId xmlns:a16="http://schemas.microsoft.com/office/drawing/2014/main" id="{901630AB-C9A9-48A9-A216-180446E45C3C}"/>
+              </a:ext>
+            </a:extLst>
+          </p:cNvPr>
+          <p:cNvSpPr/>
+          <p:nvPr/>
+        </p:nvSpPr>
+        <p:spPr>
+          <a:xfrm>
+            <a:off x="3518544" y="4726719"/>
+            <a:ext cx="6096000" cy="1477328"/>
+          </a:xfrm>
+          <a:prstGeom prst="rect">
+            <a:avLst/>
+          </a:prstGeom>
+        </p:spPr>
+        <p:txBody>
+          <a:bodyPr>
+            <a:spAutoFit/>
+          </a:bodyPr>
+          <a:lstStyle/>
+          <a:p>
+            <a:r>
+              <a:rPr lang="en-US" altLang="zh-CN" dirty="0">
+                <a:solidFill>
+                  <a:srgbClr val="008000"/>
+                </a:solidFill>
+              </a:rPr>
+              <a:t>        set i = 1</a:t>
+            </a:r>
+            <a:br>
+              <a:rPr lang="en-US" altLang="zh-CN" dirty="0"/>
+            </a:br>
+            <a:r>
+              <a:rPr lang="en-US" altLang="zh-CN" dirty="0">
+                <a:solidFill>
+                  <a:srgbClr val="008000"/>
+                </a:solidFill>
+              </a:rPr>
+              <a:t>        while(i&lt;(Count+1)){</a:t>
+            </a:r>
+            <a:br>
+              <a:rPr lang="en-US" altLang="zh-CN" dirty="0"/>
+            </a:br>
+            <a:r>
+              <a:rPr lang="en-US" altLang="zh-CN" dirty="0">
+                <a:solidFill>
+                  <a:srgbClr val="008000"/>
+                </a:solidFill>
+              </a:rPr>
+              <a:t>            w i</a:t>
+            </a:r>
+            <a:br>
+              <a:rPr lang="en-US" altLang="zh-CN" dirty="0"/>
+            </a:br>
+            <a:r>
+              <a:rPr lang="en-US" altLang="zh-CN" dirty="0">
+                <a:solidFill>
+                  <a:srgbClr val="008000"/>
+                </a:solidFill>
+              </a:rPr>
+              <a:t>            set i = i+1</a:t>
+            </a:r>
+            <a:br>
+              <a:rPr lang="en-US" altLang="zh-CN" dirty="0"/>
+            </a:br>
+            <a:r>
+              <a:rPr lang="en-US" altLang="zh-CN" dirty="0">
+                <a:solidFill>
+                  <a:srgbClr val="008000"/>
+                </a:solidFill>
+              </a:rPr>
+              <a:t>        }                                                         </a:t>
+            </a:r>
+            <a:r>
+              <a:rPr lang="zh-CN" altLang="en-US" dirty="0">
+                <a:solidFill>
+                  <a:srgbClr val="008000"/>
+                </a:solidFill>
+              </a:rPr>
+              <a:t>输出</a:t>
+            </a:r>
+            <a:r>
+              <a:rPr lang="en-US" altLang="zh-CN" dirty="0">
+                <a:solidFill>
+                  <a:srgbClr val="008000"/>
+                </a:solidFill>
+              </a:rPr>
+              <a:t>:12345678910</a:t>
+            </a:r>
+            <a:endParaRPr lang="zh-CN" altLang="en-US" dirty="0"/>
+          </a:p>
+        </p:txBody>
+      </p:sp>
+    </p:spTree>
+    <p:extLst>
+      <p:ext uri="{BB962C8B-B14F-4D97-AF65-F5344CB8AC3E}">
+        <p14:creationId xmlns:p14="http://schemas.microsoft.com/office/powerpoint/2010/main" val="1473902155"/>
+      </p:ext>
+    </p:extLst>
+  </p:cSld>
+  <p:clrMapOvr>
+    <a:masterClrMapping/>
+  </p:clrMapOvr>
+</p:sld>
+</file>
+
+<file path=ppt/slides/slide18.xml><?xml version="1.0" encoding="utf-8"?>
+<p:sld xmlns:a="http://schemas.openxmlformats.org/drawingml/2006/main" xmlns:r="http://schemas.openxmlformats.org/officeDocument/2006/relationships" xmlns:p="http://schemas.openxmlformats.org/presentationml/2006/main">
+  <p:cSld>
+    <p:bg>
+      <p:bgPr>
+        <a:solidFill>
+          <a:schemeClr val="bg1">
+            <a:alpha val="93000"/>
+          </a:schemeClr>
+        </a:solidFill>
+        <a:effectLst/>
+      </p:bgPr>
+    </p:bg>
+    <p:spTree>
+      <p:nvGrpSpPr>
+        <p:cNvPr id="1" name=""/>
+        <p:cNvGrpSpPr/>
+        <p:nvPr/>
+      </p:nvGrpSpPr>
+      <p:grpSpPr>
+        <a:xfrm>
+          <a:off x="0" y="0"/>
+          <a:ext cx="0" cy="0"/>
+          <a:chOff x="0" y="0"/>
+          <a:chExt cx="0" cy="0"/>
+        </a:xfrm>
+      </p:grpSpPr>
+      <p:sp>
+        <p:nvSpPr>
+          <p:cNvPr id="2" name="灯片编号占位符 1"/>
+          <p:cNvSpPr>
+            <a:spLocks noGrp="1"/>
+          </p:cNvSpPr>
+          <p:nvPr>
+            <p:ph type="sldNum" sz="quarter" idx="4"/>
+          </p:nvPr>
+        </p:nvSpPr>
+        <p:spPr/>
+        <p:txBody>
+          <a:bodyPr/>
+          <a:lstStyle/>
+          <a:p>
+            <a:fld id="{9DEDB23E-2FB9-47E7-B867-886262ECB867}" type="slidenum">
+              <a:rPr lang="en-US" smtClean="0"/>
+              <a:pPr/>
+              <a:t>18</a:t>
+            </a:fld>
+            <a:endParaRPr lang="en-US" dirty="0"/>
+          </a:p>
+        </p:txBody>
+      </p:sp>
+      <p:sp>
+        <p:nvSpPr>
+          <p:cNvPr id="5" name="文本框 4"/>
+          <p:cNvSpPr txBox="1"/>
+          <p:nvPr/>
+        </p:nvSpPr>
+        <p:spPr>
+          <a:xfrm>
+            <a:off x="682579" y="308320"/>
+            <a:ext cx="3644721" cy="461665"/>
+          </a:xfrm>
+          <a:prstGeom prst="rect">
+            <a:avLst/>
+          </a:prstGeom>
+          <a:noFill/>
+        </p:spPr>
+        <p:txBody>
+          <a:bodyPr wrap="square" rtlCol="0">
+            <a:spAutoFit/>
+          </a:bodyPr>
+          <a:lstStyle/>
+          <a:p>
+            <a:r>
+              <a:rPr lang="zh-CN" altLang="en-US" sz="2400" b="1" dirty="0">
+                <a:solidFill>
+                  <a:srgbClr val="1C4885"/>
+                </a:solidFill>
+                <a:latin typeface="微软雅黑" panose="020B0503020204020204" pitchFamily="34" charset="-122"/>
+                <a:ea typeface="微软雅黑" panose="020B0503020204020204" pitchFamily="34" charset="-122"/>
+              </a:rPr>
+              <a:t>五、程序流控制命令</a:t>
+            </a:r>
+          </a:p>
+        </p:txBody>
+      </p:sp>
+      <p:sp>
+        <p:nvSpPr>
+          <p:cNvPr id="3" name="矩形 2">
+            <a:extLst>
+              <a:ext uri="{FF2B5EF4-FFF2-40B4-BE49-F238E27FC236}">
+                <a16:creationId xmlns:a16="http://schemas.microsoft.com/office/drawing/2014/main" id="{36CF10C1-CE44-4A73-912D-FA3279DD3EEF}"/>
+              </a:ext>
+            </a:extLst>
+          </p:cNvPr>
+          <p:cNvSpPr/>
+          <p:nvPr/>
+        </p:nvSpPr>
+        <p:spPr>
+          <a:xfrm>
+            <a:off x="682579" y="1003926"/>
+            <a:ext cx="9455334" cy="369332"/>
+          </a:xfrm>
+          <a:prstGeom prst="rect">
+            <a:avLst/>
+          </a:prstGeom>
+        </p:spPr>
+        <p:txBody>
+          <a:bodyPr wrap="square">
+            <a:spAutoFit/>
+          </a:bodyPr>
+          <a:lstStyle/>
+          <a:p>
+            <a:r>
+              <a:rPr lang="en-US" altLang="zh-CN" dirty="0"/>
+              <a:t>quit(q) </a:t>
+            </a:r>
+            <a:r>
+              <a:rPr lang="zh-CN" altLang="en-US" dirty="0"/>
+              <a:t>终止循环结构或例程的执行。</a:t>
+            </a:r>
+          </a:p>
+        </p:txBody>
+      </p:sp>
+      <p:sp>
+        <p:nvSpPr>
+          <p:cNvPr id="8" name="矩形 7">
+            <a:extLst>
+              <a:ext uri="{FF2B5EF4-FFF2-40B4-BE49-F238E27FC236}">
+                <a16:creationId xmlns:a16="http://schemas.microsoft.com/office/drawing/2014/main" id="{6FE86871-86B3-46C9-AD2E-BB2CDF450BA7}"/>
+              </a:ext>
+            </a:extLst>
+          </p:cNvPr>
+          <p:cNvSpPr/>
+          <p:nvPr/>
+        </p:nvSpPr>
+        <p:spPr>
+          <a:xfrm>
+            <a:off x="278295" y="1431053"/>
+            <a:ext cx="9766853" cy="2031325"/>
+          </a:xfrm>
+          <a:prstGeom prst="rect">
+            <a:avLst/>
+          </a:prstGeom>
+        </p:spPr>
+        <p:txBody>
+          <a:bodyPr wrap="square">
+            <a:spAutoFit/>
+          </a:bodyPr>
+          <a:lstStyle/>
+          <a:p>
+            <a:r>
+              <a:rPr lang="en-US" altLang="zh-CN" dirty="0">
+                <a:solidFill>
+                  <a:srgbClr val="008000"/>
+                </a:solidFill>
+              </a:rPr>
+              <a:t>        set i = 0</a:t>
+            </a:r>
+            <a:br>
+              <a:rPr lang="en-US" altLang="zh-CN" dirty="0"/>
+            </a:br>
+            <a:r>
+              <a:rPr lang="en-US" altLang="zh-CN" dirty="0">
+                <a:solidFill>
+                  <a:srgbClr val="008000"/>
+                </a:solidFill>
+              </a:rPr>
+              <a:t>        for {</a:t>
+            </a:r>
+            <a:br>
+              <a:rPr lang="en-US" altLang="zh-CN" dirty="0"/>
+            </a:br>
+            <a:r>
+              <a:rPr lang="en-US" altLang="zh-CN" dirty="0">
+                <a:solidFill>
+                  <a:srgbClr val="008000"/>
+                </a:solidFill>
+              </a:rPr>
+              <a:t>            set i = i+1</a:t>
+            </a:r>
+            <a:br>
+              <a:rPr lang="en-US" altLang="zh-CN" dirty="0"/>
+            </a:br>
+            <a:r>
+              <a:rPr lang="en-US" altLang="zh-CN" dirty="0">
+                <a:solidFill>
+                  <a:srgbClr val="008000"/>
+                </a:solidFill>
+              </a:rPr>
+              <a:t>            quit:(i&gt;Count)  //</a:t>
+            </a:r>
+            <a:r>
+              <a:rPr lang="zh-CN" altLang="en-US" dirty="0">
+                <a:solidFill>
+                  <a:srgbClr val="008000"/>
+                </a:solidFill>
+              </a:rPr>
+              <a:t>当</a:t>
+            </a:r>
+            <a:r>
+              <a:rPr lang="en-US" altLang="zh-CN" dirty="0">
+                <a:solidFill>
+                  <a:srgbClr val="008000"/>
+                </a:solidFill>
+              </a:rPr>
+              <a:t>i&gt;Count</a:t>
+            </a:r>
+            <a:r>
+              <a:rPr lang="zh-CN" altLang="en-US" dirty="0">
+                <a:solidFill>
+                  <a:srgbClr val="008000"/>
+                </a:solidFill>
+              </a:rPr>
+              <a:t>时结束执行函数</a:t>
+            </a:r>
+            <a:r>
+              <a:rPr lang="en-US" altLang="zh-CN" dirty="0">
+                <a:solidFill>
+                  <a:srgbClr val="008000"/>
+                </a:solidFill>
+              </a:rPr>
+              <a:t>,</a:t>
+            </a:r>
+            <a:r>
+              <a:rPr lang="zh-CN" altLang="en-US" dirty="0">
+                <a:solidFill>
+                  <a:srgbClr val="008000"/>
+                </a:solidFill>
+              </a:rPr>
+              <a:t> 在</a:t>
+            </a:r>
+            <a:r>
+              <a:rPr lang="en-US" altLang="zh-CN" dirty="0">
+                <a:solidFill>
+                  <a:srgbClr val="008000"/>
+                </a:solidFill>
+              </a:rPr>
+              <a:t>q</a:t>
+            </a:r>
+            <a:r>
+              <a:rPr lang="zh-CN" altLang="en-US" dirty="0">
+                <a:solidFill>
+                  <a:srgbClr val="008000"/>
+                </a:solidFill>
+              </a:rPr>
+              <a:t>后面加个</a:t>
+            </a:r>
+            <a:r>
+              <a:rPr lang="en-US" altLang="zh-CN" dirty="0">
+                <a:solidFill>
+                  <a:srgbClr val="008000"/>
+                </a:solidFill>
+              </a:rPr>
+              <a:t>:</a:t>
+            </a:r>
+            <a:r>
+              <a:rPr lang="zh-CN" altLang="en-US" dirty="0">
+                <a:solidFill>
+                  <a:srgbClr val="008000"/>
+                </a:solidFill>
+              </a:rPr>
+              <a:t>是类似一个</a:t>
+            </a:r>
+            <a:r>
+              <a:rPr lang="en-US" altLang="zh-CN" dirty="0">
+                <a:solidFill>
+                  <a:srgbClr val="008000"/>
+                </a:solidFill>
+              </a:rPr>
+              <a:t>if</a:t>
+            </a:r>
+            <a:r>
+              <a:rPr lang="zh-CN" altLang="en-US" dirty="0">
+                <a:solidFill>
+                  <a:srgbClr val="008000"/>
+                </a:solidFill>
+              </a:rPr>
+              <a:t>判断</a:t>
+            </a:r>
+            <a:br>
+              <a:rPr lang="zh-CN" altLang="en-US" dirty="0"/>
+            </a:br>
+            <a:r>
+              <a:rPr lang="zh-CN" altLang="en-US" dirty="0">
+                <a:solidFill>
+                  <a:srgbClr val="008000"/>
+                </a:solidFill>
+              </a:rPr>
+              <a:t>            </a:t>
+            </a:r>
+            <a:r>
+              <a:rPr lang="en-US" altLang="zh-CN" dirty="0">
+                <a:solidFill>
+                  <a:srgbClr val="008000"/>
+                </a:solidFill>
+              </a:rPr>
+              <a:t>w i</a:t>
+            </a:r>
+            <a:br>
+              <a:rPr lang="en-US" altLang="zh-CN" dirty="0"/>
+            </a:br>
+            <a:r>
+              <a:rPr lang="en-US" altLang="zh-CN" dirty="0">
+                <a:solidFill>
+                  <a:srgbClr val="008000"/>
+                </a:solidFill>
+              </a:rPr>
+              <a:t>         }</a:t>
+            </a:r>
+          </a:p>
+          <a:p>
+            <a:r>
+              <a:rPr lang="en-US" altLang="zh-CN" dirty="0">
+                <a:solidFill>
+                  <a:srgbClr val="008000"/>
+                </a:solidFill>
+              </a:rPr>
+              <a:t>         </a:t>
+            </a:r>
+            <a:r>
+              <a:rPr lang="zh-CN" altLang="en-US" dirty="0">
+                <a:solidFill>
+                  <a:srgbClr val="008000"/>
+                </a:solidFill>
+              </a:rPr>
+              <a:t>输出</a:t>
+            </a:r>
+            <a:r>
+              <a:rPr lang="en-US" altLang="zh-CN" dirty="0">
+                <a:solidFill>
+                  <a:srgbClr val="008000"/>
+                </a:solidFill>
+              </a:rPr>
+              <a:t>:12345678910</a:t>
+            </a:r>
+            <a:endParaRPr lang="zh-CN" altLang="en-US" dirty="0"/>
+          </a:p>
+        </p:txBody>
+      </p:sp>
+      <p:sp>
+        <p:nvSpPr>
+          <p:cNvPr id="4" name="矩形 3">
+            <a:extLst>
+              <a:ext uri="{FF2B5EF4-FFF2-40B4-BE49-F238E27FC236}">
+                <a16:creationId xmlns:a16="http://schemas.microsoft.com/office/drawing/2014/main" id="{52501B55-718F-42F4-9201-CA8731E2BFC8}"/>
+              </a:ext>
+            </a:extLst>
+          </p:cNvPr>
+          <p:cNvSpPr/>
+          <p:nvPr/>
+        </p:nvSpPr>
+        <p:spPr>
+          <a:xfrm>
+            <a:off x="516834" y="3756369"/>
+            <a:ext cx="6096000" cy="1200329"/>
+          </a:xfrm>
+          <a:prstGeom prst="rect">
+            <a:avLst/>
+          </a:prstGeom>
+        </p:spPr>
+        <p:txBody>
+          <a:bodyPr>
+            <a:spAutoFit/>
+          </a:bodyPr>
+          <a:lstStyle/>
+          <a:p>
+            <a:r>
+              <a:rPr lang="en-US" altLang="zh-CN" dirty="0">
+                <a:solidFill>
+                  <a:srgbClr val="008000"/>
+                </a:solidFill>
+              </a:rPr>
+              <a:t>    //q </a:t>
+            </a:r>
+            <a:r>
+              <a:rPr lang="zh-CN" altLang="en-US" dirty="0">
+                <a:solidFill>
+                  <a:srgbClr val="008000"/>
+                </a:solidFill>
+              </a:rPr>
+              <a:t>后面有值是表示结束时返回这个值</a:t>
+            </a:r>
+            <a:br>
+              <a:rPr lang="zh-CN" altLang="en-US" dirty="0"/>
+            </a:br>
+            <a:r>
+              <a:rPr lang="zh-CN" altLang="en-US" dirty="0">
+                <a:solidFill>
+                  <a:srgbClr val="008000"/>
+                </a:solidFill>
+              </a:rPr>
+              <a:t>    </a:t>
+            </a:r>
+            <a:r>
+              <a:rPr lang="en-US" altLang="zh-CN" dirty="0">
+                <a:solidFill>
+                  <a:srgbClr val="008000"/>
+                </a:solidFill>
+              </a:rPr>
+              <a:t>s a=1</a:t>
+            </a:r>
+            <a:br>
+              <a:rPr lang="en-US" altLang="zh-CN" dirty="0"/>
+            </a:br>
+            <a:r>
+              <a:rPr lang="en-US" altLang="zh-CN" dirty="0">
+                <a:solidFill>
+                  <a:srgbClr val="008000"/>
+                </a:solidFill>
+              </a:rPr>
+              <a:t>    s b=2</a:t>
+            </a:r>
+            <a:br>
+              <a:rPr lang="en-US" altLang="zh-CN" dirty="0"/>
+            </a:br>
+            <a:r>
+              <a:rPr lang="en-US" altLang="zh-CN" dirty="0">
+                <a:solidFill>
+                  <a:srgbClr val="008000"/>
+                </a:solidFill>
+              </a:rPr>
+              <a:t>    q </a:t>
+            </a:r>
+            <a:r>
+              <a:rPr lang="en-US" altLang="zh-CN" dirty="0" err="1">
+                <a:solidFill>
+                  <a:srgbClr val="008000"/>
+                </a:solidFill>
+              </a:rPr>
+              <a:t>a+b</a:t>
+            </a:r>
+            <a:endParaRPr lang="zh-CN" altLang="en-US" dirty="0"/>
+          </a:p>
+        </p:txBody>
+      </p:sp>
+    </p:spTree>
+    <p:extLst>
+      <p:ext uri="{BB962C8B-B14F-4D97-AF65-F5344CB8AC3E}">
+        <p14:creationId xmlns:p14="http://schemas.microsoft.com/office/powerpoint/2010/main" val="1810184133"/>
+      </p:ext>
+    </p:extLst>
+  </p:cSld>
+  <p:clrMapOvr>
+    <a:masterClrMapping/>
+  </p:clrMapOvr>
+</p:sld>
+</file>
+
+<file path=ppt/slides/slide19.xml><?xml version="1.0" encoding="utf-8"?>
+<p:sld xmlns:a="http://schemas.openxmlformats.org/drawingml/2006/main" xmlns:r="http://schemas.openxmlformats.org/officeDocument/2006/relationships" xmlns:p="http://schemas.openxmlformats.org/presentationml/2006/main">
+  <p:cSld>
+    <p:bg>
+      <p:bgPr>
+        <a:solidFill>
+          <a:schemeClr val="bg1">
+            <a:alpha val="93000"/>
+          </a:schemeClr>
+        </a:solidFill>
+        <a:effectLst/>
+      </p:bgPr>
+    </p:bg>
+    <p:spTree>
+      <p:nvGrpSpPr>
+        <p:cNvPr id="1" name=""/>
+        <p:cNvGrpSpPr/>
+        <p:nvPr/>
+      </p:nvGrpSpPr>
+      <p:grpSpPr>
+        <a:xfrm>
+          <a:off x="0" y="0"/>
+          <a:ext cx="0" cy="0"/>
+          <a:chOff x="0" y="0"/>
+          <a:chExt cx="0" cy="0"/>
+        </a:xfrm>
+      </p:grpSpPr>
+      <p:sp>
+        <p:nvSpPr>
+          <p:cNvPr id="2" name="灯片编号占位符 1"/>
+          <p:cNvSpPr>
+            <a:spLocks noGrp="1"/>
+          </p:cNvSpPr>
+          <p:nvPr>
+            <p:ph type="sldNum" sz="quarter" idx="4"/>
+          </p:nvPr>
+        </p:nvSpPr>
+        <p:spPr/>
+        <p:txBody>
+          <a:bodyPr/>
+          <a:lstStyle/>
+          <a:p>
+            <a:fld id="{9DEDB23E-2FB9-47E7-B867-886262ECB867}" type="slidenum">
+              <a:rPr lang="en-US" smtClean="0"/>
+              <a:pPr/>
+              <a:t>19</a:t>
+            </a:fld>
+            <a:endParaRPr lang="en-US" dirty="0"/>
+          </a:p>
+        </p:txBody>
+      </p:sp>
+      <p:sp>
+        <p:nvSpPr>
+          <p:cNvPr id="5" name="文本框 4"/>
+          <p:cNvSpPr txBox="1"/>
+          <p:nvPr/>
+        </p:nvSpPr>
+        <p:spPr>
+          <a:xfrm>
+            <a:off x="682579" y="308320"/>
+            <a:ext cx="3644721" cy="461665"/>
+          </a:xfrm>
+          <a:prstGeom prst="rect">
+            <a:avLst/>
+          </a:prstGeom>
+          <a:noFill/>
+        </p:spPr>
+        <p:txBody>
+          <a:bodyPr wrap="square" rtlCol="0">
+            <a:spAutoFit/>
+          </a:bodyPr>
+          <a:lstStyle/>
+          <a:p>
+            <a:r>
+              <a:rPr lang="zh-CN" altLang="en-US" sz="2400" b="1" dirty="0">
+                <a:solidFill>
+                  <a:srgbClr val="1C4885"/>
+                </a:solidFill>
+                <a:latin typeface="微软雅黑" panose="020B0503020204020204" pitchFamily="34" charset="-122"/>
+                <a:ea typeface="微软雅黑" panose="020B0503020204020204" pitchFamily="34" charset="-122"/>
+              </a:rPr>
+              <a:t>五、程序流控制命令</a:t>
+            </a:r>
+          </a:p>
+        </p:txBody>
+      </p:sp>
+      <p:sp>
+        <p:nvSpPr>
+          <p:cNvPr id="3" name="矩形 2">
+            <a:extLst>
+              <a:ext uri="{FF2B5EF4-FFF2-40B4-BE49-F238E27FC236}">
+                <a16:creationId xmlns:a16="http://schemas.microsoft.com/office/drawing/2014/main" id="{36CF10C1-CE44-4A73-912D-FA3279DD3EEF}"/>
+              </a:ext>
+            </a:extLst>
+          </p:cNvPr>
+          <p:cNvSpPr/>
+          <p:nvPr/>
+        </p:nvSpPr>
+        <p:spPr>
+          <a:xfrm>
+            <a:off x="682579" y="1003926"/>
+            <a:ext cx="9455334" cy="369332"/>
+          </a:xfrm>
+          <a:prstGeom prst="rect">
+            <a:avLst/>
+          </a:prstGeom>
+        </p:spPr>
+        <p:txBody>
+          <a:bodyPr wrap="square">
+            <a:spAutoFit/>
+          </a:bodyPr>
+          <a:lstStyle/>
+          <a:p>
+            <a:r>
+              <a:rPr lang="en-US" altLang="zh-CN" dirty="0"/>
+              <a:t>break(b):</a:t>
+            </a:r>
+            <a:r>
+              <a:rPr lang="zh-CN" altLang="en-US" dirty="0"/>
+              <a:t>中断断点处的执行。启用或禁用用户中断。</a:t>
+            </a:r>
+          </a:p>
+        </p:txBody>
+      </p:sp>
+      <p:sp>
+        <p:nvSpPr>
+          <p:cNvPr id="7" name="矩形 6">
+            <a:extLst>
+              <a:ext uri="{FF2B5EF4-FFF2-40B4-BE49-F238E27FC236}">
+                <a16:creationId xmlns:a16="http://schemas.microsoft.com/office/drawing/2014/main" id="{765962F5-3105-472F-82B7-D8FE3F13AA76}"/>
+              </a:ext>
+            </a:extLst>
+          </p:cNvPr>
+          <p:cNvSpPr/>
+          <p:nvPr/>
+        </p:nvSpPr>
+        <p:spPr>
+          <a:xfrm>
+            <a:off x="682579" y="1412930"/>
+            <a:ext cx="11244378" cy="369332"/>
+          </a:xfrm>
+          <a:prstGeom prst="rect">
+            <a:avLst/>
+          </a:prstGeom>
+        </p:spPr>
+        <p:txBody>
+          <a:bodyPr wrap="square">
+            <a:spAutoFit/>
+          </a:bodyPr>
+          <a:lstStyle/>
+          <a:p>
+            <a:r>
+              <a:rPr lang="en-US" altLang="zh-CN" dirty="0"/>
+              <a:t>goto(g) </a:t>
+            </a:r>
+            <a:r>
+              <a:rPr lang="zh-CN" altLang="en-US" dirty="0"/>
+              <a:t>当前执行的代码中遇到错误或</a:t>
+            </a:r>
+            <a:r>
+              <a:rPr lang="en-US" altLang="zh-CN" dirty="0"/>
+              <a:t>BREAK</a:t>
+            </a:r>
+            <a:r>
+              <a:rPr lang="zh-CN" altLang="en-US" dirty="0"/>
+              <a:t>命令后，</a:t>
+            </a:r>
+            <a:r>
+              <a:rPr lang="en-US" altLang="zh-CN" dirty="0"/>
+              <a:t>goto</a:t>
+            </a:r>
+            <a:r>
+              <a:rPr lang="zh-CN" altLang="en-US" dirty="0"/>
+              <a:t>可以恢复正常的程序执行</a:t>
+            </a:r>
+          </a:p>
+        </p:txBody>
+      </p:sp>
+      <p:sp>
+        <p:nvSpPr>
+          <p:cNvPr id="9" name="矩形 8">
+            <a:extLst>
+              <a:ext uri="{FF2B5EF4-FFF2-40B4-BE49-F238E27FC236}">
+                <a16:creationId xmlns:a16="http://schemas.microsoft.com/office/drawing/2014/main" id="{EC544DB2-3EBD-4EE3-8772-E5CEAD37E26E}"/>
+              </a:ext>
+            </a:extLst>
+          </p:cNvPr>
+          <p:cNvSpPr/>
+          <p:nvPr/>
+        </p:nvSpPr>
+        <p:spPr>
+          <a:xfrm>
+            <a:off x="477079" y="1936418"/>
+            <a:ext cx="12059478" cy="3139321"/>
+          </a:xfrm>
+          <a:prstGeom prst="rect">
+            <a:avLst/>
+          </a:prstGeom>
+        </p:spPr>
+        <p:txBody>
+          <a:bodyPr wrap="square">
+            <a:spAutoFit/>
+          </a:bodyPr>
+          <a:lstStyle/>
+          <a:p>
+            <a:r>
+              <a:rPr lang="zh-CN" altLang="en-US" dirty="0">
+                <a:solidFill>
+                  <a:srgbClr val="008000"/>
+                </a:solidFill>
+              </a:rPr>
+              <a:t>    </a:t>
+            </a:r>
+            <a:r>
+              <a:rPr lang="en-US" altLang="zh-CN" dirty="0">
+                <a:solidFill>
+                  <a:srgbClr val="008000"/>
+                </a:solidFill>
+              </a:rPr>
+              <a:t>//</a:t>
+            </a:r>
+            <a:r>
+              <a:rPr lang="zh-CN" altLang="en-US" dirty="0">
+                <a:solidFill>
+                  <a:srgbClr val="008000"/>
+                </a:solidFill>
+              </a:rPr>
+              <a:t>在</a:t>
+            </a:r>
+            <a:r>
+              <a:rPr lang="en-US" altLang="zh-CN" dirty="0">
+                <a:solidFill>
+                  <a:srgbClr val="008000"/>
+                </a:solidFill>
+              </a:rPr>
+              <a:t>Terminal</a:t>
+            </a:r>
+            <a:r>
+              <a:rPr lang="zh-CN" altLang="en-US" dirty="0">
+                <a:solidFill>
+                  <a:srgbClr val="008000"/>
+                </a:solidFill>
+              </a:rPr>
+              <a:t>调试代码时遇到</a:t>
+            </a:r>
+            <a:r>
+              <a:rPr lang="en-US" altLang="zh-CN" dirty="0">
+                <a:solidFill>
+                  <a:srgbClr val="008000"/>
+                </a:solidFill>
+              </a:rPr>
+              <a:t>break(b),</a:t>
+            </a:r>
+            <a:r>
+              <a:rPr lang="zh-CN" altLang="en-US" dirty="0">
+                <a:solidFill>
+                  <a:srgbClr val="008000"/>
+                </a:solidFill>
+              </a:rPr>
+              <a:t>用</a:t>
+            </a:r>
+            <a:r>
+              <a:rPr lang="en-US" altLang="zh-CN" dirty="0">
+                <a:solidFill>
+                  <a:srgbClr val="008000"/>
+                </a:solidFill>
+              </a:rPr>
+              <a:t>goto</a:t>
+            </a:r>
+            <a:r>
+              <a:rPr lang="zh-CN" altLang="en-US" dirty="0">
+                <a:solidFill>
+                  <a:srgbClr val="008000"/>
+                </a:solidFill>
+              </a:rPr>
+              <a:t>恢复执行</a:t>
+            </a:r>
+            <a:br>
+              <a:rPr lang="zh-CN" altLang="en-US" dirty="0"/>
+            </a:br>
+            <a:r>
+              <a:rPr lang="zh-CN" altLang="en-US" dirty="0">
+                <a:solidFill>
+                  <a:srgbClr val="008000"/>
+                </a:solidFill>
+              </a:rPr>
+              <a:t>    </a:t>
+            </a:r>
+            <a:r>
+              <a:rPr lang="en-US" altLang="zh-CN" dirty="0">
+                <a:solidFill>
+                  <a:srgbClr val="008000"/>
+                </a:solidFill>
+              </a:rPr>
+              <a:t>//</a:t>
+            </a:r>
+            <a:r>
+              <a:rPr lang="zh-CN" altLang="en-US" dirty="0">
+                <a:solidFill>
+                  <a:srgbClr val="008000"/>
+                </a:solidFill>
+              </a:rPr>
+              <a:t>在此示例中，由于</a:t>
+            </a:r>
+            <a:r>
+              <a:rPr lang="en-US" altLang="zh-CN" dirty="0">
+                <a:solidFill>
+                  <a:srgbClr val="008000"/>
+                </a:solidFill>
+              </a:rPr>
+              <a:t>&lt;BREAK&gt;</a:t>
+            </a:r>
+            <a:r>
+              <a:rPr lang="zh-CN" altLang="en-US" dirty="0">
+                <a:solidFill>
+                  <a:srgbClr val="008000"/>
+                </a:solidFill>
+              </a:rPr>
+              <a:t>错误，未执行第二个</a:t>
+            </a:r>
+            <a:r>
+              <a:rPr lang="en-US" altLang="zh-CN" dirty="0">
+                <a:solidFill>
+                  <a:srgbClr val="008000"/>
+                </a:solidFill>
+              </a:rPr>
+              <a:t>WRITE ; </a:t>
+            </a:r>
+            <a:r>
+              <a:rPr lang="zh-CN" altLang="en-US" dirty="0">
+                <a:solidFill>
+                  <a:srgbClr val="008000"/>
+                </a:solidFill>
+              </a:rPr>
+              <a:t>发出</a:t>
+            </a:r>
+            <a:r>
+              <a:rPr lang="en-US" altLang="zh-CN" dirty="0">
+                <a:solidFill>
+                  <a:srgbClr val="008000"/>
+                </a:solidFill>
+              </a:rPr>
+              <a:t>GOTO</a:t>
+            </a:r>
+            <a:r>
+              <a:rPr lang="zh-CN" altLang="en-US" dirty="0">
+                <a:solidFill>
+                  <a:srgbClr val="008000"/>
+                </a:solidFill>
+              </a:rPr>
+              <a:t>恢复执行，执行第二个</a:t>
+            </a:r>
+            <a:r>
+              <a:rPr lang="en-US" altLang="zh-CN" dirty="0">
+                <a:solidFill>
+                  <a:srgbClr val="008000"/>
+                </a:solidFill>
+              </a:rPr>
+              <a:t>WRITE</a:t>
+            </a:r>
+            <a:r>
+              <a:rPr lang="zh-CN" altLang="en-US" dirty="0">
+                <a:solidFill>
+                  <a:srgbClr val="008000"/>
+                </a:solidFill>
+              </a:rPr>
+              <a:t>：</a:t>
+            </a:r>
+            <a:br>
+              <a:rPr lang="en-US" altLang="zh-CN" dirty="0"/>
+            </a:br>
+            <a:r>
+              <a:rPr lang="en-US" altLang="zh-CN" dirty="0">
+                <a:solidFill>
+                  <a:srgbClr val="008000"/>
+                </a:solidFill>
+              </a:rPr>
+              <a:t>    //</a:t>
+            </a:r>
+            <a:r>
+              <a:rPr lang="zh-CN" altLang="en-US" dirty="0">
+                <a:solidFill>
+                  <a:srgbClr val="008000"/>
+                </a:solidFill>
+              </a:rPr>
+              <a:t>请注意，</a:t>
+            </a:r>
+            <a:r>
+              <a:rPr lang="en-US" altLang="zh-CN" dirty="0">
+                <a:solidFill>
+                  <a:srgbClr val="008000"/>
+                </a:solidFill>
+              </a:rPr>
+              <a:t>BREAK</a:t>
+            </a:r>
+            <a:r>
+              <a:rPr lang="zh-CN" altLang="en-US" dirty="0">
+                <a:solidFill>
+                  <a:srgbClr val="008000"/>
+                </a:solidFill>
+              </a:rPr>
+              <a:t>命令后必须有两个空格。</a:t>
+            </a:r>
+            <a:br>
+              <a:rPr lang="zh-CN" altLang="en-US" dirty="0"/>
+            </a:br>
+            <a:r>
+              <a:rPr lang="zh-CN" altLang="en-US" dirty="0">
+                <a:solidFill>
+                  <a:srgbClr val="008000"/>
+                </a:solidFill>
+              </a:rPr>
+              <a:t>    </a:t>
+            </a:r>
+            <a:r>
+              <a:rPr lang="en-US" altLang="zh-CN" dirty="0">
+                <a:solidFill>
+                  <a:srgbClr val="008000"/>
+                </a:solidFill>
+              </a:rPr>
+              <a:t>USER&gt;WRITE "before" BREAK  WRITE "after"</a:t>
+            </a:r>
+            <a:br>
+              <a:rPr lang="en-US" altLang="zh-CN" dirty="0"/>
+            </a:br>
+            <a:r>
+              <a:rPr lang="en-US" altLang="zh-CN" dirty="0">
+                <a:solidFill>
+                  <a:srgbClr val="008000"/>
+                </a:solidFill>
+              </a:rPr>
+              <a:t>    before</a:t>
+            </a:r>
+            <a:br>
+              <a:rPr lang="en-US" altLang="zh-CN" dirty="0"/>
+            </a:br>
+            <a:r>
+              <a:rPr lang="en-US" altLang="zh-CN" dirty="0">
+                <a:solidFill>
+                  <a:srgbClr val="008000"/>
+                </a:solidFill>
+              </a:rPr>
+              <a:t>    WRITE "before" BREAK  WRITE "after"</a:t>
+            </a:r>
+            <a:br>
+              <a:rPr lang="en-US" altLang="zh-CN" dirty="0"/>
+            </a:br>
+            <a:r>
+              <a:rPr lang="en-US" altLang="zh-CN" dirty="0">
+                <a:solidFill>
+                  <a:srgbClr val="008000"/>
+                </a:solidFill>
+              </a:rPr>
+              <a:t>                   ^</a:t>
+            </a:r>
+            <a:br>
+              <a:rPr lang="en-US" altLang="zh-CN" dirty="0"/>
+            </a:br>
+            <a:r>
+              <a:rPr lang="en-US" altLang="zh-CN" dirty="0">
+                <a:solidFill>
+                  <a:srgbClr val="008000"/>
+                </a:solidFill>
+              </a:rPr>
+              <a:t>    &lt;BREAK&gt;</a:t>
+            </a:r>
+            <a:br>
+              <a:rPr lang="en-US" altLang="zh-CN" dirty="0"/>
+            </a:br>
+            <a:r>
+              <a:rPr lang="en-US" altLang="zh-CN" dirty="0">
+                <a:solidFill>
+                  <a:srgbClr val="008000"/>
+                </a:solidFill>
+              </a:rPr>
+              <a:t>    USER 1S0&gt;GOTO</a:t>
+            </a:r>
+            <a:br>
+              <a:rPr lang="en-US" altLang="zh-CN" dirty="0"/>
+            </a:br>
+            <a:r>
+              <a:rPr lang="en-US" altLang="zh-CN" dirty="0">
+                <a:solidFill>
+                  <a:srgbClr val="008000"/>
+                </a:solidFill>
+              </a:rPr>
+              <a:t>    after</a:t>
+            </a:r>
+            <a:br>
+              <a:rPr lang="en-US" altLang="zh-CN" dirty="0"/>
+            </a:br>
+            <a:r>
+              <a:rPr lang="en-US" altLang="zh-CN" dirty="0">
+                <a:solidFill>
+                  <a:srgbClr val="008000"/>
+                </a:solidFill>
+              </a:rPr>
+              <a:t>    USER&gt;</a:t>
+            </a:r>
+            <a:endParaRPr lang="zh-CN" altLang="en-US" dirty="0"/>
+          </a:p>
+        </p:txBody>
+      </p:sp>
+    </p:spTree>
+    <p:extLst>
+      <p:ext uri="{BB962C8B-B14F-4D97-AF65-F5344CB8AC3E}">
+        <p14:creationId xmlns:p14="http://schemas.microsoft.com/office/powerpoint/2010/main" val="955280446"/>
       </p:ext>
     </p:extLst>
   </p:cSld>
@@ -4564,7 +7035,7 @@
                 <a:latin typeface="微软雅黑" panose="020B0503020204020204" pitchFamily="34" charset="-122"/>
                 <a:ea typeface="微软雅黑" panose="020B0503020204020204" pitchFamily="34" charset="-122"/>
               </a:rPr>
-              <a:t>二、时间转换</a:t>
+              <a:t>二、基本运算符</a:t>
             </a:r>
           </a:p>
         </p:txBody>
@@ -4598,7 +7069,7 @@
                 <a:latin typeface="微软雅黑" panose="020B0503020204020204" pitchFamily="34" charset="-122"/>
                 <a:ea typeface="微软雅黑" panose="020B0503020204020204" pitchFamily="34" charset="-122"/>
               </a:rPr>
-              <a:t>三、基本运算符</a:t>
+              <a:t>三、常用函数</a:t>
             </a:r>
           </a:p>
         </p:txBody>
@@ -4632,7 +7103,7 @@
                 <a:latin typeface="微软雅黑" panose="020B0503020204020204" pitchFamily="34" charset="-122"/>
                 <a:ea typeface="微软雅黑" panose="020B0503020204020204" pitchFamily="34" charset="-122"/>
               </a:rPr>
-              <a:t>四、常用函数</a:t>
+              <a:t>四、程序流控制命令</a:t>
             </a:r>
           </a:p>
           <a:p>
@@ -4673,18 +7144,6 @@
           </a:bodyPr>
           <a:lstStyle/>
           <a:p>
-            <a:r>
-              <a:rPr lang="zh-CN" altLang="en-US" sz="2000" b="1" dirty="0">
-                <a:solidFill>
-                  <a:srgbClr val="1C4885"/>
-                </a:solidFill>
-                <a:latin typeface="微软雅黑" panose="020B0503020204020204" pitchFamily="34" charset="-122"/>
-                <a:ea typeface="微软雅黑" panose="020B0503020204020204" pitchFamily="34" charset="-122"/>
-              </a:rPr>
-              <a:t>五、程序流控制命令</a:t>
-            </a:r>
-          </a:p>
-          <a:p>
             <a:endParaRPr lang="zh-CN" altLang="en-US" sz="2000" b="1" dirty="0">
               <a:solidFill>
                 <a:srgbClr val="1C4885"/>
@@ -4693,12 +7152,712 @@
               <a:ea typeface="微软雅黑" panose="020B0503020204020204" pitchFamily="34" charset="-122"/>
             </a:endParaRPr>
           </a:p>
+          <a:p>
+            <a:endParaRPr lang="zh-CN" altLang="en-US" sz="2000" b="1" dirty="0">
+              <a:solidFill>
+                <a:srgbClr val="1C4885"/>
+              </a:solidFill>
+              <a:latin typeface="微软雅黑" panose="020B0503020204020204" pitchFamily="34" charset="-122"/>
+              <a:ea typeface="微软雅黑" panose="020B0503020204020204" pitchFamily="34" charset="-122"/>
+            </a:endParaRPr>
+          </a:p>
         </p:txBody>
       </p:sp>
     </p:spTree>
     <p:extLst>
       <p:ext uri="{BB962C8B-B14F-4D97-AF65-F5344CB8AC3E}">
         <p14:creationId xmlns:p14="http://schemas.microsoft.com/office/powerpoint/2010/main" val="3242618241"/>
+      </p:ext>
+    </p:extLst>
+  </p:cSld>
+  <p:clrMapOvr>
+    <a:masterClrMapping/>
+  </p:clrMapOvr>
+</p:sld>
+</file>
+
+<file path=ppt/slides/slide20.xml><?xml version="1.0" encoding="utf-8"?>
+<p:sld xmlns:a="http://schemas.openxmlformats.org/drawingml/2006/main" xmlns:r="http://schemas.openxmlformats.org/officeDocument/2006/relationships" xmlns:p="http://schemas.openxmlformats.org/presentationml/2006/main">
+  <p:cSld>
+    <p:spTree>
+      <p:nvGrpSpPr>
+        <p:cNvPr id="1" name=""/>
+        <p:cNvGrpSpPr/>
+        <p:nvPr/>
+      </p:nvGrpSpPr>
+      <p:grpSpPr>
+        <a:xfrm>
+          <a:off x="0" y="0"/>
+          <a:ext cx="0" cy="0"/>
+          <a:chOff x="0" y="0"/>
+          <a:chExt cx="0" cy="0"/>
+        </a:xfrm>
+      </p:grpSpPr>
+      <p:sp>
+        <p:nvSpPr>
+          <p:cNvPr id="2" name="灯片编号占位符 1"/>
+          <p:cNvSpPr>
+            <a:spLocks noGrp="1"/>
+          </p:cNvSpPr>
+          <p:nvPr>
+            <p:ph type="sldNum" sz="quarter" idx="4"/>
+          </p:nvPr>
+        </p:nvSpPr>
+        <p:spPr/>
+        <p:txBody>
+          <a:bodyPr/>
+          <a:lstStyle/>
+          <a:p>
+            <a:fld id="{9DEDB23E-2FB9-47E7-B867-886262ECB867}" type="slidenum">
+              <a:rPr lang="en-US" smtClean="0"/>
+              <a:pPr/>
+              <a:t>20</a:t>
+            </a:fld>
+            <a:endParaRPr lang="en-US" dirty="0"/>
+          </a:p>
+        </p:txBody>
+      </p:sp>
+      <p:sp>
+        <p:nvSpPr>
+          <p:cNvPr id="5" name="文本框 4"/>
+          <p:cNvSpPr txBox="1"/>
+          <p:nvPr/>
+        </p:nvSpPr>
+        <p:spPr>
+          <a:xfrm>
+            <a:off x="682579" y="308320"/>
+            <a:ext cx="3644721" cy="461665"/>
+          </a:xfrm>
+          <a:prstGeom prst="rect">
+            <a:avLst/>
+          </a:prstGeom>
+          <a:noFill/>
+        </p:spPr>
+        <p:txBody>
+          <a:bodyPr wrap="square" rtlCol="0">
+            <a:spAutoFit/>
+          </a:bodyPr>
+          <a:lstStyle/>
+          <a:p>
+            <a:r>
+              <a:rPr lang="zh-CN" altLang="en-US" sz="2400" b="1" dirty="0">
+                <a:solidFill>
+                  <a:srgbClr val="1C4885"/>
+                </a:solidFill>
+                <a:latin typeface="微软雅黑" panose="020B0503020204020204" pitchFamily="34" charset="-122"/>
+                <a:ea typeface="微软雅黑" panose="020B0503020204020204" pitchFamily="34" charset="-122"/>
+              </a:rPr>
+              <a:t>五、程序流控制命令</a:t>
+            </a:r>
+          </a:p>
+        </p:txBody>
+      </p:sp>
+      <p:sp>
+        <p:nvSpPr>
+          <p:cNvPr id="3" name="矩形 2">
+            <a:extLst>
+              <a:ext uri="{FF2B5EF4-FFF2-40B4-BE49-F238E27FC236}">
+                <a16:creationId xmlns:a16="http://schemas.microsoft.com/office/drawing/2014/main" id="{36CF10C1-CE44-4A73-912D-FA3279DD3EEF}"/>
+              </a:ext>
+            </a:extLst>
+          </p:cNvPr>
+          <p:cNvSpPr/>
+          <p:nvPr/>
+        </p:nvSpPr>
+        <p:spPr>
+          <a:xfrm>
+            <a:off x="682579" y="1003926"/>
+            <a:ext cx="9455334" cy="369332"/>
+          </a:xfrm>
+          <a:prstGeom prst="rect">
+            <a:avLst/>
+          </a:prstGeom>
+        </p:spPr>
+        <p:txBody>
+          <a:bodyPr wrap="square">
+            <a:spAutoFit/>
+          </a:bodyPr>
+          <a:lstStyle/>
+          <a:p>
+            <a:r>
+              <a:rPr lang="en-US" altLang="zh-CN" dirty="0"/>
+              <a:t>kill(k) </a:t>
+            </a:r>
+            <a:r>
+              <a:rPr lang="zh-CN" altLang="en-US" dirty="0"/>
+              <a:t>删除变量。 </a:t>
+            </a:r>
+          </a:p>
+        </p:txBody>
+      </p:sp>
+      <p:sp>
+        <p:nvSpPr>
+          <p:cNvPr id="4" name="矩形 3">
+            <a:extLst>
+              <a:ext uri="{FF2B5EF4-FFF2-40B4-BE49-F238E27FC236}">
+                <a16:creationId xmlns:a16="http://schemas.microsoft.com/office/drawing/2014/main" id="{81A0DE89-75E6-43F8-A924-4A31EAD1C479}"/>
+              </a:ext>
+            </a:extLst>
+          </p:cNvPr>
+          <p:cNvSpPr/>
+          <p:nvPr/>
+        </p:nvSpPr>
+        <p:spPr>
+          <a:xfrm>
+            <a:off x="470545" y="1765277"/>
+            <a:ext cx="6096000" cy="2585323"/>
+          </a:xfrm>
+          <a:prstGeom prst="rect">
+            <a:avLst/>
+          </a:prstGeom>
+        </p:spPr>
+        <p:txBody>
+          <a:bodyPr>
+            <a:spAutoFit/>
+          </a:bodyPr>
+          <a:lstStyle/>
+          <a:p>
+            <a:r>
+              <a:rPr lang="en-US" altLang="zh-CN" dirty="0">
+                <a:solidFill>
+                  <a:srgbClr val="008000"/>
+                </a:solidFill>
+              </a:rPr>
+              <a:t>    SET a="food",a(1)="</a:t>
+            </a:r>
+            <a:r>
+              <a:rPr lang="en-US" altLang="zh-CN" dirty="0" err="1">
+                <a:solidFill>
+                  <a:srgbClr val="008000"/>
+                </a:solidFill>
+              </a:rPr>
+              <a:t>fruit",a</a:t>
+            </a:r>
+            <a:r>
+              <a:rPr lang="en-US" altLang="zh-CN" dirty="0">
+                <a:solidFill>
+                  <a:srgbClr val="008000"/>
+                </a:solidFill>
+              </a:rPr>
+              <a:t>(2)="vegetables"</a:t>
+            </a:r>
+            <a:br>
+              <a:rPr lang="en-US" altLang="zh-CN" dirty="0"/>
+            </a:br>
+            <a:r>
+              <a:rPr lang="en-US" altLang="zh-CN" dirty="0">
+                <a:solidFill>
+                  <a:srgbClr val="008000"/>
+                </a:solidFill>
+              </a:rPr>
+              <a:t>    k a(1)    //</a:t>
+            </a:r>
+            <a:r>
+              <a:rPr lang="zh-CN" altLang="en-US" dirty="0">
+                <a:solidFill>
+                  <a:srgbClr val="008000"/>
+                </a:solidFill>
+              </a:rPr>
+              <a:t>只删除</a:t>
+            </a:r>
+            <a:r>
+              <a:rPr lang="en-US" altLang="zh-CN" dirty="0">
+                <a:solidFill>
+                  <a:srgbClr val="008000"/>
+                </a:solidFill>
+              </a:rPr>
+              <a:t>a(1) </a:t>
+            </a:r>
+            <a:r>
+              <a:rPr lang="zh-CN" altLang="en-US" dirty="0">
+                <a:solidFill>
+                  <a:srgbClr val="008000"/>
+                </a:solidFill>
+              </a:rPr>
+              <a:t>这个局部的变量</a:t>
+            </a:r>
+            <a:br>
+              <a:rPr lang="zh-CN" altLang="en-US" dirty="0"/>
+            </a:br>
+            <a:r>
+              <a:rPr lang="zh-CN" altLang="en-US" dirty="0">
+                <a:solidFill>
+                  <a:srgbClr val="008000"/>
+                </a:solidFill>
+              </a:rPr>
+              <a:t>    </a:t>
+            </a:r>
+            <a:br>
+              <a:rPr lang="zh-CN" altLang="en-US" dirty="0"/>
+            </a:br>
+            <a:r>
+              <a:rPr lang="zh-CN" altLang="en-US" dirty="0">
+                <a:solidFill>
+                  <a:srgbClr val="008000"/>
+                </a:solidFill>
+              </a:rPr>
+              <a:t>    </a:t>
+            </a:r>
+            <a:r>
+              <a:rPr lang="en-US" altLang="zh-CN" dirty="0">
+                <a:solidFill>
+                  <a:srgbClr val="008000"/>
+                </a:solidFill>
+              </a:rPr>
+              <a:t>w</a:t>
+            </a:r>
+            <a:r>
+              <a:rPr lang="zh-CN" altLang="en-US" dirty="0">
+                <a:solidFill>
+                  <a:srgbClr val="008000"/>
+                </a:solidFill>
+              </a:rPr>
+              <a:t>输出：</a:t>
+            </a:r>
+            <a:br>
+              <a:rPr lang="zh-CN" altLang="en-US" dirty="0"/>
+            </a:br>
+            <a:r>
+              <a:rPr lang="zh-CN" altLang="en-US" dirty="0">
+                <a:solidFill>
+                  <a:srgbClr val="008000"/>
+                </a:solidFill>
+              </a:rPr>
+              <a:t>    </a:t>
+            </a:r>
+            <a:r>
+              <a:rPr lang="en-US" altLang="zh-CN" dirty="0">
+                <a:solidFill>
+                  <a:srgbClr val="008000"/>
+                </a:solidFill>
+              </a:rPr>
+              <a:t>a="food" </a:t>
+            </a:r>
+            <a:br>
+              <a:rPr lang="en-US" altLang="zh-CN" dirty="0"/>
+            </a:br>
+            <a:r>
+              <a:rPr lang="en-US" altLang="zh-CN" dirty="0">
+                <a:solidFill>
+                  <a:srgbClr val="008000"/>
+                </a:solidFill>
+              </a:rPr>
+              <a:t>    a(2)="vegetables"</a:t>
+            </a:r>
+            <a:br>
+              <a:rPr lang="en-US" altLang="zh-CN" dirty="0"/>
+            </a:br>
+            <a:br>
+              <a:rPr lang="en-US" altLang="zh-CN" dirty="0"/>
+            </a:br>
+            <a:r>
+              <a:rPr lang="en-US" altLang="zh-CN" dirty="0">
+                <a:solidFill>
+                  <a:srgbClr val="008000"/>
+                </a:solidFill>
+              </a:rPr>
+              <a:t>    k a      //</a:t>
+            </a:r>
+            <a:r>
+              <a:rPr lang="zh-CN" altLang="en-US" dirty="0">
+                <a:solidFill>
+                  <a:srgbClr val="008000"/>
+                </a:solidFill>
+              </a:rPr>
+              <a:t>删除</a:t>
+            </a:r>
+            <a:r>
+              <a:rPr lang="en-US" altLang="zh-CN" dirty="0">
+                <a:solidFill>
+                  <a:srgbClr val="008000"/>
+                </a:solidFill>
+              </a:rPr>
+              <a:t>a</a:t>
+            </a:r>
+            <a:r>
+              <a:rPr lang="zh-CN" altLang="en-US" dirty="0">
+                <a:solidFill>
+                  <a:srgbClr val="008000"/>
+                </a:solidFill>
+              </a:rPr>
+              <a:t>变量的全部</a:t>
+            </a:r>
+            <a:r>
+              <a:rPr lang="en-US" altLang="zh-CN" dirty="0">
+                <a:solidFill>
+                  <a:srgbClr val="008000"/>
+                </a:solidFill>
+              </a:rPr>
+              <a:t>,</a:t>
+            </a:r>
+            <a:r>
+              <a:rPr lang="zh-CN" altLang="en-US" dirty="0">
+                <a:solidFill>
+                  <a:srgbClr val="008000"/>
+                </a:solidFill>
+              </a:rPr>
+              <a:t>即上面全部删掉</a:t>
+            </a:r>
+            <a:br>
+              <a:rPr lang="zh-CN" altLang="en-US" dirty="0"/>
+            </a:br>
+            <a:r>
+              <a:rPr lang="zh-CN" altLang="en-US" dirty="0">
+                <a:solidFill>
+                  <a:srgbClr val="008000"/>
+                </a:solidFill>
+              </a:rPr>
+              <a:t>    </a:t>
+            </a:r>
+            <a:r>
+              <a:rPr lang="en-US" altLang="zh-CN" dirty="0">
+                <a:solidFill>
+                  <a:srgbClr val="008000"/>
+                </a:solidFill>
+              </a:rPr>
+              <a:t>w</a:t>
+            </a:r>
+            <a:r>
+              <a:rPr lang="zh-CN" altLang="en-US" dirty="0">
+                <a:solidFill>
+                  <a:srgbClr val="008000"/>
+                </a:solidFill>
+              </a:rPr>
+              <a:t>输出：为空</a:t>
+            </a:r>
+            <a:endParaRPr lang="zh-CN" altLang="en-US" dirty="0"/>
+          </a:p>
+        </p:txBody>
+      </p:sp>
+    </p:spTree>
+    <p:extLst>
+      <p:ext uri="{BB962C8B-B14F-4D97-AF65-F5344CB8AC3E}">
+        <p14:creationId xmlns:p14="http://schemas.microsoft.com/office/powerpoint/2010/main" val="3158391382"/>
+      </p:ext>
+    </p:extLst>
+  </p:cSld>
+  <p:clrMapOvr>
+    <a:masterClrMapping/>
+  </p:clrMapOvr>
+</p:sld>
+</file>
+
+<file path=ppt/slides/slide21.xml><?xml version="1.0" encoding="utf-8"?>
+<p:sld xmlns:a="http://schemas.openxmlformats.org/drawingml/2006/main" xmlns:r="http://schemas.openxmlformats.org/officeDocument/2006/relationships" xmlns:p="http://schemas.openxmlformats.org/presentationml/2006/main">
+  <p:cSld>
+    <p:spTree>
+      <p:nvGrpSpPr>
+        <p:cNvPr id="1" name=""/>
+        <p:cNvGrpSpPr/>
+        <p:nvPr/>
+      </p:nvGrpSpPr>
+      <p:grpSpPr>
+        <a:xfrm>
+          <a:off x="0" y="0"/>
+          <a:ext cx="0" cy="0"/>
+          <a:chOff x="0" y="0"/>
+          <a:chExt cx="0" cy="0"/>
+        </a:xfrm>
+      </p:grpSpPr>
+      <p:sp>
+        <p:nvSpPr>
+          <p:cNvPr id="2" name="灯片编号占位符 1"/>
+          <p:cNvSpPr>
+            <a:spLocks noGrp="1"/>
+          </p:cNvSpPr>
+          <p:nvPr>
+            <p:ph type="sldNum" sz="quarter" idx="4"/>
+          </p:nvPr>
+        </p:nvSpPr>
+        <p:spPr/>
+        <p:txBody>
+          <a:bodyPr/>
+          <a:lstStyle/>
+          <a:p>
+            <a:fld id="{9DEDB23E-2FB9-47E7-B867-886262ECB867}" type="slidenum">
+              <a:rPr lang="en-US" smtClean="0"/>
+              <a:pPr/>
+              <a:t>21</a:t>
+            </a:fld>
+            <a:endParaRPr lang="en-US" dirty="0"/>
+          </a:p>
+        </p:txBody>
+      </p:sp>
+      <p:sp>
+        <p:nvSpPr>
+          <p:cNvPr id="5" name="文本框 4"/>
+          <p:cNvSpPr txBox="1"/>
+          <p:nvPr/>
+        </p:nvSpPr>
+        <p:spPr>
+          <a:xfrm>
+            <a:off x="682579" y="308320"/>
+            <a:ext cx="3644721" cy="461665"/>
+          </a:xfrm>
+          <a:prstGeom prst="rect">
+            <a:avLst/>
+          </a:prstGeom>
+          <a:noFill/>
+        </p:spPr>
+        <p:txBody>
+          <a:bodyPr wrap="square" rtlCol="0">
+            <a:spAutoFit/>
+          </a:bodyPr>
+          <a:lstStyle/>
+          <a:p>
+            <a:r>
+              <a:rPr lang="zh-CN" altLang="en-US" sz="2400" b="1" dirty="0">
+                <a:solidFill>
+                  <a:srgbClr val="1C4885"/>
+                </a:solidFill>
+                <a:latin typeface="微软雅黑" panose="020B0503020204020204" pitchFamily="34" charset="-122"/>
+                <a:ea typeface="微软雅黑" panose="020B0503020204020204" pitchFamily="34" charset="-122"/>
+              </a:rPr>
+              <a:t>五、程序流控制命令</a:t>
+            </a:r>
+          </a:p>
+        </p:txBody>
+      </p:sp>
+      <p:sp>
+        <p:nvSpPr>
+          <p:cNvPr id="3" name="矩形 2">
+            <a:extLst>
+              <a:ext uri="{FF2B5EF4-FFF2-40B4-BE49-F238E27FC236}">
+                <a16:creationId xmlns:a16="http://schemas.microsoft.com/office/drawing/2014/main" id="{36CF10C1-CE44-4A73-912D-FA3279DD3EEF}"/>
+              </a:ext>
+            </a:extLst>
+          </p:cNvPr>
+          <p:cNvSpPr/>
+          <p:nvPr/>
+        </p:nvSpPr>
+        <p:spPr>
+          <a:xfrm>
+            <a:off x="682579" y="1003926"/>
+            <a:ext cx="9455334" cy="369332"/>
+          </a:xfrm>
+          <a:prstGeom prst="rect">
+            <a:avLst/>
+          </a:prstGeom>
+        </p:spPr>
+        <p:txBody>
+          <a:bodyPr wrap="square">
+            <a:spAutoFit/>
+          </a:bodyPr>
+          <a:lstStyle/>
+          <a:p>
+            <a:r>
+              <a:rPr lang="en-US" altLang="zh-CN" dirty="0"/>
+              <a:t>New(n) </a:t>
+            </a:r>
+            <a:r>
+              <a:rPr lang="zh-CN" altLang="en-US" dirty="0"/>
+              <a:t>将指定的局部变量保存到栈，将同一名的局部变量置为初始</a:t>
+            </a:r>
+            <a:r>
+              <a:rPr lang="en-US" altLang="zh-CN" dirty="0"/>
+              <a:t>(</a:t>
+            </a:r>
+            <a:r>
+              <a:rPr lang="zh-CN" altLang="en-US" dirty="0"/>
+              <a:t>未定义</a:t>
+            </a:r>
+            <a:r>
+              <a:rPr lang="en-US" altLang="zh-CN" dirty="0"/>
+              <a:t>)</a:t>
+            </a:r>
+            <a:r>
+              <a:rPr lang="zh-CN" altLang="en-US" dirty="0"/>
+              <a:t>状态 </a:t>
+            </a:r>
+          </a:p>
+        </p:txBody>
+      </p:sp>
+      <p:sp>
+        <p:nvSpPr>
+          <p:cNvPr id="6" name="矩形 5">
+            <a:extLst>
+              <a:ext uri="{FF2B5EF4-FFF2-40B4-BE49-F238E27FC236}">
+                <a16:creationId xmlns:a16="http://schemas.microsoft.com/office/drawing/2014/main" id="{0543A77B-A7E3-47CB-B312-91A066789314}"/>
+              </a:ext>
+            </a:extLst>
+          </p:cNvPr>
+          <p:cNvSpPr/>
+          <p:nvPr/>
+        </p:nvSpPr>
+        <p:spPr>
+          <a:xfrm>
+            <a:off x="543339" y="1607199"/>
+            <a:ext cx="6096000" cy="3970318"/>
+          </a:xfrm>
+          <a:prstGeom prst="rect">
+            <a:avLst/>
+          </a:prstGeom>
+        </p:spPr>
+        <p:txBody>
+          <a:bodyPr>
+            <a:spAutoFit/>
+          </a:bodyPr>
+          <a:lstStyle/>
+          <a:p>
+            <a:r>
+              <a:rPr lang="en-US" altLang="zh-CN" dirty="0">
+                <a:solidFill>
+                  <a:srgbClr val="008000"/>
+                </a:solidFill>
+              </a:rPr>
+              <a:t>    Start    SET a=2,b=4,c=6</a:t>
+            </a:r>
+            <a:br>
+              <a:rPr lang="en-US" altLang="zh-CN" dirty="0"/>
+            </a:br>
+            <a:r>
+              <a:rPr lang="en-US" altLang="zh-CN" dirty="0">
+                <a:solidFill>
+                  <a:srgbClr val="008000"/>
+                </a:solidFill>
+              </a:rPr>
+              <a:t>        DO Subr1</a:t>
+            </a:r>
+            <a:br>
+              <a:rPr lang="en-US" altLang="zh-CN" dirty="0"/>
+            </a:br>
+            <a:r>
+              <a:rPr lang="en-US" altLang="zh-CN" dirty="0">
+                <a:solidFill>
+                  <a:srgbClr val="008000"/>
+                </a:solidFill>
+              </a:rPr>
+              <a:t>        WRITE !,"c in Start: ",c</a:t>
+            </a:r>
+            <a:br>
+              <a:rPr lang="en-US" altLang="zh-CN" dirty="0"/>
+            </a:br>
+            <a:r>
+              <a:rPr lang="en-US" altLang="zh-CN" dirty="0">
+                <a:solidFill>
+                  <a:srgbClr val="008000"/>
+                </a:solidFill>
+              </a:rPr>
+              <a:t>        QUIT</a:t>
+            </a:r>
+            <a:br>
+              <a:rPr lang="en-US" altLang="zh-CN" dirty="0"/>
+            </a:br>
+            <a:r>
+              <a:rPr lang="en-US" altLang="zh-CN" dirty="0">
+                <a:solidFill>
+                  <a:srgbClr val="008000"/>
+                </a:solidFill>
+              </a:rPr>
+              <a:t>    Subr1    NEW (c,d)</a:t>
+            </a:r>
+            <a:br>
+              <a:rPr lang="en-US" altLang="zh-CN" dirty="0"/>
+            </a:br>
+            <a:r>
+              <a:rPr lang="en-US" altLang="zh-CN" dirty="0">
+                <a:solidFill>
+                  <a:srgbClr val="008000"/>
+                </a:solidFill>
+              </a:rPr>
+              <a:t>        SET d=c+c</a:t>
+            </a:r>
+            <a:br>
+              <a:rPr lang="en-US" altLang="zh-CN" dirty="0"/>
+            </a:br>
+            <a:r>
+              <a:rPr lang="en-US" altLang="zh-CN" dirty="0">
+                <a:solidFill>
+                  <a:srgbClr val="008000"/>
+                </a:solidFill>
+              </a:rPr>
+              <a:t>        SET c=d*2</a:t>
+            </a:r>
+            <a:br>
+              <a:rPr lang="en-US" altLang="zh-CN" dirty="0"/>
+            </a:br>
+            <a:r>
+              <a:rPr lang="en-US" altLang="zh-CN" dirty="0">
+                <a:solidFill>
+                  <a:srgbClr val="008000"/>
+                </a:solidFill>
+              </a:rPr>
+              <a:t>        WRITE !,"c in Subr1: ",c</a:t>
+            </a:r>
+            <a:br>
+              <a:rPr lang="en-US" altLang="zh-CN" dirty="0"/>
+            </a:br>
+            <a:r>
+              <a:rPr lang="en-US" altLang="zh-CN" dirty="0">
+                <a:solidFill>
+                  <a:srgbClr val="008000"/>
+                </a:solidFill>
+              </a:rPr>
+              <a:t>        QUIT</a:t>
+            </a:r>
+            <a:br>
+              <a:rPr lang="en-US" altLang="zh-CN" dirty="0"/>
+            </a:br>
+            <a:br>
+              <a:rPr lang="en-US" altLang="zh-CN" dirty="0"/>
+            </a:br>
+            <a:r>
+              <a:rPr lang="en-US" altLang="zh-CN" dirty="0">
+                <a:solidFill>
+                  <a:srgbClr val="008000"/>
+                </a:solidFill>
+              </a:rPr>
+              <a:t>    </a:t>
+            </a:r>
+            <a:r>
+              <a:rPr lang="zh-CN" altLang="en-US" dirty="0">
+                <a:solidFill>
+                  <a:srgbClr val="008000"/>
+                </a:solidFill>
+              </a:rPr>
+              <a:t>输出：</a:t>
+            </a:r>
+            <a:br>
+              <a:rPr lang="zh-CN" altLang="en-US" dirty="0"/>
+            </a:br>
+            <a:r>
+              <a:rPr lang="zh-CN" altLang="en-US" dirty="0">
+                <a:solidFill>
+                  <a:srgbClr val="008000"/>
+                </a:solidFill>
+              </a:rPr>
+              <a:t>    </a:t>
+            </a:r>
+            <a:r>
+              <a:rPr lang="en-US" altLang="zh-CN" dirty="0">
+                <a:solidFill>
+                  <a:srgbClr val="008000"/>
+                </a:solidFill>
+              </a:rPr>
+              <a:t>c in Subr1: 24</a:t>
+            </a:r>
+            <a:br>
+              <a:rPr lang="en-US" altLang="zh-CN" dirty="0"/>
+            </a:br>
+            <a:br>
+              <a:rPr lang="en-US" altLang="zh-CN" dirty="0"/>
+            </a:br>
+            <a:r>
+              <a:rPr lang="en-US" altLang="zh-CN" dirty="0">
+                <a:solidFill>
+                  <a:srgbClr val="008000"/>
+                </a:solidFill>
+              </a:rPr>
+              <a:t>    c in Start: 24</a:t>
+            </a:r>
+            <a:endParaRPr lang="zh-CN" altLang="en-US" dirty="0"/>
+          </a:p>
+        </p:txBody>
+      </p:sp>
+    </p:spTree>
+    <p:extLst>
+      <p:ext uri="{BB962C8B-B14F-4D97-AF65-F5344CB8AC3E}">
+        <p14:creationId xmlns:p14="http://schemas.microsoft.com/office/powerpoint/2010/main" val="2316929045"/>
       </p:ext>
     </p:extLst>
   </p:cSld>
@@ -5131,17 +8290,17 @@
                 <a:latin typeface="微软雅黑" panose="020B0503020204020204" pitchFamily="34" charset="-122"/>
                 <a:ea typeface="微软雅黑" panose="020B0503020204020204" pitchFamily="34" charset="-122"/>
               </a:rPr>
-              <a:t>二、时间转换</a:t>
+              <a:t>三、基本运算符</a:t>
             </a:r>
           </a:p>
         </p:txBody>
       </p:sp>
       <p:sp>
         <p:nvSpPr>
-          <p:cNvPr id="4" name="矩形 3">
+          <p:cNvPr id="3" name="矩形 2">
             <a:extLst>
               <a:ext uri="{FF2B5EF4-FFF2-40B4-BE49-F238E27FC236}">
-                <a16:creationId xmlns:a16="http://schemas.microsoft.com/office/drawing/2014/main" id="{4637B925-4436-4946-BD84-D8D70D30B8D7}"/>
+                <a16:creationId xmlns:a16="http://schemas.microsoft.com/office/drawing/2014/main" id="{9DC08573-361F-4A4E-B4A2-C88AF247D6F0}"/>
               </a:ext>
             </a:extLst>
           </p:cNvPr>
@@ -5150,8 +8309,8 @@
         </p:nvSpPr>
         <p:spPr>
           <a:xfrm>
-            <a:off x="755374" y="1054279"/>
-            <a:ext cx="5340626" cy="5632311"/>
+            <a:off x="682579" y="1085242"/>
+            <a:ext cx="10369734" cy="5355312"/>
           </a:xfrm>
           <a:prstGeom prst="rect">
             <a:avLst/>
@@ -5169,15 +8328,55 @@
             </a:r>
             <a:r>
               <a:rPr lang="zh-CN" altLang="en-US" dirty="0"/>
+              <a:t>、算术运算符</a:t>
+            </a:r>
+            <a:r>
+              <a:rPr lang="en-US" altLang="zh-CN" dirty="0"/>
+              <a:t>+</a:t>
+            </a:r>
+            <a:r>
+              <a:rPr lang="zh-CN" altLang="en-US" dirty="0"/>
               <a:t>、</a:t>
             </a:r>
             <a:r>
               <a:rPr lang="en-US" altLang="zh-CN" dirty="0"/>
-              <a:t>$h</a:t>
-            </a:r>
-            <a:r>
-              <a:rPr lang="zh-CN" altLang="en-US" dirty="0"/>
-              <a:t>包含了日期和时间。</a:t>
+              <a:t>-</a:t>
+            </a:r>
+            <a:r>
+              <a:rPr lang="zh-CN" altLang="en-US" dirty="0"/>
+              <a:t>、</a:t>
+            </a:r>
+            <a:r>
+              <a:rPr lang="zh-CN" altLang="en-US" i="1" dirty="0"/>
+              <a:t>*、</a:t>
+            </a:r>
+            <a:r>
+              <a:rPr lang="en-US" altLang="zh-CN" i="1" dirty="0"/>
+              <a:t>/</a:t>
+            </a:r>
+            <a:r>
+              <a:rPr lang="zh-CN" altLang="en-US" i="1" dirty="0"/>
+              <a:t>、</a:t>
+            </a:r>
+            <a:r>
+              <a:rPr lang="en-US" altLang="zh-CN" i="1" dirty="0"/>
+              <a:t>\</a:t>
+            </a:r>
+            <a:r>
+              <a:rPr lang="zh-CN" altLang="en-US" i="1" dirty="0"/>
+              <a:t>、</a:t>
+            </a:r>
+            <a:r>
+              <a:rPr lang="en-US" altLang="zh-CN" i="1" dirty="0"/>
+              <a:t>#</a:t>
+            </a:r>
+            <a:r>
+              <a:rPr lang="zh-CN" altLang="en-US" i="1" dirty="0"/>
+              <a:t>、*</a:t>
+            </a:r>
+            <a:r>
+              <a:rPr lang="zh-CN" altLang="en-US" dirty="0"/>
+              <a:t>*（加、减、乘、除、整除、求余、次方）</a:t>
             </a:r>
             <a:br>
               <a:rPr lang="zh-CN" altLang="en-US" dirty="0"/>
@@ -5199,171 +8398,173 @@
                   <a:srgbClr val="008000"/>
                 </a:solidFill>
               </a:rPr>
-              <a:t>DHC-APP&gt;w $h</a:t>
-            </a:r>
-            <a:br>
-              <a:rPr lang="en-US" altLang="zh-CN" dirty="0"/>
-            </a:br>
-            <a:r>
-              <a:rPr lang="en-US" altLang="zh-CN" dirty="0">
-                <a:solidFill>
-                  <a:srgbClr val="008000"/>
-                </a:solidFill>
-              </a:rPr>
-              <a:t>    64746,33566</a:t>
-            </a:r>
-          </a:p>
-          <a:p>
-            <a:br>
-              <a:rPr lang="en-US" altLang="zh-CN" dirty="0"/>
-            </a:br>
-            <a:r>
-              <a:rPr lang="en-US" altLang="zh-CN" dirty="0"/>
-              <a:t>2</a:t>
-            </a:r>
-            <a:r>
-              <a:rPr lang="zh-CN" altLang="en-US" dirty="0"/>
-              <a:t>、</a:t>
-            </a:r>
-            <a:r>
-              <a:rPr lang="en-US" altLang="zh-CN" dirty="0"/>
-              <a:t>$</a:t>
-            </a:r>
-            <a:r>
-              <a:rPr lang="en-US" altLang="zh-CN" dirty="0" err="1"/>
-              <a:t>zd</a:t>
-            </a:r>
-            <a:r>
-              <a:rPr lang="zh-CN" altLang="en-US" dirty="0"/>
-              <a:t>转换成日期格式</a:t>
-            </a:r>
-            <a:br>
-              <a:rPr lang="zh-CN" altLang="en-US" dirty="0"/>
-            </a:br>
-            <a:br>
-              <a:rPr lang="zh-CN" altLang="en-US" dirty="0"/>
-            </a:br>
-            <a:r>
-              <a:rPr lang="zh-CN" altLang="en-US" dirty="0">
-                <a:solidFill>
-                  <a:srgbClr val="008000"/>
-                </a:solidFill>
-              </a:rPr>
-              <a:t>    </a:t>
-            </a:r>
-            <a:r>
-              <a:rPr lang="en-US" altLang="zh-CN" dirty="0">
-                <a:solidFill>
-                  <a:srgbClr val="008000"/>
-                </a:solidFill>
-              </a:rPr>
-              <a:t>DHC-APP&gt;w $</a:t>
-            </a:r>
-            <a:r>
-              <a:rPr lang="en-US" altLang="zh-CN" dirty="0" err="1">
-                <a:solidFill>
-                  <a:srgbClr val="008000"/>
-                </a:solidFill>
-              </a:rPr>
-              <a:t>zd</a:t>
-            </a:r>
-            <a:r>
-              <a:rPr lang="en-US" altLang="zh-CN" dirty="0">
-                <a:solidFill>
-                  <a:srgbClr val="008000"/>
-                </a:solidFill>
-              </a:rPr>
-              <a:t>($h,1)</a:t>
-            </a:r>
-            <a:br>
-              <a:rPr lang="en-US" altLang="zh-CN" dirty="0"/>
-            </a:br>
-            <a:r>
-              <a:rPr lang="en-US" altLang="zh-CN" dirty="0">
-                <a:solidFill>
-                  <a:srgbClr val="008000"/>
-                </a:solidFill>
-              </a:rPr>
-              <a:t>    04/08/2018</a:t>
-            </a:r>
-            <a:br>
-              <a:rPr lang="en-US" altLang="zh-CN" dirty="0"/>
-            </a:br>
-            <a:r>
-              <a:rPr lang="en-US" altLang="zh-CN" dirty="0">
-                <a:solidFill>
-                  <a:srgbClr val="008000"/>
-                </a:solidFill>
-              </a:rPr>
-              <a:t>    DHC-APP&gt;w $</a:t>
-            </a:r>
-            <a:r>
-              <a:rPr lang="en-US" altLang="zh-CN" dirty="0" err="1">
-                <a:solidFill>
-                  <a:srgbClr val="008000"/>
-                </a:solidFill>
-              </a:rPr>
-              <a:t>zd</a:t>
-            </a:r>
-            <a:r>
-              <a:rPr lang="en-US" altLang="zh-CN" dirty="0">
-                <a:solidFill>
-                  <a:srgbClr val="008000"/>
-                </a:solidFill>
-              </a:rPr>
-              <a:t>($h,2)</a:t>
-            </a:r>
-            <a:br>
-              <a:rPr lang="en-US" altLang="zh-CN" dirty="0"/>
-            </a:br>
-            <a:r>
-              <a:rPr lang="en-US" altLang="zh-CN" dirty="0">
-                <a:solidFill>
-                  <a:srgbClr val="008000"/>
-                </a:solidFill>
-              </a:rPr>
-              <a:t>    08 Apr 2018</a:t>
-            </a:r>
-            <a:br>
-              <a:rPr lang="en-US" altLang="zh-CN" dirty="0"/>
-            </a:br>
-            <a:r>
-              <a:rPr lang="en-US" altLang="zh-CN" dirty="0">
-                <a:solidFill>
-                  <a:srgbClr val="008000"/>
-                </a:solidFill>
-              </a:rPr>
-              <a:t>    DHC-APP&gt;w $</a:t>
-            </a:r>
-            <a:r>
-              <a:rPr lang="en-US" altLang="zh-CN" dirty="0" err="1">
-                <a:solidFill>
-                  <a:srgbClr val="008000"/>
-                </a:solidFill>
-              </a:rPr>
-              <a:t>zd</a:t>
-            </a:r>
-            <a:r>
-              <a:rPr lang="en-US" altLang="zh-CN" dirty="0">
-                <a:solidFill>
-                  <a:srgbClr val="008000"/>
-                </a:solidFill>
-              </a:rPr>
-              <a:t>($h,3)</a:t>
-            </a:r>
-            <a:br>
-              <a:rPr lang="en-US" altLang="zh-CN" dirty="0"/>
-            </a:br>
-            <a:r>
-              <a:rPr lang="en-US" altLang="zh-CN" dirty="0">
-                <a:solidFill>
-                  <a:srgbClr val="008000"/>
-                </a:solidFill>
-              </a:rPr>
-              <a:t>    2018-04-08</a:t>
-            </a:r>
-          </a:p>
-          <a:p>
+              <a:t>DHC-APP&gt;w 4+2</a:t>
+            </a:r>
+            <a:br>
+              <a:rPr lang="en-US" altLang="zh-CN" dirty="0"/>
+            </a:br>
+            <a:r>
+              <a:rPr lang="en-US" altLang="zh-CN" dirty="0">
+                <a:solidFill>
+                  <a:srgbClr val="008000"/>
+                </a:solidFill>
+              </a:rPr>
+              <a:t>    6</a:t>
+            </a:r>
+            <a:br>
+              <a:rPr lang="en-US" altLang="zh-CN" dirty="0"/>
+            </a:br>
+            <a:r>
+              <a:rPr lang="en-US" altLang="zh-CN" dirty="0">
+                <a:solidFill>
+                  <a:srgbClr val="008000"/>
+                </a:solidFill>
+              </a:rPr>
+              <a:t>    DHC-APP&gt;w 5-3</a:t>
+            </a:r>
+            <a:br>
+              <a:rPr lang="en-US" altLang="zh-CN" dirty="0"/>
+            </a:br>
+            <a:r>
+              <a:rPr lang="en-US" altLang="zh-CN" dirty="0">
+                <a:solidFill>
+                  <a:srgbClr val="008000"/>
+                </a:solidFill>
+              </a:rPr>
+              <a:t>    2</a:t>
+            </a:r>
+            <a:br>
+              <a:rPr lang="en-US" altLang="zh-CN" dirty="0"/>
+            </a:br>
+            <a:r>
+              <a:rPr lang="en-US" altLang="zh-CN" dirty="0">
+                <a:solidFill>
+                  <a:srgbClr val="008000"/>
+                </a:solidFill>
+              </a:rPr>
+              <a:t>    DHC-APP&gt;w 5*2</a:t>
+            </a:r>
+            <a:br>
+              <a:rPr lang="en-US" altLang="zh-CN" dirty="0"/>
+            </a:br>
+            <a:r>
+              <a:rPr lang="en-US" altLang="zh-CN" dirty="0">
+                <a:solidFill>
+                  <a:srgbClr val="008000"/>
+                </a:solidFill>
+              </a:rPr>
+              <a:t>    10</a:t>
+            </a:r>
+            <a:br>
+              <a:rPr lang="en-US" altLang="zh-CN" dirty="0"/>
+            </a:br>
+            <a:r>
+              <a:rPr lang="en-US" altLang="zh-CN" dirty="0">
+                <a:solidFill>
+                  <a:srgbClr val="008000"/>
+                </a:solidFill>
+              </a:rPr>
+              <a:t>    DHC-APP&gt;w 6/3</a:t>
+            </a:r>
+            <a:br>
+              <a:rPr lang="en-US" altLang="zh-CN" dirty="0"/>
+            </a:br>
+            <a:r>
+              <a:rPr lang="en-US" altLang="zh-CN" dirty="0">
+                <a:solidFill>
+                  <a:srgbClr val="008000"/>
+                </a:solidFill>
+              </a:rPr>
+              <a:t>    2</a:t>
+            </a:r>
+            <a:br>
+              <a:rPr lang="en-US" altLang="zh-CN" dirty="0"/>
+            </a:br>
+            <a:r>
+              <a:rPr lang="en-US" altLang="zh-CN" dirty="0">
+                <a:solidFill>
+                  <a:srgbClr val="008000"/>
+                </a:solidFill>
+              </a:rPr>
+              <a:t>    DHC-APP&gt;w 5\3</a:t>
+            </a:r>
+            <a:br>
+              <a:rPr lang="en-US" altLang="zh-CN" dirty="0"/>
+            </a:br>
+            <a:r>
+              <a:rPr lang="en-US" altLang="zh-CN" dirty="0">
+                <a:solidFill>
+                  <a:srgbClr val="008000"/>
+                </a:solidFill>
+              </a:rPr>
+              <a:t>    1</a:t>
+            </a:r>
+            <a:br>
+              <a:rPr lang="en-US" altLang="zh-CN" dirty="0"/>
+            </a:br>
+            <a:r>
+              <a:rPr lang="en-US" altLang="zh-CN" dirty="0">
+                <a:solidFill>
+                  <a:srgbClr val="008000"/>
+                </a:solidFill>
+              </a:rPr>
+              <a:t>    DHC-APP&gt;w 5#2</a:t>
+            </a:r>
+            <a:br>
+              <a:rPr lang="en-US" altLang="zh-CN" dirty="0"/>
+            </a:br>
+            <a:r>
+              <a:rPr lang="en-US" altLang="zh-CN" dirty="0">
+                <a:solidFill>
+                  <a:srgbClr val="008000"/>
+                </a:solidFill>
+              </a:rPr>
+              <a:t>    1</a:t>
+            </a:r>
+            <a:br>
+              <a:rPr lang="en-US" altLang="zh-CN" dirty="0"/>
+            </a:br>
+            <a:r>
+              <a:rPr lang="en-US" altLang="zh-CN" dirty="0">
+                <a:solidFill>
+                  <a:srgbClr val="008000"/>
+                </a:solidFill>
+              </a:rPr>
+              <a:t>    DHC-APP&gt;w 7#5</a:t>
+            </a:r>
+            <a:br>
+              <a:rPr lang="en-US" altLang="zh-CN" dirty="0"/>
+            </a:br>
+            <a:r>
+              <a:rPr lang="en-US" altLang="zh-CN" dirty="0">
+                <a:solidFill>
+                  <a:srgbClr val="008000"/>
+                </a:solidFill>
+              </a:rPr>
+              <a:t>    2</a:t>
+            </a:r>
+            <a:br>
+              <a:rPr lang="en-US" altLang="zh-CN" dirty="0"/>
+            </a:br>
+            <a:r>
+              <a:rPr lang="en-US" altLang="zh-CN" dirty="0">
+                <a:solidFill>
+                  <a:srgbClr val="008000"/>
+                </a:solidFill>
+              </a:rPr>
+              <a:t>    DHC-APP&gt;w 2**3</a:t>
+            </a:r>
+            <a:br>
+              <a:rPr lang="en-US" altLang="zh-CN" dirty="0"/>
+            </a:br>
+            <a:r>
+              <a:rPr lang="en-US" altLang="zh-CN" dirty="0">
+                <a:solidFill>
+                  <a:srgbClr val="008000"/>
+                </a:solidFill>
+              </a:rPr>
+              <a:t>    8</a:t>
+            </a:r>
             <a:br>
               <a:rPr lang="en-US" altLang="zh-CN" dirty="0"/>
             </a:br>
@@ -5375,376 +8576,14 @@
               </a:rPr>
               <a:t>  </a:t>
             </a:r>
-            <a:r>
-              <a:rPr lang="en-US" altLang="zh-CN" dirty="0"/>
-              <a:t>3</a:t>
-            </a:r>
-            <a:r>
-              <a:rPr lang="zh-CN" altLang="en-US" dirty="0"/>
-              <a:t>、</a:t>
-            </a:r>
-            <a:r>
-              <a:rPr lang="en-US" altLang="zh-CN" dirty="0"/>
-              <a:t>$</a:t>
-            </a:r>
-            <a:r>
-              <a:rPr lang="en-US" altLang="zh-CN" dirty="0" err="1"/>
-              <a:t>zdh</a:t>
-            </a:r>
-            <a:r>
-              <a:rPr lang="zh-CN" altLang="en-US" dirty="0"/>
-              <a:t>反转换日期格式</a:t>
-            </a:r>
-            <a:br>
-              <a:rPr lang="zh-CN" altLang="en-US" dirty="0"/>
-            </a:br>
-            <a:br>
-              <a:rPr lang="zh-CN" altLang="en-US" dirty="0"/>
-            </a:br>
-            <a:r>
-              <a:rPr lang="zh-CN" altLang="en-US" dirty="0">
-                <a:solidFill>
-                  <a:srgbClr val="008000"/>
-                </a:solidFill>
-              </a:rPr>
-              <a:t>    </a:t>
-            </a:r>
-            <a:r>
-              <a:rPr lang="en-US" altLang="zh-CN" dirty="0">
-                <a:solidFill>
-                  <a:srgbClr val="008000"/>
-                </a:solidFill>
-              </a:rPr>
-              <a:t>DHC-APP&gt;w $</a:t>
-            </a:r>
-            <a:r>
-              <a:rPr lang="en-US" altLang="zh-CN" dirty="0" err="1">
-                <a:solidFill>
-                  <a:srgbClr val="008000"/>
-                </a:solidFill>
-              </a:rPr>
-              <a:t>zdh</a:t>
-            </a:r>
-            <a:r>
-              <a:rPr lang="en-US" altLang="zh-CN" dirty="0">
-                <a:solidFill>
-                  <a:srgbClr val="008000"/>
-                </a:solidFill>
-              </a:rPr>
-              <a:t>("2018-04-12",3)</a:t>
-            </a:r>
-            <a:br>
-              <a:rPr lang="en-US" altLang="zh-CN" dirty="0"/>
-            </a:br>
-            <a:r>
-              <a:rPr lang="en-US" altLang="zh-CN" dirty="0">
-                <a:solidFill>
-                  <a:srgbClr val="008000"/>
-                </a:solidFill>
-              </a:rPr>
-              <a:t>    64750</a:t>
-            </a:r>
-            <a:br>
-              <a:rPr lang="en-US" altLang="zh-CN" dirty="0"/>
-            </a:br>
-            <a:br>
-              <a:rPr lang="en-US" altLang="zh-CN" dirty="0"/>
-            </a:br>
-            <a:r>
-              <a:rPr lang="en-US" altLang="zh-CN" dirty="0">
-                <a:solidFill>
-                  <a:srgbClr val="008000"/>
-                </a:solidFill>
-              </a:rPr>
-              <a:t>  </a:t>
-            </a:r>
             <a:endParaRPr lang="zh-CN" altLang="en-US" dirty="0"/>
-          </a:p>
-        </p:txBody>
-      </p:sp>
-      <p:sp>
-        <p:nvSpPr>
-          <p:cNvPr id="7" name="矩形 6">
-            <a:extLst>
-              <a:ext uri="{FF2B5EF4-FFF2-40B4-BE49-F238E27FC236}">
-                <a16:creationId xmlns:a16="http://schemas.microsoft.com/office/drawing/2014/main" id="{4F3A4812-0161-4A91-BB2C-C03E3DB1A04E}"/>
-              </a:ext>
-            </a:extLst>
-          </p:cNvPr>
-          <p:cNvSpPr/>
-          <p:nvPr/>
-        </p:nvSpPr>
-        <p:spPr>
-          <a:xfrm>
-            <a:off x="5174974" y="870108"/>
-            <a:ext cx="6096000" cy="5355312"/>
-          </a:xfrm>
-          <a:prstGeom prst="rect">
-            <a:avLst/>
-          </a:prstGeom>
-        </p:spPr>
-        <p:txBody>
-          <a:bodyPr>
-            <a:spAutoFit/>
-          </a:bodyPr>
-          <a:lstStyle/>
-          <a:p>
-            <a:br>
-              <a:rPr lang="en-US" altLang="zh-CN" dirty="0"/>
-            </a:br>
-            <a:r>
-              <a:rPr lang="en-US" altLang="zh-CN" dirty="0"/>
-              <a:t>4</a:t>
-            </a:r>
-            <a:r>
-              <a:rPr lang="zh-CN" altLang="en-US" dirty="0"/>
-              <a:t>、</a:t>
-            </a:r>
-            <a:r>
-              <a:rPr lang="en-US" altLang="zh-CN" dirty="0"/>
-              <a:t>$</a:t>
-            </a:r>
-            <a:r>
-              <a:rPr lang="en-US" altLang="zh-CN" dirty="0" err="1"/>
-              <a:t>zt</a:t>
-            </a:r>
-            <a:r>
-              <a:rPr lang="zh-CN" altLang="en-US" dirty="0"/>
-              <a:t>转换时分秒</a:t>
-            </a:r>
-            <a:br>
-              <a:rPr lang="zh-CN" altLang="en-US" dirty="0"/>
-            </a:br>
-            <a:br>
-              <a:rPr lang="zh-CN" altLang="en-US" dirty="0"/>
-            </a:br>
-            <a:r>
-              <a:rPr lang="zh-CN" altLang="en-US" dirty="0">
-                <a:solidFill>
-                  <a:srgbClr val="008000"/>
-                </a:solidFill>
-              </a:rPr>
-              <a:t>    </a:t>
-            </a:r>
-            <a:r>
-              <a:rPr lang="en-US" altLang="zh-CN" dirty="0">
-                <a:solidFill>
-                  <a:srgbClr val="008000"/>
-                </a:solidFill>
-              </a:rPr>
-              <a:t>DHC-APP&gt;w $</a:t>
-            </a:r>
-            <a:r>
-              <a:rPr lang="en-US" altLang="zh-CN" dirty="0" err="1">
-                <a:solidFill>
-                  <a:srgbClr val="008000"/>
-                </a:solidFill>
-              </a:rPr>
-              <a:t>zt</a:t>
-            </a:r>
-            <a:r>
-              <a:rPr lang="en-US" altLang="zh-CN" dirty="0">
-                <a:solidFill>
-                  <a:srgbClr val="008000"/>
-                </a:solidFill>
-              </a:rPr>
-              <a:t>(33566)</a:t>
-            </a:r>
-            <a:br>
-              <a:rPr lang="en-US" altLang="zh-CN" dirty="0"/>
-            </a:br>
-            <a:r>
-              <a:rPr lang="en-US" altLang="zh-CN" dirty="0">
-                <a:solidFill>
-                  <a:srgbClr val="008000"/>
-                </a:solidFill>
-              </a:rPr>
-              <a:t>    09:19:26</a:t>
-            </a:r>
-            <a:br>
-              <a:rPr lang="en-US" altLang="zh-CN" dirty="0"/>
-            </a:br>
-            <a:br>
-              <a:rPr lang="en-US" altLang="zh-CN" dirty="0"/>
-            </a:br>
-            <a:r>
-              <a:rPr lang="en-US" altLang="zh-CN" dirty="0"/>
-              <a:t>5</a:t>
-            </a:r>
-            <a:r>
-              <a:rPr lang="zh-CN" altLang="en-US" dirty="0"/>
-              <a:t>、</a:t>
-            </a:r>
-            <a:r>
-              <a:rPr lang="en-US" altLang="zh-CN" dirty="0"/>
-              <a:t>$</a:t>
-            </a:r>
-            <a:r>
-              <a:rPr lang="en-US" altLang="zh-CN" dirty="0" err="1"/>
-              <a:t>zth</a:t>
-            </a:r>
-            <a:r>
-              <a:rPr lang="zh-CN" altLang="en-US" dirty="0"/>
-              <a:t>反转换时分秒</a:t>
-            </a:r>
-            <a:br>
-              <a:rPr lang="zh-CN" altLang="en-US" dirty="0"/>
-            </a:br>
-            <a:br>
-              <a:rPr lang="zh-CN" altLang="en-US" dirty="0"/>
-            </a:br>
-            <a:r>
-              <a:rPr lang="zh-CN" altLang="en-US" dirty="0">
-                <a:solidFill>
-                  <a:srgbClr val="008000"/>
-                </a:solidFill>
-              </a:rPr>
-              <a:t>    </a:t>
-            </a:r>
-            <a:r>
-              <a:rPr lang="en-US" altLang="zh-CN" dirty="0">
-                <a:solidFill>
-                  <a:srgbClr val="008000"/>
-                </a:solidFill>
-              </a:rPr>
-              <a:t>DHC-APP&gt;w $</a:t>
-            </a:r>
-            <a:r>
-              <a:rPr lang="en-US" altLang="zh-CN" dirty="0" err="1">
-                <a:solidFill>
-                  <a:srgbClr val="008000"/>
-                </a:solidFill>
-              </a:rPr>
-              <a:t>zth</a:t>
-            </a:r>
-            <a:r>
-              <a:rPr lang="en-US" altLang="zh-CN" dirty="0">
-                <a:solidFill>
-                  <a:srgbClr val="008000"/>
-                </a:solidFill>
-              </a:rPr>
-              <a:t>("23:59:59")</a:t>
-            </a:r>
-            <a:br>
-              <a:rPr lang="en-US" altLang="zh-CN" dirty="0"/>
-            </a:br>
-            <a:r>
-              <a:rPr lang="en-US" altLang="zh-CN" dirty="0">
-                <a:solidFill>
-                  <a:srgbClr val="008000"/>
-                </a:solidFill>
-              </a:rPr>
-              <a:t>    86399</a:t>
-            </a:r>
-            <a:br>
-              <a:rPr lang="en-US" altLang="zh-CN" dirty="0"/>
-            </a:br>
-            <a:br>
-              <a:rPr lang="en-US" altLang="zh-CN" dirty="0"/>
-            </a:br>
-            <a:r>
-              <a:rPr lang="en-US" altLang="zh-CN" dirty="0"/>
-              <a:t>6</a:t>
-            </a:r>
-            <a:r>
-              <a:rPr lang="zh-CN" altLang="en-US" dirty="0"/>
-              <a:t>、</a:t>
-            </a:r>
-            <a:r>
-              <a:rPr lang="en-US" altLang="zh-CN" dirty="0"/>
-              <a:t>$</a:t>
-            </a:r>
-            <a:r>
-              <a:rPr lang="en-US" altLang="zh-CN" dirty="0" err="1"/>
-              <a:t>zts</a:t>
-            </a:r>
-            <a:r>
-              <a:rPr lang="zh-CN" altLang="en-US" dirty="0"/>
-              <a:t>含有时间和时间（精确到秒）</a:t>
-            </a:r>
-            <a:br>
-              <a:rPr lang="zh-CN" altLang="en-US" dirty="0"/>
-            </a:br>
-            <a:br>
-              <a:rPr lang="zh-CN" altLang="en-US" dirty="0"/>
-            </a:br>
-            <a:r>
-              <a:rPr lang="zh-CN" altLang="en-US" dirty="0">
-                <a:solidFill>
-                  <a:srgbClr val="008000"/>
-                </a:solidFill>
-              </a:rPr>
-              <a:t>    </a:t>
-            </a:r>
-            <a:r>
-              <a:rPr lang="en-US" altLang="zh-CN" dirty="0">
-                <a:solidFill>
-                  <a:srgbClr val="008000"/>
-                </a:solidFill>
-              </a:rPr>
-              <a:t>DHC-APP&gt;w $</a:t>
-            </a:r>
-            <a:r>
-              <a:rPr lang="en-US" altLang="zh-CN" dirty="0" err="1">
-                <a:solidFill>
-                  <a:srgbClr val="008000"/>
-                </a:solidFill>
-              </a:rPr>
-              <a:t>zts</a:t>
-            </a:r>
-            <a:br>
-              <a:rPr lang="en-US" altLang="zh-CN" dirty="0"/>
-            </a:br>
-            <a:r>
-              <a:rPr lang="en-US" altLang="zh-CN" dirty="0">
-                <a:solidFill>
-                  <a:srgbClr val="008000"/>
-                </a:solidFill>
-              </a:rPr>
-              <a:t>    64746,5744.172</a:t>
-            </a:r>
-          </a:p>
-          <a:p>
-            <a:endParaRPr lang="en-US" altLang="zh-CN" dirty="0">
-              <a:solidFill>
-                <a:srgbClr val="008000"/>
-              </a:solidFill>
-            </a:endParaRPr>
-          </a:p>
-          <a:p>
-            <a:r>
-              <a:rPr lang="en-US" altLang="zh-CN" dirty="0"/>
-              <a:t>    </a:t>
-            </a:r>
-            <a:r>
-              <a:rPr lang="pl-PL" altLang="zh-CN" dirty="0"/>
-              <a:t>DHC-APP&gt;w $zd(0,3)</a:t>
-            </a:r>
-            <a:br>
-              <a:rPr lang="pl-PL" altLang="zh-CN" dirty="0"/>
-            </a:br>
-            <a:r>
-              <a:rPr lang="pl-PL" altLang="zh-CN" dirty="0"/>
-              <a:t>    1840-12-31</a:t>
-            </a:r>
-            <a:endParaRPr lang="en-US" altLang="zh-CN" dirty="0">
-              <a:solidFill>
-                <a:srgbClr val="008000"/>
-              </a:solidFill>
-            </a:endParaRPr>
-          </a:p>
-          <a:p>
-            <a:r>
-              <a:rPr lang="zh-CN" altLang="en-US" dirty="0"/>
-              <a:t>     </a:t>
-            </a:r>
           </a:p>
         </p:txBody>
       </p:sp>
     </p:spTree>
     <p:extLst>
       <p:ext uri="{BB962C8B-B14F-4D97-AF65-F5344CB8AC3E}">
-        <p14:creationId xmlns:p14="http://schemas.microsoft.com/office/powerpoint/2010/main" val="4179965856"/>
+        <p14:creationId xmlns:p14="http://schemas.microsoft.com/office/powerpoint/2010/main" val="4072206123"/>
       </p:ext>
     </p:extLst>
   </p:cSld>
@@ -5842,10 +8681,10 @@
       </p:sp>
       <p:sp>
         <p:nvSpPr>
-          <p:cNvPr id="3" name="矩形 2">
+          <p:cNvPr id="4" name="矩形 3">
             <a:extLst>
               <a:ext uri="{FF2B5EF4-FFF2-40B4-BE49-F238E27FC236}">
-                <a16:creationId xmlns:a16="http://schemas.microsoft.com/office/drawing/2014/main" id="{9DC08573-361F-4A4E-B4A2-C88AF247D6F0}"/>
+                <a16:creationId xmlns:a16="http://schemas.microsoft.com/office/drawing/2014/main" id="{BD4BA603-6BA8-4888-8680-FAA0D70FBD6F}"/>
               </a:ext>
             </a:extLst>
           </p:cNvPr>
@@ -5854,8 +8693,8 @@
         </p:nvSpPr>
         <p:spPr>
           <a:xfrm>
-            <a:off x="682579" y="1085242"/>
-            <a:ext cx="10369734" cy="5355312"/>
+            <a:off x="682578" y="1245565"/>
+            <a:ext cx="10621525" cy="3139321"/>
           </a:xfrm>
           <a:prstGeom prst="rect">
             <a:avLst/>
@@ -5869,65 +8708,77 @@
           <a:p>
             <a:r>
               <a:rPr lang="en-US" altLang="zh-CN" dirty="0"/>
+              <a:t>2</a:t>
+            </a:r>
+            <a:r>
+              <a:rPr lang="zh-CN" altLang="en-US" dirty="0"/>
+              <a:t>、算术比较运算符</a:t>
+            </a:r>
+            <a:r>
+              <a:rPr lang="en-US" altLang="zh-CN" dirty="0"/>
+              <a:t>&lt;</a:t>
+            </a:r>
+            <a:r>
+              <a:rPr lang="zh-CN" altLang="en-US" dirty="0"/>
+              <a:t>、</a:t>
+            </a:r>
+            <a:r>
+              <a:rPr lang="en-US" altLang="zh-CN" dirty="0"/>
+              <a:t>&gt;</a:t>
+            </a:r>
+            <a:r>
+              <a:rPr lang="zh-CN" altLang="en-US" dirty="0"/>
+              <a:t>、</a:t>
+            </a:r>
+            <a:r>
+              <a:rPr lang="en-US" altLang="zh-CN" dirty="0"/>
+              <a:t> =(</a:t>
+            </a:r>
+            <a:r>
+              <a:rPr lang="zh-CN" altLang="en-US" dirty="0"/>
+              <a:t>大于、小于、等于</a:t>
+            </a:r>
+            <a:r>
+              <a:rPr lang="en-US" altLang="zh-CN" dirty="0"/>
+              <a:t>)</a:t>
+            </a:r>
+            <a:r>
+              <a:rPr lang="zh-CN" altLang="en-US" dirty="0"/>
+              <a:t>，</a:t>
+            </a:r>
+            <a:r>
+              <a:rPr lang="en-US" altLang="zh-CN" dirty="0"/>
+              <a:t>true</a:t>
+            </a:r>
+            <a:r>
+              <a:rPr lang="zh-CN" altLang="en-US" dirty="0"/>
+              <a:t>返回</a:t>
+            </a:r>
+            <a:r>
+              <a:rPr lang="en-US" altLang="zh-CN" dirty="0"/>
               <a:t>1</a:t>
             </a:r>
             <a:r>
               <a:rPr lang="zh-CN" altLang="en-US" dirty="0"/>
-              <a:t>、算术运算符</a:t>
-            </a:r>
-            <a:r>
-              <a:rPr lang="en-US" altLang="zh-CN" dirty="0"/>
-              <a:t>+</a:t>
-            </a:r>
-            <a:r>
-              <a:rPr lang="zh-CN" altLang="en-US" dirty="0"/>
-              <a:t>、</a:t>
-            </a:r>
-            <a:r>
-              <a:rPr lang="en-US" altLang="zh-CN" dirty="0"/>
-              <a:t>-</a:t>
-            </a:r>
-            <a:r>
-              <a:rPr lang="zh-CN" altLang="en-US" dirty="0"/>
-              <a:t>、</a:t>
-            </a:r>
-            <a:r>
-              <a:rPr lang="zh-CN" altLang="en-US" i="1" dirty="0"/>
-              <a:t>*、</a:t>
-            </a:r>
-            <a:r>
-              <a:rPr lang="en-US" altLang="zh-CN" i="1" dirty="0"/>
-              <a:t>/</a:t>
-            </a:r>
-            <a:r>
-              <a:rPr lang="zh-CN" altLang="en-US" i="1" dirty="0"/>
-              <a:t>、</a:t>
-            </a:r>
-            <a:r>
-              <a:rPr lang="en-US" altLang="zh-CN" i="1" dirty="0"/>
-              <a:t>\</a:t>
-            </a:r>
-            <a:r>
-              <a:rPr lang="zh-CN" altLang="en-US" i="1" dirty="0"/>
-              <a:t>、</a:t>
-            </a:r>
-            <a:r>
-              <a:rPr lang="en-US" altLang="zh-CN" i="1" dirty="0"/>
-              <a:t>#</a:t>
-            </a:r>
-            <a:r>
-              <a:rPr lang="zh-CN" altLang="en-US" i="1" dirty="0"/>
-              <a:t>、*</a:t>
-            </a:r>
-            <a:r>
-              <a:rPr lang="zh-CN" altLang="en-US" dirty="0"/>
-              <a:t>*（加、减、乘、除、整除、求余、次方）</a:t>
-            </a:r>
-            <a:br>
-              <a:rPr lang="zh-CN" altLang="en-US" dirty="0"/>
-            </a:br>
-            <a:br>
-              <a:rPr lang="zh-CN" altLang="en-US" dirty="0"/>
+              <a:t>，</a:t>
+            </a:r>
+            <a:r>
+              <a:rPr lang="en-US" altLang="zh-CN" dirty="0"/>
+              <a:t>false</a:t>
+            </a:r>
+            <a:r>
+              <a:rPr lang="zh-CN" altLang="en-US" dirty="0"/>
+              <a:t>返回</a:t>
+            </a:r>
+            <a:r>
+              <a:rPr lang="en-US" altLang="zh-CN" dirty="0"/>
+              <a:t>0</a:t>
+            </a:r>
+            <a:br>
+              <a:rPr lang="en-US" altLang="zh-CN" dirty="0"/>
+            </a:br>
+            <a:br>
+              <a:rPr lang="en-US" altLang="zh-CN" dirty="0"/>
             </a:br>
             <a:r>
               <a:rPr lang="zh-CN" altLang="en-US" dirty="0">
@@ -5943,95 +8794,7 @@
                   <a:srgbClr val="008000"/>
                 </a:solidFill>
               </a:rPr>
-              <a:t>DHC-APP&gt;w 4+2</a:t>
-            </a:r>
-            <a:br>
-              <a:rPr lang="en-US" altLang="zh-CN" dirty="0"/>
-            </a:br>
-            <a:r>
-              <a:rPr lang="en-US" altLang="zh-CN" dirty="0">
-                <a:solidFill>
-                  <a:srgbClr val="008000"/>
-                </a:solidFill>
-              </a:rPr>
-              <a:t>    6</a:t>
-            </a:r>
-            <a:br>
-              <a:rPr lang="en-US" altLang="zh-CN" dirty="0"/>
-            </a:br>
-            <a:r>
-              <a:rPr lang="en-US" altLang="zh-CN" dirty="0">
-                <a:solidFill>
-                  <a:srgbClr val="008000"/>
-                </a:solidFill>
-              </a:rPr>
-              <a:t>    DHC-APP&gt;w 5-3</a:t>
-            </a:r>
-            <a:br>
-              <a:rPr lang="en-US" altLang="zh-CN" dirty="0"/>
-            </a:br>
-            <a:r>
-              <a:rPr lang="en-US" altLang="zh-CN" dirty="0">
-                <a:solidFill>
-                  <a:srgbClr val="008000"/>
-                </a:solidFill>
-              </a:rPr>
-              <a:t>    2</a:t>
-            </a:r>
-            <a:br>
-              <a:rPr lang="en-US" altLang="zh-CN" dirty="0"/>
-            </a:br>
-            <a:r>
-              <a:rPr lang="en-US" altLang="zh-CN" dirty="0">
-                <a:solidFill>
-                  <a:srgbClr val="008000"/>
-                </a:solidFill>
-              </a:rPr>
-              <a:t>    DHC-APP&gt;w 5*2</a:t>
-            </a:r>
-            <a:br>
-              <a:rPr lang="en-US" altLang="zh-CN" dirty="0"/>
-            </a:br>
-            <a:r>
-              <a:rPr lang="en-US" altLang="zh-CN" dirty="0">
-                <a:solidFill>
-                  <a:srgbClr val="008000"/>
-                </a:solidFill>
-              </a:rPr>
-              <a:t>    10</a:t>
-            </a:r>
-            <a:br>
-              <a:rPr lang="en-US" altLang="zh-CN" dirty="0"/>
-            </a:br>
-            <a:r>
-              <a:rPr lang="en-US" altLang="zh-CN" dirty="0">
-                <a:solidFill>
-                  <a:srgbClr val="008000"/>
-                </a:solidFill>
-              </a:rPr>
-              <a:t>    DHC-APP&gt;w 6/3</a:t>
-            </a:r>
-            <a:br>
-              <a:rPr lang="en-US" altLang="zh-CN" dirty="0"/>
-            </a:br>
-            <a:r>
-              <a:rPr lang="en-US" altLang="zh-CN" dirty="0">
-                <a:solidFill>
-                  <a:srgbClr val="008000"/>
-                </a:solidFill>
-              </a:rPr>
-              <a:t>    2</a:t>
-            </a:r>
-            <a:br>
-              <a:rPr lang="en-US" altLang="zh-CN" dirty="0"/>
-            </a:br>
-            <a:r>
-              <a:rPr lang="en-US" altLang="zh-CN" dirty="0">
-                <a:solidFill>
-                  <a:srgbClr val="008000"/>
-                </a:solidFill>
-              </a:rPr>
-              <a:t>    DHC-APP&gt;w 5\3</a:t>
+              <a:t>DHC-APP&gt;w 3&gt;2</a:t>
             </a:r>
             <a:br>
               <a:rPr lang="en-US" altLang="zh-CN" dirty="0"/>
@@ -6053,73 +8816,121 @@
                   <a:srgbClr val="008000"/>
                 </a:solidFill>
               </a:rPr>
-              <a:t>    DHC-APP&gt;w 5#2</a:t>
-            </a:r>
-            <a:br>
-              <a:rPr lang="en-US" altLang="zh-CN" dirty="0"/>
-            </a:br>
-            <a:r>
-              <a:rPr lang="en-US" altLang="zh-CN" dirty="0">
-                <a:solidFill>
-                  <a:srgbClr val="008000"/>
-                </a:solidFill>
-              </a:rPr>
-              <a:t>    1</a:t>
-            </a:r>
-            <a:br>
-              <a:rPr lang="en-US" altLang="zh-CN" dirty="0"/>
-            </a:br>
-            <a:r>
-              <a:rPr lang="en-US" altLang="zh-CN" dirty="0">
-                <a:solidFill>
-                  <a:srgbClr val="008000"/>
-                </a:solidFill>
-              </a:rPr>
-              <a:t>    DHC-APP&gt;w 7#5</a:t>
-            </a:r>
-            <a:br>
-              <a:rPr lang="en-US" altLang="zh-CN" dirty="0"/>
-            </a:br>
-            <a:r>
-              <a:rPr lang="en-US" altLang="zh-CN" dirty="0">
-                <a:solidFill>
-                  <a:srgbClr val="008000"/>
-                </a:solidFill>
-              </a:rPr>
-              <a:t>    2</a:t>
-            </a:r>
-            <a:br>
-              <a:rPr lang="en-US" altLang="zh-CN" dirty="0"/>
-            </a:br>
-            <a:r>
-              <a:rPr lang="en-US" altLang="zh-CN" dirty="0">
-                <a:solidFill>
-                  <a:srgbClr val="008000"/>
-                </a:solidFill>
-              </a:rPr>
-              <a:t>    DHC-APP&gt;w 2**3</a:t>
-            </a:r>
-            <a:br>
-              <a:rPr lang="en-US" altLang="zh-CN" dirty="0"/>
-            </a:br>
-            <a:r>
-              <a:rPr lang="en-US" altLang="zh-CN" dirty="0">
-                <a:solidFill>
-                  <a:srgbClr val="008000"/>
-                </a:solidFill>
-              </a:rPr>
-              <a:t>    8</a:t>
-            </a:r>
-            <a:br>
-              <a:rPr lang="en-US" altLang="zh-CN" dirty="0"/>
-            </a:br>
-            <a:r>
-              <a:rPr lang="en-US" altLang="zh-CN" dirty="0">
-                <a:solidFill>
-                  <a:srgbClr val="008000"/>
-                </a:solidFill>
-              </a:rPr>
-              <a:t>  </a:t>
+              <a:t>    DHC-APP&gt;w 3&lt;2</a:t>
+            </a:r>
+            <a:br>
+              <a:rPr lang="en-US" altLang="zh-CN" dirty="0"/>
+            </a:br>
+            <a:r>
+              <a:rPr lang="en-US" altLang="zh-CN" dirty="0">
+                <a:solidFill>
+                  <a:srgbClr val="008000"/>
+                </a:solidFill>
+              </a:rPr>
+              <a:t>    0</a:t>
+            </a:r>
+            <a:br>
+              <a:rPr lang="en-US" altLang="zh-CN" dirty="0"/>
+            </a:br>
+            <a:endParaRPr lang="en-US" altLang="zh-CN" dirty="0"/>
+          </a:p>
+          <a:p>
+            <a:r>
+              <a:rPr lang="zh-CN" altLang="en-US" dirty="0">
+                <a:solidFill>
+                  <a:srgbClr val="008000"/>
+                </a:solidFill>
+              </a:rPr>
+              <a:t>   </a:t>
+            </a:r>
+            <a:r>
+              <a:rPr lang="en-US" altLang="zh-CN" dirty="0">
+                <a:solidFill>
+                  <a:srgbClr val="008000"/>
+                </a:solidFill>
+              </a:rPr>
+              <a:t>DHC-APP&gt;if (1=1) w 1   //</a:t>
+            </a:r>
+            <a:r>
+              <a:rPr lang="zh-CN" altLang="en-US" dirty="0">
+                <a:solidFill>
+                  <a:srgbClr val="008000"/>
+                </a:solidFill>
+              </a:rPr>
+              <a:t>等于                          </a:t>
+            </a:r>
+            <a:br>
+              <a:rPr lang="zh-CN" altLang="en-US" dirty="0"/>
+            </a:br>
+            <a:r>
+              <a:rPr lang="zh-CN" altLang="en-US" dirty="0">
+                <a:solidFill>
+                  <a:srgbClr val="008000"/>
+                </a:solidFill>
+              </a:rPr>
+              <a:t>    </a:t>
+            </a:r>
+            <a:r>
+              <a:rPr lang="en-US" altLang="zh-CN" dirty="0">
+                <a:solidFill>
+                  <a:srgbClr val="008000"/>
+                </a:solidFill>
+              </a:rPr>
+              <a:t>1</a:t>
+            </a:r>
+            <a:br>
+              <a:rPr lang="zh-CN" altLang="en-US" dirty="0"/>
+            </a:br>
+            <a:r>
+              <a:rPr lang="zh-CN" altLang="en-US" dirty="0">
+                <a:solidFill>
+                  <a:srgbClr val="008000"/>
+                </a:solidFill>
+              </a:rPr>
+              <a:t>    </a:t>
+            </a:r>
+            <a:r>
+              <a:rPr lang="en-US" altLang="zh-CN" dirty="0">
+                <a:solidFill>
+                  <a:srgbClr val="008000"/>
+                </a:solidFill>
+              </a:rPr>
+              <a:t>DHC-APP&gt;if (1'=0) w 1  //</a:t>
+            </a:r>
+            <a:r>
+              <a:rPr lang="zh-CN" altLang="en-US" dirty="0">
+                <a:solidFill>
+                  <a:srgbClr val="008000"/>
+                </a:solidFill>
+              </a:rPr>
+              <a:t>不等于</a:t>
+            </a:r>
+            <a:br>
+              <a:rPr lang="zh-CN" altLang="en-US" dirty="0"/>
+            </a:br>
+            <a:r>
+              <a:rPr lang="zh-CN" altLang="en-US" dirty="0">
+                <a:solidFill>
+                  <a:srgbClr val="008000"/>
+                </a:solidFill>
+              </a:rPr>
+              <a:t>    </a:t>
+            </a:r>
+            <a:r>
+              <a:rPr lang="en-US" altLang="zh-CN" dirty="0">
+                <a:solidFill>
+                  <a:srgbClr val="008000"/>
+                </a:solidFill>
+              </a:rPr>
+              <a:t>1</a:t>
+            </a:r>
+            <a:r>
+              <a:rPr lang="zh-CN" altLang="en-US" dirty="0">
+                <a:solidFill>
+                  <a:srgbClr val="008000"/>
+                </a:solidFill>
+              </a:rPr>
+              <a:t>   </a:t>
             </a:r>
             <a:endParaRPr lang="zh-CN" altLang="en-US" dirty="0"/>
           </a:p>
@@ -6128,7 +8939,7 @@
     </p:spTree>
     <p:extLst>
       <p:ext uri="{BB962C8B-B14F-4D97-AF65-F5344CB8AC3E}">
-        <p14:creationId xmlns:p14="http://schemas.microsoft.com/office/powerpoint/2010/main" val="4072206123"/>
+        <p14:creationId xmlns:p14="http://schemas.microsoft.com/office/powerpoint/2010/main" val="244478132"/>
       </p:ext>
     </p:extLst>
   </p:cSld>
@@ -6226,10 +9037,10 @@
       </p:sp>
       <p:sp>
         <p:nvSpPr>
-          <p:cNvPr id="4" name="矩形 3">
+          <p:cNvPr id="3" name="矩形 2">
             <a:extLst>
               <a:ext uri="{FF2B5EF4-FFF2-40B4-BE49-F238E27FC236}">
-                <a16:creationId xmlns:a16="http://schemas.microsoft.com/office/drawing/2014/main" id="{BD4BA603-6BA8-4888-8680-FAA0D70FBD6F}"/>
+                <a16:creationId xmlns:a16="http://schemas.microsoft.com/office/drawing/2014/main" id="{CE67AF09-1270-48F2-A1CF-CD501A6A0A3C}"/>
               </a:ext>
             </a:extLst>
           </p:cNvPr>
@@ -6238,8 +9049,8 @@
         </p:nvSpPr>
         <p:spPr>
           <a:xfrm>
-            <a:off x="682578" y="1245565"/>
-            <a:ext cx="10621525" cy="3139321"/>
+            <a:off x="682578" y="1028343"/>
+            <a:ext cx="9389073" cy="3416320"/>
           </a:xfrm>
           <a:prstGeom prst="rect">
             <a:avLst/>
@@ -6253,15 +9064,15 @@
           <a:p>
             <a:r>
               <a:rPr lang="en-US" altLang="zh-CN" dirty="0"/>
-              <a:t>2</a:t>
-            </a:r>
-            <a:r>
-              <a:rPr lang="zh-CN" altLang="en-US" dirty="0"/>
-              <a:t>、算术比较运算符</a:t>
-            </a:r>
-            <a:r>
-              <a:rPr lang="en-US" altLang="zh-CN" dirty="0"/>
-              <a:t>&lt;</a:t>
+              <a:t>3</a:t>
+            </a:r>
+            <a:r>
+              <a:rPr lang="zh-CN" altLang="en-US" dirty="0"/>
+              <a:t>、字符串比较运算符</a:t>
+            </a:r>
+            <a:r>
+              <a:rPr lang="en-US" altLang="zh-CN" dirty="0"/>
+              <a:t> [</a:t>
             </a:r>
             <a:r>
               <a:rPr lang="zh-CN" altLang="en-US" dirty="0"/>
@@ -6269,77 +9080,178 @@
             </a:r>
             <a:r>
               <a:rPr lang="en-US" altLang="zh-CN" dirty="0"/>
-              <a:t>&gt;</a:t>
-            </a:r>
-            <a:r>
-              <a:rPr lang="zh-CN" altLang="en-US" dirty="0"/>
-              <a:t>、</a:t>
-            </a:r>
-            <a:r>
-              <a:rPr lang="en-US" altLang="zh-CN" dirty="0"/>
-              <a:t> =(</a:t>
-            </a:r>
-            <a:r>
-              <a:rPr lang="zh-CN" altLang="en-US" dirty="0"/>
-              <a:t>大于、小于、等于</a:t>
+              <a:t>] (</a:t>
+            </a:r>
+            <a:r>
+              <a:rPr lang="zh-CN" altLang="en-US" dirty="0"/>
+              <a:t>包含</a:t>
             </a:r>
             <a:r>
               <a:rPr lang="en-US" altLang="zh-CN" dirty="0"/>
               <a:t>)</a:t>
             </a:r>
-            <a:r>
-              <a:rPr lang="zh-CN" altLang="en-US" dirty="0"/>
-              <a:t>，</a:t>
-            </a:r>
-            <a:r>
-              <a:rPr lang="en-US" altLang="zh-CN" dirty="0"/>
-              <a:t>true</a:t>
-            </a:r>
-            <a:r>
-              <a:rPr lang="zh-CN" altLang="en-US" dirty="0"/>
-              <a:t>返回</a:t>
-            </a:r>
-            <a:r>
-              <a:rPr lang="en-US" altLang="zh-CN" dirty="0"/>
-              <a:t>1</a:t>
-            </a:r>
-            <a:r>
-              <a:rPr lang="zh-CN" altLang="en-US" dirty="0"/>
-              <a:t>，</a:t>
-            </a:r>
-            <a:r>
-              <a:rPr lang="en-US" altLang="zh-CN" dirty="0"/>
-              <a:t>false</a:t>
-            </a:r>
-            <a:r>
-              <a:rPr lang="zh-CN" altLang="en-US" dirty="0"/>
-              <a:t>返回</a:t>
-            </a:r>
-            <a:r>
-              <a:rPr lang="en-US" altLang="zh-CN" dirty="0"/>
+          </a:p>
+          <a:p>
+            <a:br>
+              <a:rPr lang="zh-CN" altLang="en-US" dirty="0"/>
+            </a:br>
+            <a:r>
+              <a:rPr lang="zh-CN" altLang="en-US" dirty="0">
+                <a:solidFill>
+                  <a:srgbClr val="008000"/>
+                </a:solidFill>
+              </a:rPr>
+              <a:t>    </a:t>
+            </a:r>
+            <a:r>
+              <a:rPr lang="en-US" altLang="zh-CN" dirty="0">
+                <a:solidFill>
+                  <a:srgbClr val="008000"/>
+                </a:solidFill>
+              </a:rPr>
+              <a:t>DHC-APP&gt;s a = “abcd”</a:t>
+            </a:r>
+            <a:br>
+              <a:rPr lang="en-US" altLang="zh-CN" dirty="0"/>
+            </a:br>
+            <a:r>
+              <a:rPr lang="en-US" altLang="zh-CN" dirty="0">
+                <a:solidFill>
+                  <a:srgbClr val="008000"/>
+                </a:solidFill>
+              </a:rPr>
+              <a:t>    DHC-APP&gt;s b = “cd”</a:t>
+            </a:r>
+            <a:br>
+              <a:rPr lang="en-US" altLang="zh-CN" dirty="0"/>
+            </a:br>
+            <a:r>
+              <a:rPr lang="en-US" altLang="zh-CN" dirty="0">
+                <a:solidFill>
+                  <a:srgbClr val="008000"/>
+                </a:solidFill>
+              </a:rPr>
+              <a:t>    DHC-APP&gt;w a[b     </a:t>
+            </a:r>
+            <a:r>
+              <a:rPr lang="zh-CN" altLang="en-US" dirty="0">
+                <a:solidFill>
+                  <a:srgbClr val="008000"/>
+                </a:solidFill>
+              </a:rPr>
+              <a:t>（</a:t>
+            </a:r>
+            <a:r>
+              <a:rPr lang="en-US" altLang="zh-CN" dirty="0">
+                <a:solidFill>
+                  <a:srgbClr val="008000"/>
+                </a:solidFill>
+              </a:rPr>
+              <a:t>a</a:t>
+            </a:r>
+            <a:r>
+              <a:rPr lang="zh-CN" altLang="en-US" dirty="0">
+                <a:solidFill>
+                  <a:srgbClr val="008000"/>
+                </a:solidFill>
+              </a:rPr>
+              <a:t>包含于</a:t>
+            </a:r>
+            <a:r>
+              <a:rPr lang="en-US" altLang="zh-CN" dirty="0">
+                <a:solidFill>
+                  <a:srgbClr val="008000"/>
+                </a:solidFill>
+              </a:rPr>
+              <a:t>b </a:t>
+            </a:r>
+            <a:r>
+              <a:rPr lang="zh-CN" altLang="en-US" dirty="0">
+                <a:solidFill>
+                  <a:srgbClr val="008000"/>
+                </a:solidFill>
+              </a:rPr>
+              <a:t>或</a:t>
+            </a:r>
+            <a:r>
+              <a:rPr lang="en-US" altLang="zh-CN" dirty="0">
+                <a:solidFill>
+                  <a:srgbClr val="008000"/>
+                </a:solidFill>
+              </a:rPr>
+              <a:t>b</a:t>
+            </a:r>
+            <a:r>
+              <a:rPr lang="zh-CN" altLang="en-US" dirty="0">
+                <a:solidFill>
+                  <a:srgbClr val="008000"/>
+                </a:solidFill>
+              </a:rPr>
+              <a:t>被</a:t>
+            </a:r>
+            <a:r>
+              <a:rPr lang="en-US" altLang="zh-CN" dirty="0">
+                <a:solidFill>
+                  <a:srgbClr val="008000"/>
+                </a:solidFill>
+              </a:rPr>
+              <a:t>a</a:t>
+            </a:r>
+            <a:r>
+              <a:rPr lang="zh-CN" altLang="en-US" dirty="0">
+                <a:solidFill>
+                  <a:srgbClr val="008000"/>
+                </a:solidFill>
+              </a:rPr>
+              <a:t>包含</a:t>
+            </a:r>
+            <a:r>
+              <a:rPr lang="en-US" altLang="zh-CN" dirty="0">
+                <a:solidFill>
+                  <a:srgbClr val="008000"/>
+                </a:solidFill>
+              </a:rPr>
+              <a:t>,</a:t>
+            </a:r>
+            <a:r>
+              <a:rPr lang="zh-CN" altLang="en-US" dirty="0">
+                <a:solidFill>
+                  <a:srgbClr val="008000"/>
+                </a:solidFill>
+              </a:rPr>
+              <a:t>满足包含条件返回</a:t>
+            </a:r>
+            <a:r>
+              <a:rPr lang="en-US" altLang="zh-CN" dirty="0">
+                <a:solidFill>
+                  <a:srgbClr val="008000"/>
+                </a:solidFill>
+              </a:rPr>
+              <a:t>1,</a:t>
+            </a:r>
+            <a:r>
+              <a:rPr lang="zh-CN" altLang="en-US" dirty="0">
+                <a:solidFill>
+                  <a:srgbClr val="008000"/>
+                </a:solidFill>
+              </a:rPr>
+              <a:t>否则返回</a:t>
+            </a:r>
+            <a:r>
+              <a:rPr lang="en-US" altLang="zh-CN" dirty="0">
+                <a:solidFill>
+                  <a:srgbClr val="008000"/>
+                </a:solidFill>
+              </a:rPr>
               <a:t>0</a:t>
             </a:r>
-            <a:br>
-              <a:rPr lang="en-US" altLang="zh-CN" dirty="0"/>
-            </a:br>
-            <a:br>
-              <a:rPr lang="en-US" altLang="zh-CN" dirty="0"/>
-            </a:br>
-            <a:r>
-              <a:rPr lang="zh-CN" altLang="en-US" dirty="0">
-                <a:solidFill>
-                  <a:srgbClr val="008000"/>
-                </a:solidFill>
-              </a:rPr>
-              <a:t>    </a:t>
-            </a:r>
-            <a:r>
-              <a:rPr lang="en-US" altLang="zh-CN" dirty="0">
-                <a:solidFill>
-                  <a:srgbClr val="008000"/>
-                </a:solidFill>
-              </a:rPr>
-              <a:t>DHC-APP&gt;w 3&gt;2</a:t>
+            <a:r>
+              <a:rPr lang="zh-CN" altLang="en-US" dirty="0">
+                <a:solidFill>
+                  <a:srgbClr val="008000"/>
+                </a:solidFill>
+              </a:rPr>
+              <a:t>）</a:t>
             </a:r>
             <a:br>
               <a:rPr lang="en-US" altLang="zh-CN" dirty="0"/>
@@ -6361,7 +9273,7 @@
                   <a:srgbClr val="008000"/>
                 </a:solidFill>
               </a:rPr>
-              <a:t>    DHC-APP&gt;w 3&lt;2</a:t>
+              <a:t>    DHC-APP&gt;w b[a</a:t>
             </a:r>
             <a:br>
               <a:rPr lang="en-US" altLang="zh-CN" dirty="0"/>
@@ -6377,105 +9289,46 @@
             <a:br>
               <a:rPr lang="en-US" altLang="zh-CN" dirty="0"/>
             </a:br>
-            <a:endParaRPr lang="en-US" altLang="zh-CN" dirty="0"/>
-          </a:p>
-          <a:p>
-            <a:r>
-              <a:rPr lang="zh-CN" altLang="en-US" dirty="0">
-                <a:solidFill>
-                  <a:srgbClr val="008000"/>
-                </a:solidFill>
-              </a:rPr>
-              <a:t>   </a:t>
-            </a:r>
-            <a:r>
-              <a:rPr lang="en-US" altLang="zh-CN" dirty="0">
-                <a:solidFill>
-                  <a:srgbClr val="008000"/>
-                </a:solidFill>
-              </a:rPr>
-              <a:t>DHC-APP&gt;if (1=1) w 1   //</a:t>
-            </a:r>
-            <a:r>
-              <a:rPr lang="zh-CN" altLang="en-US" dirty="0">
-                <a:solidFill>
-                  <a:srgbClr val="008000"/>
-                </a:solidFill>
-              </a:rPr>
-              <a:t>等于                          </a:t>
-            </a:r>
-            <a:br>
-              <a:rPr lang="zh-CN" altLang="en-US" dirty="0"/>
-            </a:br>
-            <a:r>
-              <a:rPr lang="zh-CN" altLang="en-US" dirty="0">
-                <a:solidFill>
-                  <a:srgbClr val="008000"/>
-                </a:solidFill>
-              </a:rPr>
-              <a:t>    </a:t>
-            </a:r>
-            <a:r>
-              <a:rPr lang="en-US" altLang="zh-CN" dirty="0">
-                <a:solidFill>
-                  <a:srgbClr val="008000"/>
-                </a:solidFill>
-              </a:rPr>
-              <a:t>1</a:t>
-            </a:r>
-            <a:br>
-              <a:rPr lang="zh-CN" altLang="en-US" dirty="0"/>
-            </a:br>
-            <a:r>
-              <a:rPr lang="zh-CN" altLang="en-US" dirty="0">
-                <a:solidFill>
-                  <a:srgbClr val="008000"/>
-                </a:solidFill>
-              </a:rPr>
-              <a:t>    </a:t>
-            </a:r>
-            <a:r>
-              <a:rPr lang="en-US" altLang="zh-CN" dirty="0">
-                <a:solidFill>
-                  <a:srgbClr val="008000"/>
-                </a:solidFill>
-              </a:rPr>
-              <a:t>DHC-APP&gt;if (1'=0) w 1  //</a:t>
-            </a:r>
-            <a:r>
-              <a:rPr lang="zh-CN" altLang="en-US" dirty="0">
-                <a:solidFill>
-                  <a:srgbClr val="008000"/>
-                </a:solidFill>
-              </a:rPr>
-              <a:t>不等于</a:t>
-            </a:r>
-            <a:br>
-              <a:rPr lang="zh-CN" altLang="en-US" dirty="0"/>
-            </a:br>
-            <a:r>
-              <a:rPr lang="zh-CN" altLang="en-US" dirty="0">
-                <a:solidFill>
-                  <a:srgbClr val="008000"/>
-                </a:solidFill>
-              </a:rPr>
-              <a:t>    </a:t>
-            </a:r>
-            <a:r>
-              <a:rPr lang="en-US" altLang="zh-CN" dirty="0">
-                <a:solidFill>
-                  <a:srgbClr val="008000"/>
-                </a:solidFill>
-              </a:rPr>
-              <a:t>1</a:t>
-            </a:r>
-            <a:r>
-              <a:rPr lang="zh-CN" altLang="en-US" dirty="0">
-                <a:solidFill>
-                  <a:srgbClr val="008000"/>
-                </a:solidFill>
-              </a:rPr>
-              <a:t>   </a:t>
+            <a:r>
+              <a:rPr lang="en-US" altLang="zh-CN" dirty="0">
+                <a:solidFill>
+                  <a:srgbClr val="008000"/>
+                </a:solidFill>
+              </a:rPr>
+              <a:t>    DHC-APP&gt;w a]b</a:t>
+            </a:r>
+            <a:br>
+              <a:rPr lang="en-US" altLang="zh-CN" dirty="0"/>
+            </a:br>
+            <a:r>
+              <a:rPr lang="en-US" altLang="zh-CN" dirty="0">
+                <a:solidFill>
+                  <a:srgbClr val="008000"/>
+                </a:solidFill>
+              </a:rPr>
+              <a:t>    0</a:t>
+            </a:r>
+            <a:br>
+              <a:rPr lang="en-US" altLang="zh-CN" dirty="0"/>
+            </a:br>
+            <a:r>
+              <a:rPr lang="en-US" altLang="zh-CN" dirty="0">
+                <a:solidFill>
+                  <a:srgbClr val="008000"/>
+                </a:solidFill>
+              </a:rPr>
+              <a:t>    DHC-APP&gt;w b]a</a:t>
+            </a:r>
+            <a:br>
+              <a:rPr lang="en-US" altLang="zh-CN" dirty="0"/>
+            </a:br>
+            <a:r>
+              <a:rPr lang="en-US" altLang="zh-CN" dirty="0">
+                <a:solidFill>
+                  <a:srgbClr val="008000"/>
+                </a:solidFill>
+              </a:rPr>
+              <a:t>    1</a:t>
             </a:r>
             <a:endParaRPr lang="zh-CN" altLang="en-US" dirty="0"/>
           </a:p>
@@ -6484,7 +9337,7 @@
     </p:spTree>
     <p:extLst>
       <p:ext uri="{BB962C8B-B14F-4D97-AF65-F5344CB8AC3E}">
-        <p14:creationId xmlns:p14="http://schemas.microsoft.com/office/powerpoint/2010/main" val="244478132"/>
+        <p14:creationId xmlns:p14="http://schemas.microsoft.com/office/powerpoint/2010/main" val="1557954487"/>
       </p:ext>
     </p:extLst>
   </p:cSld>
@@ -6582,10 +9435,10 @@
       </p:sp>
       <p:sp>
         <p:nvSpPr>
-          <p:cNvPr id="3" name="矩形 2">
+          <p:cNvPr id="4" name="矩形 3">
             <a:extLst>
               <a:ext uri="{FF2B5EF4-FFF2-40B4-BE49-F238E27FC236}">
-                <a16:creationId xmlns:a16="http://schemas.microsoft.com/office/drawing/2014/main" id="{CE67AF09-1270-48F2-A1CF-CD501A6A0A3C}"/>
+                <a16:creationId xmlns:a16="http://schemas.microsoft.com/office/drawing/2014/main" id="{A9D00770-2C9A-4D12-AE4A-1C70B8AB1B98}"/>
               </a:ext>
             </a:extLst>
           </p:cNvPr>
@@ -6594,30 +9447,142 @@
         </p:nvSpPr>
         <p:spPr>
           <a:xfrm>
-            <a:off x="682578" y="1028343"/>
-            <a:ext cx="9389073" cy="3416320"/>
+            <a:off x="662701" y="1120676"/>
+            <a:ext cx="6096000" cy="2308324"/>
           </a:xfrm>
           <a:prstGeom prst="rect">
             <a:avLst/>
           </a:prstGeom>
         </p:spPr>
         <p:txBody>
-          <a:bodyPr wrap="square">
+          <a:bodyPr>
             <a:spAutoFit/>
           </a:bodyPr>
           <a:lstStyle/>
           <a:p>
             <a:r>
               <a:rPr lang="en-US" altLang="zh-CN" dirty="0"/>
-              <a:t>3</a:t>
-            </a:r>
-            <a:r>
-              <a:rPr lang="zh-CN" altLang="en-US" dirty="0"/>
-              <a:t>、字符串比较运算符</a:t>
-            </a:r>
-            <a:r>
-              <a:rPr lang="en-US" altLang="zh-CN" dirty="0"/>
-              <a:t> [</a:t>
+              <a:t>4</a:t>
+            </a:r>
+            <a:r>
+              <a:rPr lang="zh-CN" altLang="en-US" dirty="0"/>
+              <a:t>、连接符</a:t>
+            </a:r>
+            <a:r>
+              <a:rPr lang="en-US" altLang="zh-CN" dirty="0"/>
+              <a:t>_</a:t>
+            </a:r>
+            <a:br>
+              <a:rPr lang="en-US" altLang="zh-CN" dirty="0"/>
+            </a:br>
+            <a:br>
+              <a:rPr lang="en-US" altLang="zh-CN" dirty="0"/>
+            </a:br>
+            <a:r>
+              <a:rPr lang="zh-CN" altLang="en-US" dirty="0">
+                <a:solidFill>
+                  <a:srgbClr val="008000"/>
+                </a:solidFill>
+              </a:rPr>
+              <a:t>    </a:t>
+            </a:r>
+            <a:r>
+              <a:rPr lang="en-US" altLang="zh-CN" dirty="0">
+                <a:solidFill>
+                  <a:srgbClr val="008000"/>
+                </a:solidFill>
+              </a:rPr>
+              <a:t>DHC-APP&gt;s a="abcd"</a:t>
+            </a:r>
+            <a:br>
+              <a:rPr lang="en-US" altLang="zh-CN" dirty="0"/>
+            </a:br>
+            <a:r>
+              <a:rPr lang="en-US" altLang="zh-CN" dirty="0">
+                <a:solidFill>
+                  <a:srgbClr val="008000"/>
+                </a:solidFill>
+              </a:rPr>
+              <a:t>     </a:t>
+            </a:r>
+            <a:br>
+              <a:rPr lang="en-US" altLang="zh-CN" dirty="0"/>
+            </a:br>
+            <a:r>
+              <a:rPr lang="en-US" altLang="zh-CN" dirty="0">
+                <a:solidFill>
+                  <a:srgbClr val="008000"/>
+                </a:solidFill>
+              </a:rPr>
+              <a:t>    DHC-APP&gt;s b="efg"</a:t>
+            </a:r>
+            <a:br>
+              <a:rPr lang="en-US" altLang="zh-CN" dirty="0"/>
+            </a:br>
+            <a:r>
+              <a:rPr lang="en-US" altLang="zh-CN" dirty="0">
+                <a:solidFill>
+                  <a:srgbClr val="008000"/>
+                </a:solidFill>
+              </a:rPr>
+              <a:t>     </a:t>
+            </a:r>
+            <a:br>
+              <a:rPr lang="en-US" altLang="zh-CN" dirty="0"/>
+            </a:br>
+            <a:r>
+              <a:rPr lang="en-US" altLang="zh-CN" dirty="0">
+                <a:solidFill>
+                  <a:srgbClr val="008000"/>
+                </a:solidFill>
+              </a:rPr>
+              <a:t>    DHC-APP&gt;w a_b</a:t>
+            </a:r>
+            <a:br>
+              <a:rPr lang="en-US" altLang="zh-CN" dirty="0"/>
+            </a:br>
+            <a:r>
+              <a:rPr lang="en-US" altLang="zh-CN" dirty="0">
+                <a:solidFill>
+                  <a:srgbClr val="008000"/>
+                </a:solidFill>
+              </a:rPr>
+              <a:t>    abcdefg</a:t>
+            </a:r>
+            <a:endParaRPr lang="zh-CN" altLang="en-US" dirty="0"/>
+          </a:p>
+        </p:txBody>
+      </p:sp>
+      <p:sp>
+        <p:nvSpPr>
+          <p:cNvPr id="6" name="矩形 5">
+            <a:extLst>
+              <a:ext uri="{FF2B5EF4-FFF2-40B4-BE49-F238E27FC236}">
+                <a16:creationId xmlns:a16="http://schemas.microsoft.com/office/drawing/2014/main" id="{8ACB27E9-4648-4AAC-9772-8B9AA86ABF3B}"/>
+              </a:ext>
+            </a:extLst>
+          </p:cNvPr>
+          <p:cNvSpPr/>
+          <p:nvPr/>
+        </p:nvSpPr>
+        <p:spPr>
+          <a:xfrm>
+            <a:off x="5141843" y="1120676"/>
+            <a:ext cx="6096000" cy="2862322"/>
+          </a:xfrm>
+          <a:prstGeom prst="rect">
+            <a:avLst/>
+          </a:prstGeom>
+        </p:spPr>
+        <p:txBody>
+          <a:bodyPr>
+            <a:spAutoFit/>
+          </a:bodyPr>
+          <a:lstStyle/>
+          <a:p>
+            <a:r>
+              <a:rPr lang="en-US" altLang="zh-CN" dirty="0"/>
+              <a:t>5</a:t>
             </a:r>
             <a:r>
               <a:rPr lang="zh-CN" altLang="en-US" dirty="0"/>
@@ -6625,18 +9590,172 @@
             </a:r>
             <a:r>
               <a:rPr lang="en-US" altLang="zh-CN" dirty="0"/>
-              <a:t>] (</a:t>
-            </a:r>
-            <a:r>
-              <a:rPr lang="zh-CN" altLang="en-US" dirty="0"/>
-              <a:t>包含</a:t>
+              <a:t>&amp;</a:t>
+            </a:r>
+            <a:r>
+              <a:rPr lang="zh-CN" altLang="en-US" dirty="0"/>
+              <a:t>、！、</a:t>
+            </a:r>
+            <a:r>
+              <a:rPr lang="en-US" altLang="zh-CN" dirty="0"/>
+              <a:t>'(</a:t>
+            </a:r>
+            <a:r>
+              <a:rPr lang="zh-CN" altLang="en-US" dirty="0"/>
+              <a:t>与、或、非</a:t>
             </a:r>
             <a:r>
               <a:rPr lang="en-US" altLang="zh-CN" dirty="0"/>
               <a:t>)</a:t>
             </a:r>
-          </a:p>
-          <a:p>
+            <a:br>
+              <a:rPr lang="en-US" altLang="zh-CN" dirty="0"/>
+            </a:br>
+            <a:r>
+              <a:rPr lang="en-US" altLang="zh-CN" dirty="0">
+                <a:solidFill>
+                  <a:srgbClr val="008000"/>
+                </a:solidFill>
+              </a:rPr>
+              <a:t>   </a:t>
+            </a:r>
+          </a:p>
+          <a:p>
+            <a:r>
+              <a:rPr lang="en-US" altLang="zh-CN" dirty="0">
+                <a:solidFill>
+                  <a:srgbClr val="008000"/>
+                </a:solidFill>
+              </a:rPr>
+              <a:t>    DHC-APP&gt;if 1&amp;&amp;1 w 1</a:t>
+            </a:r>
+            <a:br>
+              <a:rPr lang="en-US" altLang="zh-CN" dirty="0"/>
+            </a:br>
+            <a:r>
+              <a:rPr lang="en-US" altLang="zh-CN" dirty="0">
+                <a:solidFill>
+                  <a:srgbClr val="008000"/>
+                </a:solidFill>
+              </a:rPr>
+              <a:t>    1</a:t>
+            </a:r>
+            <a:br>
+              <a:rPr lang="en-US" altLang="zh-CN" dirty="0"/>
+            </a:br>
+            <a:r>
+              <a:rPr lang="en-US" altLang="zh-CN" dirty="0">
+                <a:solidFill>
+                  <a:srgbClr val="008000"/>
+                </a:solidFill>
+              </a:rPr>
+              <a:t>    DHC-APP&gt;if 1||1 w 1</a:t>
+            </a:r>
+            <a:br>
+              <a:rPr lang="en-US" altLang="zh-CN" dirty="0"/>
+            </a:br>
+            <a:r>
+              <a:rPr lang="en-US" altLang="zh-CN" dirty="0">
+                <a:solidFill>
+                  <a:srgbClr val="008000"/>
+                </a:solidFill>
+              </a:rPr>
+              <a:t>    1</a:t>
+            </a:r>
+            <a:br>
+              <a:rPr lang="en-US" altLang="zh-CN" dirty="0"/>
+            </a:br>
+            <a:r>
+              <a:rPr lang="en-US" altLang="zh-CN" dirty="0">
+                <a:solidFill>
+                  <a:srgbClr val="008000"/>
+                </a:solidFill>
+              </a:rPr>
+              <a:t>    DHC-APP&gt;if 1||0 w 1</a:t>
+            </a:r>
+            <a:br>
+              <a:rPr lang="en-US" altLang="zh-CN" dirty="0"/>
+            </a:br>
+            <a:r>
+              <a:rPr lang="en-US" altLang="zh-CN" dirty="0">
+                <a:solidFill>
+                  <a:srgbClr val="008000"/>
+                </a:solidFill>
+              </a:rPr>
+              <a:t>    1</a:t>
+            </a:r>
+            <a:br>
+              <a:rPr lang="en-US" altLang="zh-CN" dirty="0"/>
+            </a:br>
+            <a:r>
+              <a:rPr lang="en-US" altLang="zh-CN" dirty="0">
+                <a:solidFill>
+                  <a:srgbClr val="008000"/>
+                </a:solidFill>
+              </a:rPr>
+              <a:t>    DHC-APP&gt;if 1'=0 w 1</a:t>
+            </a:r>
+            <a:br>
+              <a:rPr lang="en-US" altLang="zh-CN" dirty="0"/>
+            </a:br>
+            <a:r>
+              <a:rPr lang="en-US" altLang="zh-CN" dirty="0">
+                <a:solidFill>
+                  <a:srgbClr val="008000"/>
+                </a:solidFill>
+              </a:rPr>
+              <a:t>    1</a:t>
+            </a:r>
+            <a:endParaRPr lang="zh-CN" altLang="en-US" dirty="0"/>
+          </a:p>
+        </p:txBody>
+      </p:sp>
+      <p:sp>
+        <p:nvSpPr>
+          <p:cNvPr id="3" name="矩形 2">
+            <a:extLst>
+              <a:ext uri="{FF2B5EF4-FFF2-40B4-BE49-F238E27FC236}">
+                <a16:creationId xmlns:a16="http://schemas.microsoft.com/office/drawing/2014/main" id="{D9C4DF72-4391-452D-8400-2EFCD890E4B7}"/>
+              </a:ext>
+            </a:extLst>
+          </p:cNvPr>
+          <p:cNvSpPr/>
+          <p:nvPr/>
+        </p:nvSpPr>
+        <p:spPr>
+          <a:xfrm>
+            <a:off x="662701" y="4339845"/>
+            <a:ext cx="6096000" cy="1200329"/>
+          </a:xfrm>
+          <a:prstGeom prst="rect">
+            <a:avLst/>
+          </a:prstGeom>
+        </p:spPr>
+        <p:txBody>
+          <a:bodyPr>
+            <a:spAutoFit/>
+          </a:bodyPr>
+          <a:lstStyle/>
+          <a:p>
+            <a:r>
+              <a:rPr lang="en-US" altLang="zh-CN" dirty="0"/>
+              <a:t>6</a:t>
+            </a:r>
+            <a:r>
+              <a:rPr lang="zh-CN" altLang="en-US" dirty="0"/>
+              <a:t>、</a:t>
+            </a:r>
+            <a:r>
+              <a:rPr lang="en-US" altLang="zh-CN" dirty="0"/>
+              <a:t>$fn </a:t>
+            </a:r>
+            <a:r>
+              <a:rPr lang="zh-CN" altLang="en-US" dirty="0"/>
+              <a:t>取小数位，也可以四舍五入</a:t>
+            </a:r>
+            <a:br>
+              <a:rPr lang="zh-CN" altLang="en-US" dirty="0"/>
+            </a:br>
             <a:br>
               <a:rPr lang="zh-CN" altLang="en-US" dirty="0"/>
             </a:br>
@@ -6654,226 +9773,18 @@
                   <a:srgbClr val="008000"/>
                 </a:solidFill>
               </a:rPr>
-              <a:t>DHC-APP&gt;s a = “abcd”</a:t>
-            </a:r>
-            <a:br>
-              <a:rPr lang="en-US" altLang="zh-CN" dirty="0"/>
-            </a:br>
-            <a:r>
-              <a:rPr lang="en-US" altLang="zh-CN" dirty="0">
-                <a:solidFill>
-                  <a:srgbClr val="008000"/>
-                </a:solidFill>
-              </a:rPr>
-              <a:t>    DHC-APP&gt;s b = “cd”</a:t>
-            </a:r>
-            <a:br>
-              <a:rPr lang="en-US" altLang="zh-CN" dirty="0"/>
-            </a:br>
-            <a:r>
-              <a:rPr lang="en-US" altLang="zh-CN" dirty="0">
-                <a:solidFill>
-                  <a:srgbClr val="008000"/>
-                </a:solidFill>
-              </a:rPr>
-              <a:t>    DHC-APP&gt;w a[b     </a:t>
-            </a:r>
-            <a:r>
-              <a:rPr lang="zh-CN" altLang="en-US" dirty="0">
-                <a:solidFill>
-                  <a:srgbClr val="008000"/>
-                </a:solidFill>
-              </a:rPr>
-              <a:t>（</a:t>
-            </a:r>
-            <a:r>
-              <a:rPr lang="en-US" altLang="zh-CN" dirty="0">
-                <a:solidFill>
-                  <a:srgbClr val="008000"/>
-                </a:solidFill>
-              </a:rPr>
-              <a:t>a</a:t>
-            </a:r>
-            <a:r>
-              <a:rPr lang="zh-CN" altLang="en-US" dirty="0">
-                <a:solidFill>
-                  <a:srgbClr val="008000"/>
-                </a:solidFill>
-              </a:rPr>
-              <a:t>包含于</a:t>
-            </a:r>
-            <a:r>
-              <a:rPr lang="en-US" altLang="zh-CN" dirty="0">
-                <a:solidFill>
-                  <a:srgbClr val="008000"/>
-                </a:solidFill>
-              </a:rPr>
-              <a:t>b </a:t>
-            </a:r>
-            <a:r>
-              <a:rPr lang="zh-CN" altLang="en-US" dirty="0">
-                <a:solidFill>
-                  <a:srgbClr val="008000"/>
-                </a:solidFill>
-              </a:rPr>
-              <a:t>或</a:t>
-            </a:r>
-            <a:r>
-              <a:rPr lang="en-US" altLang="zh-CN" dirty="0">
-                <a:solidFill>
-                  <a:srgbClr val="008000"/>
-                </a:solidFill>
-              </a:rPr>
-              <a:t>b</a:t>
-            </a:r>
-            <a:r>
-              <a:rPr lang="zh-CN" altLang="en-US" dirty="0">
-                <a:solidFill>
-                  <a:srgbClr val="008000"/>
-                </a:solidFill>
-              </a:rPr>
-              <a:t>被</a:t>
-            </a:r>
-            <a:r>
-              <a:rPr lang="en-US" altLang="zh-CN" dirty="0">
-                <a:solidFill>
-                  <a:srgbClr val="008000"/>
-                </a:solidFill>
-              </a:rPr>
-              <a:t>a</a:t>
-            </a:r>
-            <a:r>
-              <a:rPr lang="zh-CN" altLang="en-US" dirty="0">
-                <a:solidFill>
-                  <a:srgbClr val="008000"/>
-                </a:solidFill>
-              </a:rPr>
-              <a:t>包含</a:t>
-            </a:r>
-            <a:r>
-              <a:rPr lang="en-US" altLang="zh-CN" dirty="0">
-                <a:solidFill>
-                  <a:srgbClr val="008000"/>
-                </a:solidFill>
-              </a:rPr>
-              <a:t>,</a:t>
-            </a:r>
-            <a:r>
-              <a:rPr lang="zh-CN" altLang="en-US" dirty="0">
-                <a:solidFill>
-                  <a:srgbClr val="008000"/>
-                </a:solidFill>
-              </a:rPr>
-              <a:t>满足包含条件返回</a:t>
-            </a:r>
-            <a:r>
-              <a:rPr lang="en-US" altLang="zh-CN" dirty="0">
-                <a:solidFill>
-                  <a:srgbClr val="008000"/>
-                </a:solidFill>
-              </a:rPr>
-              <a:t>1,</a:t>
-            </a:r>
-            <a:r>
-              <a:rPr lang="zh-CN" altLang="en-US" dirty="0">
-                <a:solidFill>
-                  <a:srgbClr val="008000"/>
-                </a:solidFill>
-              </a:rPr>
-              <a:t>否则返回</a:t>
-            </a:r>
-            <a:r>
-              <a:rPr lang="en-US" altLang="zh-CN" dirty="0">
-                <a:solidFill>
-                  <a:srgbClr val="008000"/>
-                </a:solidFill>
-              </a:rPr>
-              <a:t>0</a:t>
-            </a:r>
-            <a:r>
-              <a:rPr lang="zh-CN" altLang="en-US" dirty="0">
-                <a:solidFill>
-                  <a:srgbClr val="008000"/>
-                </a:solidFill>
-              </a:rPr>
-              <a:t>）</a:t>
-            </a:r>
-            <a:br>
-              <a:rPr lang="en-US" altLang="zh-CN" dirty="0"/>
-            </a:br>
-            <a:r>
-              <a:rPr lang="en-US" altLang="zh-CN" dirty="0">
-                <a:solidFill>
-                  <a:srgbClr val="008000"/>
-                </a:solidFill>
-              </a:rPr>
-              <a:t>    1</a:t>
-            </a:r>
-            <a:br>
-              <a:rPr lang="en-US" altLang="zh-CN" dirty="0"/>
-            </a:br>
-            <a:r>
-              <a:rPr lang="en-US" altLang="zh-CN" dirty="0">
-                <a:solidFill>
-                  <a:srgbClr val="008000"/>
-                </a:solidFill>
-              </a:rPr>
-              <a:t>    DHC-APP&gt;w b[a</a:t>
-            </a:r>
-            <a:br>
-              <a:rPr lang="en-US" altLang="zh-CN" dirty="0"/>
-            </a:br>
-            <a:r>
-              <a:rPr lang="en-US" altLang="zh-CN" dirty="0">
-                <a:solidFill>
-                  <a:srgbClr val="008000"/>
-                </a:solidFill>
-              </a:rPr>
-              <a:t>    0</a:t>
-            </a:r>
-            <a:br>
-              <a:rPr lang="en-US" altLang="zh-CN" dirty="0"/>
-            </a:br>
-            <a:r>
-              <a:rPr lang="en-US" altLang="zh-CN" dirty="0">
-                <a:solidFill>
-                  <a:srgbClr val="008000"/>
-                </a:solidFill>
-              </a:rPr>
-              <a:t>    DHC-APP&gt;w a]b</a:t>
-            </a:r>
-            <a:br>
-              <a:rPr lang="en-US" altLang="zh-CN" dirty="0"/>
-            </a:br>
-            <a:r>
-              <a:rPr lang="en-US" altLang="zh-CN" dirty="0">
-                <a:solidFill>
-                  <a:srgbClr val="008000"/>
-                </a:solidFill>
-              </a:rPr>
-              <a:t>    0</a:t>
-            </a:r>
-            <a:br>
-              <a:rPr lang="en-US" altLang="zh-CN" dirty="0"/>
-            </a:br>
-            <a:r>
-              <a:rPr lang="en-US" altLang="zh-CN" dirty="0">
-                <a:solidFill>
-                  <a:srgbClr val="008000"/>
-                </a:solidFill>
-              </a:rPr>
-              <a:t>    DHC-APP&gt;w b]a</a:t>
-            </a:r>
-            <a:br>
-              <a:rPr lang="en-US" altLang="zh-CN" dirty="0"/>
-            </a:br>
-            <a:r>
-              <a:rPr lang="en-US" altLang="zh-CN" dirty="0">
-                <a:solidFill>
-                  <a:srgbClr val="008000"/>
-                </a:solidFill>
-              </a:rPr>
-              <a:t>    1</a:t>
+              <a:t>DHC-APP&gt;w $fn(1.226,"",2)</a:t>
+            </a:r>
+            <a:br>
+              <a:rPr lang="en-US" altLang="zh-CN" dirty="0"/>
+            </a:br>
+            <a:r>
+              <a:rPr lang="en-US" altLang="zh-CN" dirty="0">
+                <a:solidFill>
+                  <a:srgbClr val="008000"/>
+                </a:solidFill>
+              </a:rPr>
+              <a:t>     1.23</a:t>
             </a:r>
             <a:endParaRPr lang="zh-CN" altLang="en-US" dirty="0"/>
           </a:p>
@@ -6882,7 +9793,7 @@
     </p:spTree>
     <p:extLst>
       <p:ext uri="{BB962C8B-B14F-4D97-AF65-F5344CB8AC3E}">
-        <p14:creationId xmlns:p14="http://schemas.microsoft.com/office/powerpoint/2010/main" val="1557954487"/>
+        <p14:creationId xmlns:p14="http://schemas.microsoft.com/office/powerpoint/2010/main" val="1216192989"/>
       </p:ext>
     </p:extLst>
   </p:cSld>
@@ -6973,17 +9884,17 @@
                 <a:latin typeface="微软雅黑" panose="020B0503020204020204" pitchFamily="34" charset="-122"/>
                 <a:ea typeface="微软雅黑" panose="020B0503020204020204" pitchFamily="34" charset="-122"/>
               </a:rPr>
-              <a:t>三、基本运算符</a:t>
+              <a:t>四、常用函数</a:t>
             </a:r>
           </a:p>
         </p:txBody>
       </p:sp>
       <p:sp>
         <p:nvSpPr>
-          <p:cNvPr id="4" name="矩形 3">
+          <p:cNvPr id="7" name="矩形 6">
             <a:extLst>
               <a:ext uri="{FF2B5EF4-FFF2-40B4-BE49-F238E27FC236}">
-                <a16:creationId xmlns:a16="http://schemas.microsoft.com/office/drawing/2014/main" id="{A9D00770-2C9A-4D12-AE4A-1C70B8AB1B98}"/>
+                <a16:creationId xmlns:a16="http://schemas.microsoft.com/office/drawing/2014/main" id="{C843D6F7-390B-4966-A7ED-1A1708A8943E}"/>
               </a:ext>
             </a:extLst>
           </p:cNvPr>
@@ -6992,8 +9903,8 @@
         </p:nvSpPr>
         <p:spPr>
           <a:xfrm>
-            <a:off x="662701" y="1120676"/>
-            <a:ext cx="6096000" cy="2308324"/>
+            <a:off x="410818" y="1033024"/>
+            <a:ext cx="6096000" cy="3693319"/>
           </a:xfrm>
           <a:prstGeom prst="rect">
             <a:avLst/>
@@ -7007,21 +9918,28 @@
           <a:p>
             <a:r>
               <a:rPr lang="en-US" altLang="zh-CN" dirty="0"/>
-              <a:t>4</a:t>
-            </a:r>
-            <a:r>
-              <a:rPr lang="zh-CN" altLang="en-US" dirty="0"/>
-              <a:t>、连接符</a:t>
-            </a:r>
-            <a:r>
-              <a:rPr lang="en-US" altLang="zh-CN" dirty="0"/>
-              <a:t>_</a:t>
-            </a:r>
-            <a:br>
-              <a:rPr lang="en-US" altLang="zh-CN" dirty="0"/>
-            </a:br>
-            <a:br>
-              <a:rPr lang="en-US" altLang="zh-CN" dirty="0"/>
+              <a:t>1</a:t>
+            </a:r>
+            <a:r>
+              <a:rPr lang="zh-CN" altLang="en-US" dirty="0"/>
+              <a:t>、</a:t>
+            </a:r>
+            <a:r>
+              <a:rPr lang="en-US" altLang="zh-CN" dirty="0"/>
+              <a:t>$Piece($p)</a:t>
+            </a:r>
+            <a:br>
+              <a:rPr lang="en-US" altLang="zh-CN" dirty="0"/>
+            </a:br>
+            <a:r>
+              <a:rPr lang="zh-CN" altLang="en-US" dirty="0"/>
+              <a:t>返回一个或多个被分隔符分开的子串</a:t>
+            </a:r>
+            <a:br>
+              <a:rPr lang="zh-CN" altLang="en-US" dirty="0"/>
+            </a:br>
+            <a:br>
+              <a:rPr lang="zh-CN" altLang="en-US" dirty="0"/>
             </a:br>
             <a:r>
               <a:rPr lang="zh-CN" altLang="en-US" dirty="0">
@@ -7037,7 +9955,7 @@
                   <a:srgbClr val="008000"/>
                 </a:solidFill>
               </a:rPr>
-              <a:t>DHC-APP&gt;s a="abcd"</a:t>
+              <a:t>DHC-APP&gt;s a="1^2^3^4"</a:t>
             </a:r>
             <a:br>
               <a:rPr lang="en-US" altLang="zh-CN" dirty="0"/>
@@ -7059,40 +9977,84 @@
                   <a:srgbClr val="008000"/>
                 </a:solidFill>
               </a:rPr>
-              <a:t>    DHC-APP&gt;s b="efg"</a:t>
-            </a:r>
-            <a:br>
-              <a:rPr lang="en-US" altLang="zh-CN" dirty="0"/>
-            </a:br>
-            <a:r>
-              <a:rPr lang="en-US" altLang="zh-CN" dirty="0">
-                <a:solidFill>
-                  <a:srgbClr val="008000"/>
-                </a:solidFill>
-              </a:rPr>
-              <a:t>     </a:t>
-            </a:r>
-            <a:br>
-              <a:rPr lang="en-US" altLang="zh-CN" dirty="0"/>
-            </a:br>
-            <a:r>
-              <a:rPr lang="en-US" altLang="zh-CN" dirty="0">
-                <a:solidFill>
-                  <a:srgbClr val="008000"/>
-                </a:solidFill>
-              </a:rPr>
-              <a:t>    DHC-APP&gt;w a_b</a:t>
-            </a:r>
-            <a:br>
-              <a:rPr lang="en-US" altLang="zh-CN" dirty="0"/>
-            </a:br>
-            <a:r>
-              <a:rPr lang="en-US" altLang="zh-CN" dirty="0">
-                <a:solidFill>
-                  <a:srgbClr val="008000"/>
-                </a:solidFill>
-              </a:rPr>
-              <a:t>    abcdefg</a:t>
+              <a:t>    DHC-APP&gt;w $p(a,"^",1)</a:t>
+            </a:r>
+            <a:br>
+              <a:rPr lang="en-US" altLang="zh-CN" dirty="0"/>
+            </a:br>
+            <a:r>
+              <a:rPr lang="en-US" altLang="zh-CN" dirty="0">
+                <a:solidFill>
+                  <a:srgbClr val="008000"/>
+                </a:solidFill>
+              </a:rPr>
+              <a:t>    1</a:t>
+            </a:r>
+            <a:br>
+              <a:rPr lang="en-US" altLang="zh-CN" dirty="0"/>
+            </a:br>
+            <a:r>
+              <a:rPr lang="en-US" altLang="zh-CN" dirty="0">
+                <a:solidFill>
+                  <a:srgbClr val="008000"/>
+                </a:solidFill>
+              </a:rPr>
+              <a:t>    DHC-APP&gt;w $p(a,"^",2)</a:t>
+            </a:r>
+            <a:br>
+              <a:rPr lang="en-US" altLang="zh-CN" dirty="0"/>
+            </a:br>
+            <a:r>
+              <a:rPr lang="en-US" altLang="zh-CN" dirty="0">
+                <a:solidFill>
+                  <a:srgbClr val="008000"/>
+                </a:solidFill>
+              </a:rPr>
+              <a:t>    2</a:t>
+            </a:r>
+            <a:br>
+              <a:rPr lang="en-US" altLang="zh-CN" dirty="0"/>
+            </a:br>
+            <a:r>
+              <a:rPr lang="en-US" altLang="zh-CN" dirty="0">
+                <a:solidFill>
+                  <a:srgbClr val="008000"/>
+                </a:solidFill>
+              </a:rPr>
+              <a:t>    DHC-APP&gt;w $p(a,"^",1,4)</a:t>
+            </a:r>
+            <a:br>
+              <a:rPr lang="en-US" altLang="zh-CN" dirty="0"/>
+            </a:br>
+            <a:r>
+              <a:rPr lang="en-US" altLang="zh-CN" dirty="0">
+                <a:solidFill>
+                  <a:srgbClr val="008000"/>
+                </a:solidFill>
+              </a:rPr>
+              <a:t>    1^2^3^4</a:t>
+            </a:r>
+            <a:br>
+              <a:rPr lang="en-US" altLang="zh-CN" dirty="0"/>
+            </a:br>
+            <a:r>
+              <a:rPr lang="en-US" altLang="zh-CN" dirty="0">
+                <a:solidFill>
+                  <a:srgbClr val="008000"/>
+                </a:solidFill>
+              </a:rPr>
+              <a:t>    DHC-APP&gt;w $p(a,"^",2,4)</a:t>
+            </a:r>
+            <a:br>
+              <a:rPr lang="en-US" altLang="zh-CN" dirty="0"/>
+            </a:br>
+            <a:r>
+              <a:rPr lang="en-US" altLang="zh-CN" dirty="0">
+                <a:solidFill>
+                  <a:srgbClr val="008000"/>
+                </a:solidFill>
+              </a:rPr>
+              <a:t>    2^3^4</a:t>
             </a:r>
             <a:endParaRPr lang="zh-CN" altLang="en-US" dirty="0"/>
           </a:p>
@@ -7100,10 +10062,10 @@
       </p:sp>
       <p:sp>
         <p:nvSpPr>
-          <p:cNvPr id="6" name="矩形 5">
+          <p:cNvPr id="8" name="矩形 7">
             <a:extLst>
               <a:ext uri="{FF2B5EF4-FFF2-40B4-BE49-F238E27FC236}">
-                <a16:creationId xmlns:a16="http://schemas.microsoft.com/office/drawing/2014/main" id="{8ACB27E9-4648-4AAC-9772-8B9AA86ABF3B}"/>
+                <a16:creationId xmlns:a16="http://schemas.microsoft.com/office/drawing/2014/main" id="{2529A462-5277-4F7A-A2B0-C0BB5E74023D}"/>
               </a:ext>
             </a:extLst>
           </p:cNvPr>
@@ -7112,22 +10074,22 @@
         </p:nvSpPr>
         <p:spPr>
           <a:xfrm>
-            <a:off x="5141843" y="1120676"/>
-            <a:ext cx="6096000" cy="2862322"/>
+            <a:off x="4724400" y="1033024"/>
+            <a:ext cx="7056782" cy="2308324"/>
           </a:xfrm>
           <a:prstGeom prst="rect">
             <a:avLst/>
           </a:prstGeom>
         </p:spPr>
         <p:txBody>
-          <a:bodyPr>
+          <a:bodyPr wrap="square">
             <a:spAutoFit/>
           </a:bodyPr>
           <a:lstStyle/>
           <a:p>
             <a:r>
               <a:rPr lang="en-US" altLang="zh-CN" dirty="0"/>
-              <a:t>5</a:t>
+              <a:t>2</a:t>
             </a:r>
             <a:r>
               <a:rPr lang="zh-CN" altLang="en-US" dirty="0"/>
@@ -7135,169 +10097,18 @@
             </a:r>
             <a:r>
               <a:rPr lang="en-US" altLang="zh-CN" dirty="0"/>
-              <a:t>&amp;</a:t>
-            </a:r>
-            <a:r>
-              <a:rPr lang="zh-CN" altLang="en-US" dirty="0"/>
-              <a:t>、！、</a:t>
-            </a:r>
-            <a:r>
-              <a:rPr lang="en-US" altLang="zh-CN" dirty="0"/>
-              <a:t>'(</a:t>
-            </a:r>
-            <a:r>
-              <a:rPr lang="zh-CN" altLang="en-US" dirty="0"/>
-              <a:t>与、或、非</a:t>
-            </a:r>
-            <a:r>
-              <a:rPr lang="en-US" altLang="zh-CN" dirty="0"/>
-              <a:t>)</a:t>
-            </a:r>
-            <a:br>
-              <a:rPr lang="en-US" altLang="zh-CN" dirty="0"/>
-            </a:br>
-            <a:r>
-              <a:rPr lang="en-US" altLang="zh-CN" dirty="0">
-                <a:solidFill>
-                  <a:srgbClr val="008000"/>
-                </a:solidFill>
-              </a:rPr>
-              <a:t>   </a:t>
-            </a:r>
-          </a:p>
-          <a:p>
-            <a:r>
-              <a:rPr lang="en-US" altLang="zh-CN" dirty="0">
-                <a:solidFill>
-                  <a:srgbClr val="008000"/>
-                </a:solidFill>
-              </a:rPr>
-              <a:t>    DHC-APP&gt;if 1&amp;&amp;1 w 1</a:t>
-            </a:r>
-            <a:br>
-              <a:rPr lang="en-US" altLang="zh-CN" dirty="0"/>
-            </a:br>
-            <a:r>
-              <a:rPr lang="en-US" altLang="zh-CN" dirty="0">
-                <a:solidFill>
-                  <a:srgbClr val="008000"/>
-                </a:solidFill>
-              </a:rPr>
-              <a:t>    1</a:t>
-            </a:r>
-            <a:br>
-              <a:rPr lang="en-US" altLang="zh-CN" dirty="0"/>
-            </a:br>
-            <a:r>
-              <a:rPr lang="en-US" altLang="zh-CN" dirty="0">
-                <a:solidFill>
-                  <a:srgbClr val="008000"/>
-                </a:solidFill>
-              </a:rPr>
-              <a:t>    DHC-APP&gt;if 1||1 w 1</a:t>
-            </a:r>
-            <a:br>
-              <a:rPr lang="en-US" altLang="zh-CN" dirty="0"/>
-            </a:br>
-            <a:r>
-              <a:rPr lang="en-US" altLang="zh-CN" dirty="0">
-                <a:solidFill>
-                  <a:srgbClr val="008000"/>
-                </a:solidFill>
-              </a:rPr>
-              <a:t>    1</a:t>
-            </a:r>
-            <a:br>
-              <a:rPr lang="en-US" altLang="zh-CN" dirty="0"/>
-            </a:br>
-            <a:r>
-              <a:rPr lang="en-US" altLang="zh-CN" dirty="0">
-                <a:solidFill>
-                  <a:srgbClr val="008000"/>
-                </a:solidFill>
-              </a:rPr>
-              <a:t>    DHC-APP&gt;if 1||0 w 1</a:t>
-            </a:r>
-            <a:br>
-              <a:rPr lang="en-US" altLang="zh-CN" dirty="0"/>
-            </a:br>
-            <a:r>
-              <a:rPr lang="en-US" altLang="zh-CN" dirty="0">
-                <a:solidFill>
-                  <a:srgbClr val="008000"/>
-                </a:solidFill>
-              </a:rPr>
-              <a:t>    1</a:t>
-            </a:r>
-            <a:br>
-              <a:rPr lang="en-US" altLang="zh-CN" dirty="0"/>
-            </a:br>
-            <a:r>
-              <a:rPr lang="en-US" altLang="zh-CN" dirty="0">
-                <a:solidFill>
-                  <a:srgbClr val="008000"/>
-                </a:solidFill>
-              </a:rPr>
-              <a:t>    DHC-APP&gt;if 1'=0 w 1</a:t>
-            </a:r>
-            <a:br>
-              <a:rPr lang="en-US" altLang="zh-CN" dirty="0"/>
-            </a:br>
-            <a:r>
-              <a:rPr lang="en-US" altLang="zh-CN" dirty="0">
-                <a:solidFill>
-                  <a:srgbClr val="008000"/>
-                </a:solidFill>
-              </a:rPr>
-              <a:t>    1</a:t>
-            </a:r>
-            <a:endParaRPr lang="zh-CN" altLang="en-US" dirty="0"/>
-          </a:p>
-        </p:txBody>
-      </p:sp>
-      <p:sp>
-        <p:nvSpPr>
-          <p:cNvPr id="3" name="矩形 2">
-            <a:extLst>
-              <a:ext uri="{FF2B5EF4-FFF2-40B4-BE49-F238E27FC236}">
-                <a16:creationId xmlns:a16="http://schemas.microsoft.com/office/drawing/2014/main" id="{D9C4DF72-4391-452D-8400-2EFCD890E4B7}"/>
-              </a:ext>
-            </a:extLst>
-          </p:cNvPr>
-          <p:cNvSpPr/>
-          <p:nvPr/>
-        </p:nvSpPr>
-        <p:spPr>
-          <a:xfrm>
-            <a:off x="662701" y="4339845"/>
-            <a:ext cx="6096000" cy="1200329"/>
-          </a:xfrm>
-          <a:prstGeom prst="rect">
-            <a:avLst/>
-          </a:prstGeom>
-        </p:spPr>
-        <p:txBody>
-          <a:bodyPr>
-            <a:spAutoFit/>
-          </a:bodyPr>
-          <a:lstStyle/>
-          <a:p>
-            <a:r>
-              <a:rPr lang="en-US" altLang="zh-CN" dirty="0"/>
-              <a:t>6</a:t>
-            </a:r>
-            <a:r>
-              <a:rPr lang="zh-CN" altLang="en-US" dirty="0"/>
-              <a:t>、</a:t>
-            </a:r>
-            <a:r>
-              <a:rPr lang="en-US" altLang="zh-CN" dirty="0"/>
-              <a:t>$fn </a:t>
-            </a:r>
-            <a:r>
-              <a:rPr lang="zh-CN" altLang="en-US" dirty="0"/>
-              <a:t>取小数位，也可以四舍五入</a:t>
-            </a:r>
+              <a:t>$get($g)</a:t>
+            </a:r>
+            <a:br>
+              <a:rPr lang="en-US" altLang="zh-CN" dirty="0"/>
+            </a:br>
+            <a:r>
+              <a:rPr lang="zh-CN" altLang="en-US" dirty="0"/>
+              <a:t>返回一个变量的值，如果变量存在则返回变量本身的值，不存在则返回空。</a:t>
+            </a:r>
+            <a:br>
+              <a:rPr lang="zh-CN" altLang="en-US" dirty="0"/>
+            </a:br>
             <a:br>
               <a:rPr lang="zh-CN" altLang="en-US" dirty="0"/>
             </a:br>
@@ -7318,18 +10129,29 @@
                   <a:srgbClr val="008000"/>
                 </a:solidFill>
               </a:rPr>
-              <a:t>DHC-APP&gt;w $fn(1.226,"",2)</a:t>
-            </a:r>
-            <a:br>
-              <a:rPr lang="en-US" altLang="zh-CN" dirty="0"/>
-            </a:br>
-            <a:r>
-              <a:rPr lang="en-US" altLang="zh-CN" dirty="0">
-                <a:solidFill>
-                  <a:srgbClr val="008000"/>
-                </a:solidFill>
-              </a:rPr>
-              <a:t>     1.23</a:t>
+              <a:t>DHC-APP&gt;w $g(a)</a:t>
+            </a:r>
+            <a:br>
+              <a:rPr lang="en-US" altLang="zh-CN" dirty="0"/>
+            </a:br>
+            <a:r>
+              <a:rPr lang="en-US" altLang="zh-CN" dirty="0">
+                <a:solidFill>
+                  <a:srgbClr val="008000"/>
+                </a:solidFill>
+              </a:rPr>
+              <a:t>    1^2^3^4</a:t>
+            </a:r>
+            <a:br>
+              <a:rPr lang="en-US" altLang="zh-CN" dirty="0"/>
+            </a:br>
+            <a:r>
+              <a:rPr lang="en-US" altLang="zh-CN" dirty="0">
+                <a:solidFill>
+                  <a:srgbClr val="008000"/>
+                </a:solidFill>
+              </a:rPr>
+              <a:t>    DHC-APP&gt;w $g(c)</a:t>
             </a:r>
             <a:endParaRPr lang="zh-CN" altLang="en-US" dirty="0"/>
           </a:p>
@@ -7338,7 +10160,7 @@
     </p:spTree>
     <p:extLst>
       <p:ext uri="{BB962C8B-B14F-4D97-AF65-F5344CB8AC3E}">
-        <p14:creationId xmlns:p14="http://schemas.microsoft.com/office/powerpoint/2010/main" val="1216192989"/>
+        <p14:creationId xmlns:p14="http://schemas.microsoft.com/office/powerpoint/2010/main" val="3428968185"/>
       </p:ext>
     </p:extLst>
   </p:cSld>
@@ -7436,10 +10258,10 @@
       </p:sp>
       <p:sp>
         <p:nvSpPr>
-          <p:cNvPr id="7" name="矩形 6">
+          <p:cNvPr id="3" name="矩形 2">
             <a:extLst>
               <a:ext uri="{FF2B5EF4-FFF2-40B4-BE49-F238E27FC236}">
-                <a16:creationId xmlns:a16="http://schemas.microsoft.com/office/drawing/2014/main" id="{C843D6F7-390B-4966-A7ED-1A1708A8943E}"/>
+                <a16:creationId xmlns:a16="http://schemas.microsoft.com/office/drawing/2014/main" id="{4EB00698-0462-4D06-BD24-7E6F27EC4B3F}"/>
               </a:ext>
             </a:extLst>
           </p:cNvPr>
@@ -7448,179 +10270,8 @@
         </p:nvSpPr>
         <p:spPr>
           <a:xfrm>
-            <a:off x="410818" y="1033024"/>
-            <a:ext cx="6096000" cy="3693319"/>
-          </a:xfrm>
-          <a:prstGeom prst="rect">
-            <a:avLst/>
-          </a:prstGeom>
-        </p:spPr>
-        <p:txBody>
-          <a:bodyPr>
-            <a:spAutoFit/>
-          </a:bodyPr>
-          <a:lstStyle/>
-          <a:p>
-            <a:r>
-              <a:rPr lang="en-US" altLang="zh-CN" dirty="0"/>
-              <a:t>1</a:t>
-            </a:r>
-            <a:r>
-              <a:rPr lang="zh-CN" altLang="en-US" dirty="0"/>
-              <a:t>、</a:t>
-            </a:r>
-            <a:r>
-              <a:rPr lang="en-US" altLang="zh-CN" dirty="0"/>
-              <a:t>$Piece($p)</a:t>
-            </a:r>
-            <a:br>
-              <a:rPr lang="en-US" altLang="zh-CN" dirty="0"/>
-            </a:br>
-            <a:r>
-              <a:rPr lang="zh-CN" altLang="en-US" dirty="0"/>
-              <a:t>返回一个或多个被分隔符分开的子串</a:t>
-            </a:r>
-            <a:br>
-              <a:rPr lang="zh-CN" altLang="en-US" dirty="0"/>
-            </a:br>
-            <a:br>
-              <a:rPr lang="zh-CN" altLang="en-US" dirty="0"/>
-            </a:br>
-            <a:r>
-              <a:rPr lang="zh-CN" altLang="en-US" dirty="0">
-                <a:solidFill>
-                  <a:srgbClr val="008000"/>
-                </a:solidFill>
-              </a:rPr>
-              <a:t>    </a:t>
-            </a:r>
-            <a:r>
-              <a:rPr lang="en-US" altLang="zh-CN" dirty="0">
-                <a:solidFill>
-                  <a:srgbClr val="008000"/>
-                </a:solidFill>
-              </a:rPr>
-              <a:t>DHC-APP&gt;s a="1^2^3^4"</a:t>
-            </a:r>
-            <a:br>
-              <a:rPr lang="en-US" altLang="zh-CN" dirty="0"/>
-            </a:br>
-            <a:r>
-              <a:rPr lang="en-US" altLang="zh-CN" dirty="0">
-                <a:solidFill>
-                  <a:srgbClr val="008000"/>
-                </a:solidFill>
-              </a:rPr>
-              <a:t>     </a:t>
-            </a:r>
-            <a:br>
-              <a:rPr lang="en-US" altLang="zh-CN" dirty="0"/>
-            </a:br>
-            <a:r>
-              <a:rPr lang="en-US" altLang="zh-CN" dirty="0">
-                <a:solidFill>
-                  <a:srgbClr val="008000"/>
-                </a:solidFill>
-              </a:rPr>
-              <a:t>    DHC-APP&gt;w $p(a,"^",1)</a:t>
-            </a:r>
-            <a:br>
-              <a:rPr lang="en-US" altLang="zh-CN" dirty="0"/>
-            </a:br>
-            <a:r>
-              <a:rPr lang="en-US" altLang="zh-CN" dirty="0">
-                <a:solidFill>
-                  <a:srgbClr val="008000"/>
-                </a:solidFill>
-              </a:rPr>
-              <a:t>    1</a:t>
-            </a:r>
-            <a:br>
-              <a:rPr lang="en-US" altLang="zh-CN" dirty="0"/>
-            </a:br>
-            <a:r>
-              <a:rPr lang="en-US" altLang="zh-CN" dirty="0">
-                <a:solidFill>
-                  <a:srgbClr val="008000"/>
-                </a:solidFill>
-              </a:rPr>
-              <a:t>    DHC-APP&gt;w $p(a,"^",2)</a:t>
-            </a:r>
-            <a:br>
-              <a:rPr lang="en-US" altLang="zh-CN" dirty="0"/>
-            </a:br>
-            <a:r>
-              <a:rPr lang="en-US" altLang="zh-CN" dirty="0">
-                <a:solidFill>
-                  <a:srgbClr val="008000"/>
-                </a:solidFill>
-              </a:rPr>
-              <a:t>    2</a:t>
-            </a:r>
-            <a:br>
-              <a:rPr lang="en-US" altLang="zh-CN" dirty="0"/>
-            </a:br>
-            <a:r>
-              <a:rPr lang="en-US" altLang="zh-CN" dirty="0">
-                <a:solidFill>
-                  <a:srgbClr val="008000"/>
-                </a:solidFill>
-              </a:rPr>
-              <a:t>    DHC-APP&gt;w $p(a,"^",1,4)</a:t>
-            </a:r>
-            <a:br>
-              <a:rPr lang="en-US" altLang="zh-CN" dirty="0"/>
-            </a:br>
-            <a:r>
-              <a:rPr lang="en-US" altLang="zh-CN" dirty="0">
-                <a:solidFill>
-                  <a:srgbClr val="008000"/>
-                </a:solidFill>
-              </a:rPr>
-              <a:t>    1^2^3^4</a:t>
-            </a:r>
-            <a:br>
-              <a:rPr lang="en-US" altLang="zh-CN" dirty="0"/>
-            </a:br>
-            <a:r>
-              <a:rPr lang="en-US" altLang="zh-CN" dirty="0">
-                <a:solidFill>
-                  <a:srgbClr val="008000"/>
-                </a:solidFill>
-              </a:rPr>
-              <a:t>    DHC-APP&gt;w $p(a,"^",2,4)</a:t>
-            </a:r>
-            <a:br>
-              <a:rPr lang="en-US" altLang="zh-CN" dirty="0"/>
-            </a:br>
-            <a:r>
-              <a:rPr lang="en-US" altLang="zh-CN" dirty="0">
-                <a:solidFill>
-                  <a:srgbClr val="008000"/>
-                </a:solidFill>
-              </a:rPr>
-              <a:t>    2^3^4</a:t>
-            </a:r>
-            <a:endParaRPr lang="zh-CN" altLang="en-US" dirty="0"/>
-          </a:p>
-        </p:txBody>
-      </p:sp>
-      <p:sp>
-        <p:nvSpPr>
-          <p:cNvPr id="8" name="矩形 7">
-            <a:extLst>
-              <a:ext uri="{FF2B5EF4-FFF2-40B4-BE49-F238E27FC236}">
-                <a16:creationId xmlns:a16="http://schemas.microsoft.com/office/drawing/2014/main" id="{2529A462-5277-4F7A-A2B0-C0BB5E74023D}"/>
-              </a:ext>
-            </a:extLst>
-          </p:cNvPr>
-          <p:cNvSpPr/>
-          <p:nvPr/>
-        </p:nvSpPr>
-        <p:spPr>
-          <a:xfrm>
-            <a:off x="4724400" y="1033024"/>
-            <a:ext cx="7056782" cy="2308324"/>
+            <a:off x="291547" y="1104472"/>
+            <a:ext cx="10641496" cy="5355312"/>
           </a:xfrm>
           <a:prstGeom prst="rect">
             <a:avLst/>
@@ -7634,7 +10285,7 @@
           <a:p>
             <a:r>
               <a:rPr lang="en-US" altLang="zh-CN" dirty="0"/>
-              <a:t>2</a:t>
+              <a:t>3</a:t>
             </a:r>
             <a:r>
               <a:rPr lang="zh-CN" altLang="en-US" dirty="0"/>
@@ -7642,21 +10293,12 @@
             </a:r>
             <a:r>
               <a:rPr lang="en-US" altLang="zh-CN" dirty="0"/>
-              <a:t>$get($g)</a:t>
-            </a:r>
-            <a:br>
-              <a:rPr lang="en-US" altLang="zh-CN" dirty="0"/>
-            </a:br>
-            <a:r>
-              <a:rPr lang="zh-CN" altLang="en-US" dirty="0"/>
-              <a:t>返回一个变量的值，如果变量存在则返回变量本身的值，不存在则返回空。</a:t>
-            </a:r>
-            <a:br>
-              <a:rPr lang="zh-CN" altLang="en-US" dirty="0"/>
-            </a:br>
-            <a:br>
-              <a:rPr lang="zh-CN" altLang="en-US" dirty="0"/>
-            </a:br>
+              <a:t>$data($d)</a:t>
+            </a:r>
+            <a:r>
+              <a:rPr lang="zh-CN" altLang="en-US" dirty="0"/>
+              <a:t>是一个节点的判断，判断变量是否存在。</a:t>
+            </a:r>
             <a:br>
               <a:rPr lang="zh-CN" altLang="en-US" dirty="0"/>
             </a:br>
@@ -7674,29 +10316,298 @@
                   <a:srgbClr val="008000"/>
                 </a:solidFill>
               </a:rPr>
-              <a:t>DHC-APP&gt;w $g(a)</a:t>
-            </a:r>
-            <a:br>
-              <a:rPr lang="en-US" altLang="zh-CN" dirty="0"/>
-            </a:br>
-            <a:r>
-              <a:rPr lang="en-US" altLang="zh-CN" dirty="0">
-                <a:solidFill>
-                  <a:srgbClr val="008000"/>
-                </a:solidFill>
-              </a:rPr>
-              <a:t>    1^2^3^4</a:t>
-            </a:r>
-            <a:br>
-              <a:rPr lang="en-US" altLang="zh-CN" dirty="0"/>
-            </a:br>
-            <a:r>
-              <a:rPr lang="en-US" altLang="zh-CN" dirty="0">
-                <a:solidFill>
-                  <a:srgbClr val="008000"/>
-                </a:solidFill>
-              </a:rPr>
-              <a:t>    DHC-APP&gt;w $g(c)</a:t>
+              <a:t>DHC-APP&gt;s n(1)=1</a:t>
+            </a:r>
+            <a:br>
+              <a:rPr lang="en-US" altLang="zh-CN" dirty="0"/>
+            </a:br>
+            <a:r>
+              <a:rPr lang="en-US" altLang="zh-CN" dirty="0"/>
+              <a:t> </a:t>
+            </a:r>
+            <a:br>
+              <a:rPr lang="en-US" altLang="zh-CN" dirty="0"/>
+            </a:br>
+            <a:r>
+              <a:rPr lang="en-US" altLang="zh-CN" dirty="0">
+                <a:solidFill>
+                  <a:srgbClr val="008000"/>
+                </a:solidFill>
+              </a:rPr>
+              <a:t>    DHC-APP&gt;s n(1,1)=1</a:t>
+            </a:r>
+            <a:br>
+              <a:rPr lang="en-US" altLang="zh-CN" dirty="0"/>
+            </a:br>
+            <a:r>
+              <a:rPr lang="en-US" altLang="zh-CN" dirty="0">
+                <a:solidFill>
+                  <a:srgbClr val="008000"/>
+                </a:solidFill>
+              </a:rPr>
+              <a:t>     </a:t>
+            </a:r>
+            <a:br>
+              <a:rPr lang="en-US" altLang="zh-CN" dirty="0"/>
+            </a:br>
+            <a:r>
+              <a:rPr lang="en-US" altLang="zh-CN" dirty="0">
+                <a:solidFill>
+                  <a:srgbClr val="008000"/>
+                </a:solidFill>
+              </a:rPr>
+              <a:t>    DHC-APP&gt;w $d(n(2))  //n(2)</a:t>
+            </a:r>
+            <a:r>
+              <a:rPr lang="zh-CN" altLang="en-US" dirty="0">
+                <a:solidFill>
+                  <a:srgbClr val="008000"/>
+                </a:solidFill>
+              </a:rPr>
+              <a:t>节点不存在返回</a:t>
+            </a:r>
+            <a:r>
+              <a:rPr lang="en-US" altLang="zh-CN" dirty="0">
+                <a:solidFill>
+                  <a:srgbClr val="008000"/>
+                </a:solidFill>
+              </a:rPr>
+              <a:t>0</a:t>
+            </a:r>
+            <a:br>
+              <a:rPr lang="zh-CN" altLang="en-US" dirty="0"/>
+            </a:br>
+            <a:r>
+              <a:rPr lang="zh-CN" altLang="en-US" dirty="0">
+                <a:solidFill>
+                  <a:srgbClr val="008000"/>
+                </a:solidFill>
+              </a:rPr>
+              <a:t>    </a:t>
+            </a:r>
+            <a:r>
+              <a:rPr lang="en-US" altLang="zh-CN" dirty="0">
+                <a:solidFill>
+                  <a:srgbClr val="008000"/>
+                </a:solidFill>
+              </a:rPr>
+              <a:t>0</a:t>
+            </a:r>
+            <a:br>
+              <a:rPr lang="zh-CN" altLang="en-US" dirty="0"/>
+            </a:br>
+            <a:r>
+              <a:rPr lang="zh-CN" altLang="en-US" dirty="0">
+                <a:solidFill>
+                  <a:srgbClr val="008000"/>
+                </a:solidFill>
+              </a:rPr>
+              <a:t>    </a:t>
+            </a:r>
+            <a:r>
+              <a:rPr lang="en-US" altLang="zh-CN" dirty="0">
+                <a:solidFill>
+                  <a:srgbClr val="008000"/>
+                </a:solidFill>
+              </a:rPr>
+              <a:t>DHC-APP&gt;w $d(n(1))  //n(1)</a:t>
+            </a:r>
+            <a:r>
+              <a:rPr lang="zh-CN" altLang="en-US" dirty="0">
+                <a:solidFill>
+                  <a:srgbClr val="008000"/>
+                </a:solidFill>
+              </a:rPr>
+              <a:t>存在有值，并且子节点存在有值返回</a:t>
+            </a:r>
+            <a:r>
+              <a:rPr lang="en-US" altLang="zh-CN" dirty="0">
+                <a:solidFill>
+                  <a:srgbClr val="008000"/>
+                </a:solidFill>
+              </a:rPr>
+              <a:t>11</a:t>
+            </a:r>
+            <a:br>
+              <a:rPr lang="zh-CN" altLang="en-US" dirty="0"/>
+            </a:br>
+            <a:r>
+              <a:rPr lang="zh-CN" altLang="en-US" dirty="0">
+                <a:solidFill>
+                  <a:srgbClr val="008000"/>
+                </a:solidFill>
+              </a:rPr>
+              <a:t>    </a:t>
+            </a:r>
+            <a:r>
+              <a:rPr lang="en-US" altLang="zh-CN" dirty="0">
+                <a:solidFill>
+                  <a:srgbClr val="008000"/>
+                </a:solidFill>
+              </a:rPr>
+              <a:t>11</a:t>
+            </a:r>
+            <a:br>
+              <a:rPr lang="zh-CN" altLang="en-US" dirty="0"/>
+            </a:br>
+            <a:r>
+              <a:rPr lang="zh-CN" altLang="en-US" dirty="0">
+                <a:solidFill>
+                  <a:srgbClr val="008000"/>
+                </a:solidFill>
+              </a:rPr>
+              <a:t>    </a:t>
+            </a:r>
+            <a:r>
+              <a:rPr lang="en-US" altLang="zh-CN" dirty="0">
+                <a:solidFill>
+                  <a:srgbClr val="008000"/>
+                </a:solidFill>
+              </a:rPr>
+              <a:t>DHC-APP&gt;w $d(n(1,1)) //n(1,1)</a:t>
+            </a:r>
+            <a:r>
+              <a:rPr lang="zh-CN" altLang="en-US" dirty="0">
+                <a:solidFill>
+                  <a:srgbClr val="008000"/>
+                </a:solidFill>
+              </a:rPr>
+              <a:t>存在有值返回</a:t>
+            </a:r>
+            <a:r>
+              <a:rPr lang="en-US" altLang="zh-CN" dirty="0">
+                <a:solidFill>
+                  <a:srgbClr val="008000"/>
+                </a:solidFill>
+              </a:rPr>
+              <a:t>1</a:t>
+            </a:r>
+            <a:br>
+              <a:rPr lang="zh-CN" altLang="en-US" dirty="0"/>
+            </a:br>
+            <a:r>
+              <a:rPr lang="zh-CN" altLang="en-US" dirty="0">
+                <a:solidFill>
+                  <a:srgbClr val="008000"/>
+                </a:solidFill>
+              </a:rPr>
+              <a:t>    </a:t>
+            </a:r>
+            <a:r>
+              <a:rPr lang="en-US" altLang="zh-CN" dirty="0">
+                <a:solidFill>
+                  <a:srgbClr val="008000"/>
+                </a:solidFill>
+              </a:rPr>
+              <a:t>1</a:t>
+            </a:r>
+            <a:br>
+              <a:rPr lang="zh-CN" altLang="en-US" dirty="0"/>
+            </a:br>
+            <a:r>
+              <a:rPr lang="zh-CN" altLang="en-US" dirty="0">
+                <a:solidFill>
+                  <a:srgbClr val="008000"/>
+                </a:solidFill>
+              </a:rPr>
+              <a:t>    </a:t>
+            </a:r>
+            <a:r>
+              <a:rPr lang="en-US" altLang="zh-CN" dirty="0">
+                <a:solidFill>
+                  <a:srgbClr val="008000"/>
+                </a:solidFill>
+              </a:rPr>
+              <a:t>DHC-APP&gt;k n(1)</a:t>
+            </a:r>
+            <a:br>
+              <a:rPr lang="en-US" altLang="zh-CN" dirty="0"/>
+            </a:br>
+            <a:r>
+              <a:rPr lang="en-US" altLang="zh-CN" dirty="0"/>
+              <a:t> </a:t>
+            </a:r>
+            <a:br>
+              <a:rPr lang="en-US" altLang="zh-CN" dirty="0"/>
+            </a:br>
+            <a:r>
+              <a:rPr lang="en-US" altLang="zh-CN" dirty="0">
+                <a:solidFill>
+                  <a:srgbClr val="008000"/>
+                </a:solidFill>
+              </a:rPr>
+              <a:t>    DHC-APP&gt;zw n</a:t>
+            </a:r>
+            <a:br>
+              <a:rPr lang="en-US" altLang="zh-CN" dirty="0"/>
+            </a:br>
+            <a:r>
+              <a:rPr lang="en-US" altLang="zh-CN" dirty="0">
+                <a:solidFill>
+                  <a:srgbClr val="008000"/>
+                </a:solidFill>
+              </a:rPr>
+              <a:t>     </a:t>
+            </a:r>
+            <a:br>
+              <a:rPr lang="en-US" altLang="zh-CN" dirty="0"/>
+            </a:br>
+            <a:r>
+              <a:rPr lang="en-US" altLang="zh-CN" dirty="0">
+                <a:solidFill>
+                  <a:srgbClr val="008000"/>
+                </a:solidFill>
+              </a:rPr>
+              <a:t>    DHC-APP&gt;s n(1,2)=12</a:t>
+            </a:r>
+            <a:br>
+              <a:rPr lang="en-US" altLang="zh-CN" dirty="0"/>
+            </a:br>
+            <a:r>
+              <a:rPr lang="en-US" altLang="zh-CN" dirty="0">
+                <a:solidFill>
+                  <a:srgbClr val="008000"/>
+                </a:solidFill>
+              </a:rPr>
+              <a:t>     </a:t>
+            </a:r>
+            <a:br>
+              <a:rPr lang="en-US" altLang="zh-CN" dirty="0"/>
+            </a:br>
+            <a:r>
+              <a:rPr lang="en-US" altLang="zh-CN" dirty="0">
+                <a:solidFill>
+                  <a:srgbClr val="008000"/>
+                </a:solidFill>
+              </a:rPr>
+              <a:t>    DHC-APP&gt;w $d(n(1))  //n(1)</a:t>
+            </a:r>
+            <a:r>
+              <a:rPr lang="zh-CN" altLang="en-US" dirty="0">
+                <a:solidFill>
+                  <a:srgbClr val="008000"/>
+                </a:solidFill>
+              </a:rPr>
+              <a:t>没有值，但是存在子节点且有值</a:t>
+            </a:r>
+            <a:br>
+              <a:rPr lang="zh-CN" altLang="en-US" dirty="0"/>
+            </a:br>
+            <a:r>
+              <a:rPr lang="zh-CN" altLang="en-US" dirty="0">
+                <a:solidFill>
+                  <a:srgbClr val="008000"/>
+                </a:solidFill>
+              </a:rPr>
+              <a:t>    </a:t>
+            </a:r>
+            <a:r>
+              <a:rPr lang="en-US" altLang="zh-CN" dirty="0">
+                <a:solidFill>
+                  <a:srgbClr val="008000"/>
+                </a:solidFill>
+              </a:rPr>
+              <a:t>10</a:t>
             </a:r>
             <a:endParaRPr lang="zh-CN" altLang="en-US" dirty="0"/>
           </a:p>
@@ -7705,7 +10616,7 @@
     </p:spTree>
     <p:extLst>
       <p:ext uri="{BB962C8B-B14F-4D97-AF65-F5344CB8AC3E}">
-        <p14:creationId xmlns:p14="http://schemas.microsoft.com/office/powerpoint/2010/main" val="3428968185"/>
+        <p14:creationId xmlns:p14="http://schemas.microsoft.com/office/powerpoint/2010/main" val="2805697169"/>
       </p:ext>
     </p:extLst>
   </p:cSld>

--- a/收费-MD/文档/M语言基础知识.pptx
+++ b/收费-MD/文档/M语言基础知识.pptx
@@ -232,7 +232,7 @@
             <a:fld id="{5A949FC2-0CC3-4CD2-A564-F9B51F5A119A}" type="datetimeFigureOut">
               <a:rPr lang="zh-CN" altLang="en-US" smtClean="0"/>
               <a:pPr/>
-              <a:t>2019/7/11</a:t>
+              <a:t>2019/8/6</a:t>
             </a:fld>
             <a:endParaRPr lang="zh-CN" altLang="en-US"/>
           </a:p>
@@ -400,7 +400,7 @@
             <a:fld id="{FD1D2BF6-8155-4AEE-B162-1A0749AE04F6}" type="datetimeFigureOut">
               <a:rPr lang="en-US" smtClean="0"/>
               <a:pPr/>
-              <a:t>7/11/2019</a:t>
+              <a:t>8/6/2019</a:t>
             </a:fld>
             <a:endParaRPr lang="en-US"/>
           </a:p>
@@ -8530,18 +8530,98 @@
                   <a:srgbClr val="008000"/>
                 </a:solidFill>
               </a:rPr>
-              <a:t>    DHC-APP&gt;w 7#5</a:t>
-            </a:r>
-            <a:br>
-              <a:rPr lang="en-US" altLang="zh-CN" dirty="0"/>
-            </a:br>
-            <a:r>
-              <a:rPr lang="en-US" altLang="zh-CN" dirty="0">
-                <a:solidFill>
-                  <a:srgbClr val="008000"/>
-                </a:solidFill>
-              </a:rPr>
-              <a:t>    2</a:t>
+              <a:t>    DHC-APP&gt;w 2+3</a:t>
+            </a:r>
+            <a:r>
+              <a:rPr lang="zh-CN" altLang="en-US" dirty="0">
+                <a:solidFill>
+                  <a:srgbClr val="008000"/>
+                </a:solidFill>
+              </a:rPr>
+              <a:t>*</a:t>
+            </a:r>
+            <a:r>
+              <a:rPr lang="en-US" altLang="zh-CN" dirty="0">
+                <a:solidFill>
+                  <a:srgbClr val="008000"/>
+                </a:solidFill>
+              </a:rPr>
+              <a:t>5</a:t>
+            </a:r>
+            <a:br>
+              <a:rPr lang="en-US" altLang="zh-CN" dirty="0"/>
+            </a:br>
+            <a:r>
+              <a:rPr lang="en-US" altLang="zh-CN" dirty="0">
+                <a:solidFill>
+                  <a:srgbClr val="008000"/>
+                </a:solidFill>
+              </a:rPr>
+              <a:t>    25     (</a:t>
+            </a:r>
+            <a:r>
+              <a:rPr lang="zh-CN" altLang="en-US" dirty="0">
+                <a:solidFill>
+                  <a:srgbClr val="008000"/>
+                </a:solidFill>
+              </a:rPr>
+              <a:t>一律先从左往右计算</a:t>
+            </a:r>
+            <a:r>
+              <a:rPr lang="en-US" altLang="zh-CN" dirty="0">
+                <a:solidFill>
+                  <a:srgbClr val="008000"/>
+                </a:solidFill>
+              </a:rPr>
+              <a:t>,</a:t>
+            </a:r>
+            <a:r>
+              <a:rPr lang="zh-CN" altLang="en-US" dirty="0">
+                <a:solidFill>
+                  <a:srgbClr val="008000"/>
+                </a:solidFill>
+              </a:rPr>
+              <a:t>乘法不会比加法级别高</a:t>
+            </a:r>
+            <a:r>
+              <a:rPr lang="en-US" altLang="zh-CN" dirty="0">
+                <a:solidFill>
+                  <a:srgbClr val="008000"/>
+                </a:solidFill>
+              </a:rPr>
+              <a:t>,</a:t>
+            </a:r>
+            <a:r>
+              <a:rPr lang="zh-CN" altLang="en-US" dirty="0">
+                <a:solidFill>
+                  <a:srgbClr val="008000"/>
+                </a:solidFill>
+              </a:rPr>
+              <a:t>所以不会先算乘法再算加法</a:t>
+            </a:r>
+            <a:r>
+              <a:rPr lang="en-US" altLang="zh-CN" dirty="0">
+                <a:solidFill>
+                  <a:srgbClr val="008000"/>
+                </a:solidFill>
+              </a:rPr>
+              <a:t>,</a:t>
+            </a:r>
+            <a:r>
+              <a:rPr lang="zh-CN" altLang="en-US" dirty="0">
+                <a:solidFill>
+                  <a:srgbClr val="008000"/>
+                </a:solidFill>
+              </a:rPr>
+              <a:t>除非是有括号</a:t>
+            </a:r>
+            <a:r>
+              <a:rPr lang="en-US" altLang="zh-CN" dirty="0">
+                <a:solidFill>
+                  <a:srgbClr val="008000"/>
+                </a:solidFill>
+              </a:rPr>
+              <a:t>)</a:t>
             </a:r>
             <a:br>
               <a:rPr lang="en-US" altLang="zh-CN" dirty="0"/>
